--- a/VC_final_project.pptx
+++ b/VC_final_project.pptx
@@ -1988,6 +1988,13 @@
         </dgm:presLayoutVars>
       </dgm:prSet>
       <dgm:spPr/>
+      <dgm:t>
+        <a:bodyPr/>
+        <a:lstStyle/>
+        <a:p>
+          <a:endParaRPr lang="zh-TW" altLang="en-US"/>
+        </a:p>
+      </dgm:t>
     </dgm:pt>
     <dgm:pt modelId="{6FC6CE4A-5E2D-44D6-82A0-9AD05BD22A3D}" type="pres">
       <dgm:prSet presAssocID="{66252AB8-598F-4EDA-995A-9829DD771289}" presName="bullet3b" presStyleLbl="node1" presStyleIdx="1" presStyleCnt="3"/>
@@ -2019,6 +2026,13 @@
         </dgm:presLayoutVars>
       </dgm:prSet>
       <dgm:spPr/>
+      <dgm:t>
+        <a:bodyPr/>
+        <a:lstStyle/>
+        <a:p>
+          <a:endParaRPr lang="zh-TW" altLang="en-US"/>
+        </a:p>
+      </dgm:t>
     </dgm:pt>
   </dgm:ptLst>
   <dgm:cxnLst>
@@ -2183,6 +2197,13 @@
         </dgm:presLayoutVars>
       </dgm:prSet>
       <dgm:spPr/>
+      <dgm:t>
+        <a:bodyPr/>
+        <a:lstStyle/>
+        <a:p>
+          <a:endParaRPr lang="zh-TW" altLang="en-US"/>
+        </a:p>
+      </dgm:t>
     </dgm:pt>
     <dgm:pt modelId="{05426049-2331-4F13-AE63-4EFA3C5B1F7A}" type="pres">
       <dgm:prSet presAssocID="{5CC688CD-7BF5-4640-A7EE-448E30044D10}" presName="Accent1" presStyleCnt="0"/>
@@ -2261,13 +2282,13 @@
     </dgm:pt>
   </dgm:ptLst>
   <dgm:cxnLst>
-    <dgm:cxn modelId="{A8AB31F0-A7EA-4C0B-AC32-B3C1C3CCE675}" type="presOf" srcId="{5CC688CD-7BF5-4640-A7EE-448E30044D10}" destId="{352516D7-44E2-455C-8EFF-72263C779115}" srcOrd="0" destOrd="0" presId="urn:microsoft.com/office/officeart/2009/layout/CircleArrowProcess"/>
-    <dgm:cxn modelId="{96819130-3461-4598-99F9-F41F18A6EA1C}" srcId="{62D8769A-9FA1-4CA1-A7F8-0DF5DDD24764}" destId="{19207C32-B6B0-49A6-8AC1-56E627C2DCB7}" srcOrd="2" destOrd="0" parTransId="{1A12BBDA-0717-440E-A2F8-5EEF98E2D2CA}" sibTransId="{8B22981F-7845-4069-A441-9A7DC285FF26}"/>
     <dgm:cxn modelId="{BD9723AA-C063-4CC4-AD78-0BD482FDAD3E}" type="presOf" srcId="{DF074A4A-AB9E-4F4A-A510-F484C2ABBF0B}" destId="{03C3139E-3E22-44DB-9362-72366FAB73D5}" srcOrd="0" destOrd="0" presId="urn:microsoft.com/office/officeart/2009/layout/CircleArrowProcess"/>
     <dgm:cxn modelId="{EBCA8496-0E04-4AD0-916D-2CD4A89907DC}" type="presOf" srcId="{62D8769A-9FA1-4CA1-A7F8-0DF5DDD24764}" destId="{3DE7919A-8D2A-45A6-8C34-8C820B0A7268}" srcOrd="0" destOrd="0" presId="urn:microsoft.com/office/officeart/2009/layout/CircleArrowProcess"/>
+    <dgm:cxn modelId="{520DBA05-F3F6-4903-8805-1ADE6CEA93FD}" srcId="{62D8769A-9FA1-4CA1-A7F8-0DF5DDD24764}" destId="{5CC688CD-7BF5-4640-A7EE-448E30044D10}" srcOrd="0" destOrd="0" parTransId="{9A92C30E-299E-481D-81A6-B4545E16286B}" sibTransId="{214C5DDA-27ED-4666-9B95-07F73A2621EE}"/>
+    <dgm:cxn modelId="{96819130-3461-4598-99F9-F41F18A6EA1C}" srcId="{62D8769A-9FA1-4CA1-A7F8-0DF5DDD24764}" destId="{19207C32-B6B0-49A6-8AC1-56E627C2DCB7}" srcOrd="2" destOrd="0" parTransId="{1A12BBDA-0717-440E-A2F8-5EEF98E2D2CA}" sibTransId="{8B22981F-7845-4069-A441-9A7DC285FF26}"/>
     <dgm:cxn modelId="{266C9A54-0080-4419-9F1C-FE9F7B936390}" srcId="{62D8769A-9FA1-4CA1-A7F8-0DF5DDD24764}" destId="{DF074A4A-AB9E-4F4A-A510-F484C2ABBF0B}" srcOrd="1" destOrd="0" parTransId="{A36F137C-832A-484C-B49D-12C3C70EFC46}" sibTransId="{104D60A5-5BBD-4382-B071-03D9E6D19758}"/>
-    <dgm:cxn modelId="{520DBA05-F3F6-4903-8805-1ADE6CEA93FD}" srcId="{62D8769A-9FA1-4CA1-A7F8-0DF5DDD24764}" destId="{5CC688CD-7BF5-4640-A7EE-448E30044D10}" srcOrd="0" destOrd="0" parTransId="{9A92C30E-299E-481D-81A6-B4545E16286B}" sibTransId="{214C5DDA-27ED-4666-9B95-07F73A2621EE}"/>
     <dgm:cxn modelId="{A9226274-307F-4C71-B966-A4FD1BD0829C}" type="presOf" srcId="{19207C32-B6B0-49A6-8AC1-56E627C2DCB7}" destId="{4FC4256B-6BCB-4D62-AD3B-C8C5E718BC6C}" srcOrd="0" destOrd="0" presId="urn:microsoft.com/office/officeart/2009/layout/CircleArrowProcess"/>
+    <dgm:cxn modelId="{A8AB31F0-A7EA-4C0B-AC32-B3C1C3CCE675}" type="presOf" srcId="{5CC688CD-7BF5-4640-A7EE-448E30044D10}" destId="{352516D7-44E2-455C-8EFF-72263C779115}" srcOrd="0" destOrd="0" presId="urn:microsoft.com/office/officeart/2009/layout/CircleArrowProcess"/>
     <dgm:cxn modelId="{85A37ACF-D094-4806-BFF6-126D2B1FA19C}" type="presParOf" srcId="{3DE7919A-8D2A-45A6-8C34-8C820B0A7268}" destId="{05426049-2331-4F13-AE63-4EFA3C5B1F7A}" srcOrd="0" destOrd="0" presId="urn:microsoft.com/office/officeart/2009/layout/CircleArrowProcess"/>
     <dgm:cxn modelId="{193C5123-1D3D-430B-BDAC-7D3F1E96B06E}" type="presParOf" srcId="{05426049-2331-4F13-AE63-4EFA3C5B1F7A}" destId="{ED61B822-935C-41BA-9814-ACC4EEACD29C}" srcOrd="0" destOrd="0" presId="urn:microsoft.com/office/officeart/2009/layout/CircleArrowProcess"/>
     <dgm:cxn modelId="{EA458000-75F4-4FCE-8CBD-19C20C69ECF8}" type="presParOf" srcId="{3DE7919A-8D2A-45A6-8C34-8C820B0A7268}" destId="{352516D7-44E2-455C-8EFF-72263C779115}" srcOrd="1" destOrd="0" presId="urn:microsoft.com/office/officeart/2009/layout/CircleArrowProcess"/>
@@ -8910,7 +8931,7 @@
           <a:p>
             <a:fld id="{FE1A44F2-1E2B-4D5B-B0C0-FEE0CB43EB66}" type="datetimeFigureOut">
               <a:rPr lang="zh-TW" altLang="en-US" smtClean="0"/>
-              <a:t>2016/6/16</a:t>
+              <a:t>2016/6/17</a:t>
             </a:fld>
             <a:endParaRPr lang="zh-TW" altLang="en-US"/>
           </a:p>
@@ -9393,7 +9414,7 @@
           <a:p>
             <a:fld id="{A0184455-76F4-4AAA-9BF1-07600BF98B0E}" type="datetimeFigureOut">
               <a:rPr lang="zh-TW" altLang="en-US" smtClean="0"/>
-              <a:t>2016/6/16</a:t>
+              <a:t>2016/6/17</a:t>
             </a:fld>
             <a:endParaRPr lang="zh-TW" altLang="en-US"/>
           </a:p>
@@ -9563,7 +9584,7 @@
           <a:p>
             <a:fld id="{A0184455-76F4-4AAA-9BF1-07600BF98B0E}" type="datetimeFigureOut">
               <a:rPr lang="zh-TW" altLang="en-US" smtClean="0"/>
-              <a:t>2016/6/16</a:t>
+              <a:t>2016/6/17</a:t>
             </a:fld>
             <a:endParaRPr lang="zh-TW" altLang="en-US"/>
           </a:p>
@@ -9743,7 +9764,7 @@
           <a:p>
             <a:fld id="{A0184455-76F4-4AAA-9BF1-07600BF98B0E}" type="datetimeFigureOut">
               <a:rPr lang="zh-TW" altLang="en-US" smtClean="0"/>
-              <a:t>2016/6/16</a:t>
+              <a:t>2016/6/17</a:t>
             </a:fld>
             <a:endParaRPr lang="zh-TW" altLang="en-US"/>
           </a:p>
@@ -9913,7 +9934,7 @@
           <a:p>
             <a:fld id="{A0184455-76F4-4AAA-9BF1-07600BF98B0E}" type="datetimeFigureOut">
               <a:rPr lang="zh-TW" altLang="en-US" smtClean="0"/>
-              <a:t>2016/6/16</a:t>
+              <a:t>2016/6/17</a:t>
             </a:fld>
             <a:endParaRPr lang="zh-TW" altLang="en-US"/>
           </a:p>
@@ -10159,7 +10180,7 @@
           <a:p>
             <a:fld id="{A0184455-76F4-4AAA-9BF1-07600BF98B0E}" type="datetimeFigureOut">
               <a:rPr lang="zh-TW" altLang="en-US" smtClean="0"/>
-              <a:t>2016/6/16</a:t>
+              <a:t>2016/6/17</a:t>
             </a:fld>
             <a:endParaRPr lang="zh-TW" altLang="en-US"/>
           </a:p>
@@ -10391,7 +10412,7 @@
           <a:p>
             <a:fld id="{A0184455-76F4-4AAA-9BF1-07600BF98B0E}" type="datetimeFigureOut">
               <a:rPr lang="zh-TW" altLang="en-US" smtClean="0"/>
-              <a:t>2016/6/16</a:t>
+              <a:t>2016/6/17</a:t>
             </a:fld>
             <a:endParaRPr lang="zh-TW" altLang="en-US"/>
           </a:p>
@@ -10758,7 +10779,7 @@
           <a:p>
             <a:fld id="{A0184455-76F4-4AAA-9BF1-07600BF98B0E}" type="datetimeFigureOut">
               <a:rPr lang="zh-TW" altLang="en-US" smtClean="0"/>
-              <a:t>2016/6/16</a:t>
+              <a:t>2016/6/17</a:t>
             </a:fld>
             <a:endParaRPr lang="zh-TW" altLang="en-US"/>
           </a:p>
@@ -10876,7 +10897,7 @@
           <a:p>
             <a:fld id="{A0184455-76F4-4AAA-9BF1-07600BF98B0E}" type="datetimeFigureOut">
               <a:rPr lang="zh-TW" altLang="en-US" smtClean="0"/>
-              <a:t>2016/6/16</a:t>
+              <a:t>2016/6/17</a:t>
             </a:fld>
             <a:endParaRPr lang="zh-TW" altLang="en-US"/>
           </a:p>
@@ -10971,7 +10992,7 @@
           <a:p>
             <a:fld id="{A0184455-76F4-4AAA-9BF1-07600BF98B0E}" type="datetimeFigureOut">
               <a:rPr lang="zh-TW" altLang="en-US" smtClean="0"/>
-              <a:t>2016/6/16</a:t>
+              <a:t>2016/6/17</a:t>
             </a:fld>
             <a:endParaRPr lang="zh-TW" altLang="en-US"/>
           </a:p>
@@ -11248,7 +11269,7 @@
           <a:p>
             <a:fld id="{A0184455-76F4-4AAA-9BF1-07600BF98B0E}" type="datetimeFigureOut">
               <a:rPr lang="zh-TW" altLang="en-US" smtClean="0"/>
-              <a:t>2016/6/16</a:t>
+              <a:t>2016/6/17</a:t>
             </a:fld>
             <a:endParaRPr lang="zh-TW" altLang="en-US"/>
           </a:p>
@@ -11501,7 +11522,7 @@
           <a:p>
             <a:fld id="{A0184455-76F4-4AAA-9BF1-07600BF98B0E}" type="datetimeFigureOut">
               <a:rPr lang="zh-TW" altLang="en-US" smtClean="0"/>
-              <a:t>2016/6/16</a:t>
+              <a:t>2016/6/17</a:t>
             </a:fld>
             <a:endParaRPr lang="zh-TW" altLang="en-US"/>
           </a:p>
@@ -11714,7 +11735,7 @@
           <a:p>
             <a:fld id="{A0184455-76F4-4AAA-9BF1-07600BF98B0E}" type="datetimeFigureOut">
               <a:rPr lang="zh-TW" altLang="en-US" smtClean="0"/>
-              <a:t>2016/6/16</a:t>
+              <a:t>2016/6/17</a:t>
             </a:fld>
             <a:endParaRPr lang="zh-TW" altLang="en-US"/>
           </a:p>
@@ -12251,11 +12272,11 @@
   <p:clrMapOvr>
     <a:masterClrMapping/>
   </p:clrMapOvr>
-  <mc:AlternateContent xmlns:mc="http://schemas.openxmlformats.org/markup-compatibility/2006">
-    <mc:Choice xmlns:p14="http://schemas.microsoft.com/office/powerpoint/2010/main" Requires="p14">
+  <mc:AlternateContent xmlns:mc="http://schemas.openxmlformats.org/markup-compatibility/2006" xmlns:p14="http://schemas.microsoft.com/office/powerpoint/2010/main">
+    <mc:Choice Requires="p14">
       <p:transition spd="slow" p14:dur="2000"/>
     </mc:Choice>
-    <mc:Fallback>
+    <mc:Fallback xmlns="">
       <p:transition spd="slow"/>
     </mc:Fallback>
   </mc:AlternateContent>
@@ -13301,11 +13322,7 @@
             </a:r>
             <a:r>
               <a:rPr lang="en-US" altLang="zh-TW" dirty="0" smtClean="0"/>
-              <a:t> </a:t>
-            </a:r>
-            <a:r>
-              <a:rPr lang="en-US" altLang="zh-TW" dirty="0" smtClean="0"/>
-              <a:t>pixels: Smooth </a:t>
+              <a:t> pixels: Smooth </a:t>
             </a:r>
             <a:endParaRPr lang="zh-TW" altLang="en-US" dirty="0"/>
           </a:p>
@@ -13506,11 +13523,7 @@
             </a:r>
             <a:r>
               <a:rPr lang="en-US" altLang="zh-TW" dirty="0" smtClean="0"/>
-              <a:t> </a:t>
-            </a:r>
-            <a:r>
-              <a:rPr lang="en-US" altLang="zh-TW" dirty="0" smtClean="0"/>
-              <a:t>pixels: Smooth </a:t>
+              <a:t> pixels: Smooth </a:t>
             </a:r>
             <a:endParaRPr lang="zh-TW" altLang="en-US" dirty="0"/>
           </a:p>
@@ -13741,15 +13754,7 @@
             </a:r>
             <a:r>
               <a:rPr lang="en-US" altLang="zh-TW" dirty="0" smtClean="0"/>
-              <a:t> </a:t>
-            </a:r>
-            <a:r>
-              <a:rPr lang="en-US" altLang="zh-TW" dirty="0" smtClean="0"/>
-              <a:t>pixel (white) , </a:t>
-            </a:r>
-            <a:r>
-              <a:rPr lang="en-US" altLang="zh-TW" dirty="0" smtClean="0"/>
-              <a:t>we want to find the best start frame s, and best period p</a:t>
+              <a:t> pixel (white) , we want to find the best start frame s, and best period p</a:t>
             </a:r>
           </a:p>
           <a:p>
@@ -13761,17 +13766,8 @@
           <a:p>
             <a:r>
               <a:rPr lang="en-US" altLang="zh-TW" dirty="0" smtClean="0"/>
-              <a:t>O</a:t>
-            </a:r>
-            <a:r>
-              <a:rPr lang="en-US" altLang="zh-TW" dirty="0" smtClean="0"/>
-              <a:t>ur target: </a:t>
-            </a:r>
-            <a:r>
-              <a:rPr lang="en-US" altLang="zh-TW" dirty="0" smtClean="0"/>
-              <a:t>minimize the energy </a:t>
-            </a:r>
-            <a:endParaRPr lang="en-US" altLang="zh-TW" dirty="0" smtClean="0"/>
+              <a:t>Our target: minimize the energy </a:t>
+            </a:r>
           </a:p>
         </p:txBody>
       </p:sp>
@@ -13906,11 +13902,7 @@
           <a:p>
             <a:r>
               <a:rPr lang="en-US" altLang="zh-TW" dirty="0" smtClean="0"/>
-              <a:t>Create Video </a:t>
-            </a:r>
-            <a:r>
-              <a:rPr lang="en-US" altLang="zh-TW" dirty="0" smtClean="0"/>
-              <a:t>Loop</a:t>
+              <a:t>Create Video Loop</a:t>
             </a:r>
             <a:endParaRPr lang="zh-TW" altLang="en-US" dirty="0"/>
           </a:p>
@@ -13962,11 +13954,7 @@
           <a:p>
             <a:r>
               <a:rPr lang="en-US" altLang="zh-TW" dirty="0" smtClean="0"/>
-              <a:t>In </a:t>
-            </a:r>
-            <a:r>
-              <a:rPr lang="en-US" altLang="zh-TW" dirty="0" smtClean="0"/>
-              <a:t>the paper of </a:t>
+              <a:t>In the paper of </a:t>
             </a:r>
             <a:r>
               <a:rPr lang="en-US" altLang="zh-TW" dirty="0"/>
@@ -14044,7 +14032,7 @@
         <p:spPr>
           <a:xfrm>
             <a:off x="762000" y="1901825"/>
-            <a:ext cx="6437566" cy="4351338"/>
+            <a:ext cx="6739430" cy="4351338"/>
           </a:xfrm>
         </p:spPr>
         <p:txBody>
@@ -14061,15 +14049,7 @@
           <a:p>
             <a:r>
               <a:rPr lang="en-US" altLang="zh-TW" dirty="0" smtClean="0"/>
-              <a:t>We use candidates </a:t>
-            </a:r>
-            <a:r>
-              <a:rPr lang="en-US" altLang="zh-TW" dirty="0" smtClean="0"/>
-              <a:t>{s, p</a:t>
-            </a:r>
-            <a:r>
-              <a:rPr lang="en-US" altLang="zh-TW" dirty="0" smtClean="0"/>
-              <a:t>} of </a:t>
+              <a:t>We use candidates {s, p} of </a:t>
             </a:r>
             <a:r>
               <a:rPr lang="en-US" altLang="zh-TW" dirty="0"/>
@@ -14084,17 +14064,46 @@
             </a:r>
             <a:r>
               <a:rPr lang="en-US" altLang="zh-TW" dirty="0" smtClean="0"/>
-              <a:t>p=8,9</a:t>
+              <a:t>p=10,…,</a:t>
             </a:r>
             <a:r>
               <a:rPr lang="en-US" altLang="zh-TW" dirty="0" smtClean="0"/>
-              <a:t>,…,30, s = 2,3,…,37-p</a:t>
-            </a:r>
-          </a:p>
-          <a:p>
+              <a:t>30, s = 2,3,…,</a:t>
+            </a:r>
             <a:r>
               <a:rPr lang="en-US" altLang="zh-TW" dirty="0" smtClean="0"/>
-              <a:t>For each input video frame we calculate the absolute error over the </a:t>
+              <a:t>37-p (357 labels)</a:t>
+            </a:r>
+            <a:endParaRPr lang="en-US" altLang="zh-TW" dirty="0" smtClean="0"/>
+          </a:p>
+          <a:p>
+            <a:r>
+              <a:rPr lang="en-US" altLang="zh-TW" dirty="0" smtClean="0"/>
+              <a:t>For </a:t>
+            </a:r>
+            <a:r>
+              <a:rPr lang="en-US" altLang="zh-TW" dirty="0" smtClean="0"/>
+              <a:t>each</a:t>
+            </a:r>
+            <a:r>
+              <a:rPr lang="zh-TW" altLang="en-US" dirty="0" smtClean="0"/>
+              <a:t> </a:t>
+            </a:r>
+            <a:r>
+              <a:rPr lang="en-US" altLang="zh-TW" dirty="0"/>
+              <a:t>possible p, </a:t>
+            </a:r>
+            <a:r>
+              <a:rPr lang="en-US" altLang="zh-TW" dirty="0" smtClean="0"/>
+              <a:t>s</a:t>
+            </a:r>
+            <a:r>
+              <a:rPr lang="en-US" altLang="zh-TW" dirty="0" smtClean="0"/>
+              <a:t> </a:t>
+            </a:r>
+            <a:r>
+              <a:rPr lang="en-US" altLang="zh-TW" dirty="0" smtClean="0"/>
+              <a:t>we calculate the absolute error over the </a:t>
             </a:r>
             <a:r>
               <a:rPr lang="en-US" altLang="zh-TW" dirty="0" err="1" smtClean="0"/>
@@ -14102,8 +14111,13 @@
             </a:r>
             <a:r>
               <a:rPr lang="en-US" altLang="zh-TW" dirty="0" smtClean="0"/>
-              <a:t> pixels with all possible p, s</a:t>
-            </a:r>
+              <a:t> </a:t>
+            </a:r>
+            <a:r>
+              <a:rPr lang="en-US" altLang="zh-TW" dirty="0" smtClean="0"/>
+              <a:t>pixels</a:t>
+            </a:r>
+            <a:endParaRPr lang="en-US" altLang="zh-TW" dirty="0" smtClean="0"/>
           </a:p>
           <a:p>
             <a:pPr marL="0" indent="0">
@@ -14115,6 +14129,9 @@
             <a:pPr marL="0" indent="0">
               <a:buNone/>
             </a:pPr>
+            <a:endParaRPr lang="en-US" altLang="zh-TW" dirty="0" smtClean="0"/>
+          </a:p>
+          <a:p>
             <a:endParaRPr lang="en-US" altLang="zh-TW" dirty="0" smtClean="0"/>
           </a:p>
           <a:p>
@@ -14350,7 +14367,7 @@
             <p:spPr>
               <a:xfrm>
                 <a:off x="1363297" y="1996788"/>
-                <a:ext cx="2340705" cy="584775"/>
+                <a:ext cx="1915240" cy="651631"/>
               </a:xfrm>
               <a:prstGeom prst="rect">
                 <a:avLst/>
@@ -14365,7 +14382,7 @@
               <a:p>
                 <a:r>
                   <a:rPr lang="en-US" altLang="zh-TW" sz="3200" dirty="0" smtClean="0"/>
-                  <a:t>P=8,9,10…30</a:t>
+                  <a:t>P=10…30</a:t>
                 </a:r>
                 <a:endParaRPr lang="zh-TW" altLang="en-US" sz="3200" dirty="0"/>
               </a:p>
@@ -14923,7 +14940,7 @@
             </p:nvSpPr>
             <p:spPr>
               <a:xfrm>
-                <a:off x="1007188" y="4394540"/>
+                <a:off x="1007188" y="4303100"/>
                 <a:ext cx="5726366" cy="1183273"/>
               </a:xfrm>
               <a:prstGeom prst="rect">
@@ -14936,6 +14953,7 @@
               </a:bodyPr>
               <a:lstStyle/>
               <a:p>
+                <a:pPr/>
                 <a14:m>
                   <m:oMathPara xmlns:m="http://schemas.openxmlformats.org/officeDocument/2006/math">
                     <m:oMathParaPr>
@@ -15206,7 +15224,7 @@
             </p:nvSpPr>
             <p:spPr>
               <a:xfrm>
-                <a:off x="1007188" y="4394540"/>
+                <a:off x="1007188" y="4303100"/>
                 <a:ext cx="5726366" cy="1183273"/>
               </a:xfrm>
               <a:prstGeom prst="rect">
@@ -15306,8 +15324,8 @@
           </a:p>
         </p:txBody>
       </p:sp>
-      <mc:AlternateContent xmlns:mc="http://schemas.openxmlformats.org/markup-compatibility/2006">
-        <mc:Choice xmlns:a14="http://schemas.microsoft.com/office/drawing/2010/main" Requires="a14">
+      <mc:AlternateContent xmlns:mc="http://schemas.openxmlformats.org/markup-compatibility/2006" xmlns:a14="http://schemas.microsoft.com/office/drawing/2010/main">
+        <mc:Choice Requires="a14">
           <p:sp>
             <p:nvSpPr>
               <p:cNvPr id="3" name="內容版面配置區 2"/>
@@ -15636,7 +15654,7 @@
             </p:txBody>
           </p:sp>
         </mc:Choice>
-        <mc:Fallback>
+        <mc:Fallback xmlns="">
           <p:sp>
             <p:nvSpPr>
               <p:cNvPr id="3" name="內容版面配置區 2"/>
@@ -15680,11 +15698,11 @@
   <p:clrMapOvr>
     <a:masterClrMapping/>
   </p:clrMapOvr>
-  <mc:AlternateContent xmlns:mc="http://schemas.openxmlformats.org/markup-compatibility/2006">
-    <mc:Choice xmlns:p14="http://schemas.microsoft.com/office/powerpoint/2010/main" Requires="p14">
+  <mc:AlternateContent xmlns:mc="http://schemas.openxmlformats.org/markup-compatibility/2006" xmlns:p14="http://schemas.microsoft.com/office/powerpoint/2010/main">
+    <mc:Choice Requires="p14">
       <p:transition spd="slow" p14:dur="2000"/>
     </mc:Choice>
-    <mc:Fallback>
+    <mc:Fallback xmlns="">
       <p:transition spd="slow"/>
     </mc:Fallback>
   </mc:AlternateContent>
@@ -15997,10 +16015,6 @@
               </a:rPr>
               <a:t>p04922005</a:t>
             </a:r>
-            <a:endParaRPr lang="en-US" altLang="zh-TW" dirty="0">
-              <a:latin typeface="標楷體" panose="03000509000000000000" pitchFamily="65" charset="-120"/>
-              <a:ea typeface="標楷體" panose="03000509000000000000" pitchFamily="65" charset="-120"/>
-            </a:endParaRPr>
           </a:p>
           <a:p>
             <a:pPr algn="l"/>
@@ -16025,10 +16039,6 @@
               </a:rPr>
               <a:t>r04922125</a:t>
             </a:r>
-            <a:endParaRPr lang="en-US" altLang="zh-TW" dirty="0" smtClean="0">
-              <a:latin typeface="標楷體" panose="03000509000000000000" pitchFamily="65" charset="-120"/>
-              <a:ea typeface="標楷體" panose="03000509000000000000" pitchFamily="65" charset="-120"/>
-            </a:endParaRPr>
           </a:p>
         </p:txBody>
       </p:sp>
@@ -16086,11 +16096,7 @@
           <a:p>
             <a:r>
               <a:rPr lang="en-US" altLang="zh-TW" sz="2800" dirty="0" smtClean="0"/>
-              <a:t>Group </a:t>
-            </a:r>
-            <a:r>
-              <a:rPr lang="en-US" altLang="zh-TW" sz="2800" dirty="0" smtClean="0"/>
-              <a:t>4</a:t>
+              <a:t>Group 4</a:t>
             </a:r>
             <a:endParaRPr lang="zh-TW" altLang="en-US" sz="2800" dirty="0"/>
           </a:p>
@@ -16248,11 +16254,11 @@
   <p:clrMapOvr>
     <a:masterClrMapping/>
   </p:clrMapOvr>
-  <mc:AlternateContent xmlns:mc="http://schemas.openxmlformats.org/markup-compatibility/2006">
-    <mc:Choice xmlns:p14="http://schemas.microsoft.com/office/powerpoint/2010/main" Requires="p14">
+  <mc:AlternateContent xmlns:mc="http://schemas.openxmlformats.org/markup-compatibility/2006" xmlns:p14="http://schemas.microsoft.com/office/powerpoint/2010/main">
+    <mc:Choice Requires="p14">
       <p:transition spd="slow" p14:dur="2000"/>
     </mc:Choice>
-    <mc:Fallback>
+    <mc:Fallback xmlns="">
       <p:transition spd="slow"/>
     </mc:Fallback>
   </mc:AlternateContent>
@@ -16498,11 +16504,11 @@
   <p:clrMapOvr>
     <a:masterClrMapping/>
   </p:clrMapOvr>
-  <mc:AlternateContent xmlns:mc="http://schemas.openxmlformats.org/markup-compatibility/2006">
-    <mc:Choice xmlns:p14="http://schemas.microsoft.com/office/powerpoint/2010/main" Requires="p14">
+  <mc:AlternateContent xmlns:mc="http://schemas.openxmlformats.org/markup-compatibility/2006" xmlns:p14="http://schemas.microsoft.com/office/powerpoint/2010/main">
+    <mc:Choice Requires="p14">
       <p:transition spd="slow" p14:dur="2000"/>
     </mc:Choice>
-    <mc:Fallback>
+    <mc:Fallback xmlns="">
       <p:transition spd="slow"/>
     </mc:Fallback>
   </mc:AlternateContent>
@@ -17077,11 +17083,7 @@
           <a:p>
             <a:r>
               <a:rPr lang="en-US" altLang="zh-TW" dirty="0" smtClean="0"/>
-              <a:t>The </a:t>
-            </a:r>
-            <a:r>
-              <a:rPr lang="en-US" altLang="zh-TW" dirty="0" smtClean="0"/>
-              <a:t>temporal scaling factor is 4</a:t>
+              <a:t>The temporal scaling factor is 4</a:t>
             </a:r>
           </a:p>
           <a:p>
@@ -17108,11 +17110,7 @@
             </a:br>
             <a:r>
               <a:rPr lang="en-US" altLang="zh-TW" dirty="0" smtClean="0"/>
-              <a:t>is </a:t>
-            </a:r>
-            <a:r>
-              <a:rPr lang="en-US" altLang="zh-TW" dirty="0" smtClean="0"/>
-              <a:t>scaled to </a:t>
+              <a:t>is scaled to </a:t>
             </a:r>
             <a:r>
               <a:rPr lang="en-US" altLang="zh-TW" u="sng" dirty="0" smtClean="0"/>
@@ -17468,11 +17466,7 @@
             </a:r>
             <a:r>
               <a:rPr lang="en-US" altLang="zh-TW" dirty="0" smtClean="0"/>
-              <a:t> </a:t>
-            </a:r>
-            <a:r>
-              <a:rPr lang="en-US" altLang="zh-TW" dirty="0" smtClean="0"/>
-              <a:t>of </a:t>
+              <a:t> of </a:t>
             </a:r>
             <a:r>
               <a:rPr lang="en-US" altLang="zh-TW" dirty="0" err="1" smtClean="0"/>
@@ -17480,11 +17474,7 @@
             </a:r>
             <a:r>
               <a:rPr lang="en-US" altLang="zh-TW" dirty="0" smtClean="0"/>
-              <a:t> </a:t>
-            </a:r>
-            <a:r>
-              <a:rPr lang="en-US" altLang="zh-TW" dirty="0" smtClean="0"/>
-              <a:t>pixels </a:t>
+              <a:t> pixels </a:t>
             </a:r>
             <a:endParaRPr lang="zh-TW" altLang="en-US" dirty="0"/>
           </a:p>
@@ -17516,26 +17506,14 @@
             </a:r>
             <a:r>
               <a:rPr lang="en-US" altLang="zh-TW" dirty="0" smtClean="0"/>
-              <a:t>lassify </a:t>
-            </a:r>
-            <a:r>
-              <a:rPr lang="en-US" altLang="zh-TW" dirty="0" smtClean="0"/>
-              <a:t>each pixel into one of 3 </a:t>
-            </a:r>
-            <a:r>
-              <a:rPr lang="en-US" altLang="zh-TW" dirty="0" smtClean="0"/>
-              <a:t>classes:</a:t>
+              <a:t>lassify each pixel into one of 3 classes:</a:t>
             </a:r>
             <a:br>
               <a:rPr lang="en-US" altLang="zh-TW" dirty="0" smtClean="0"/>
             </a:br>
             <a:r>
               <a:rPr lang="en-US" altLang="zh-TW" dirty="0" smtClean="0"/>
-              <a:t>	unchanging</a:t>
-            </a:r>
-            <a:r>
-              <a:rPr lang="en-US" altLang="zh-TW" dirty="0" smtClean="0"/>
-              <a:t>, </a:t>
+              <a:t>	unchanging, </a:t>
             </a:r>
             <a:r>
               <a:rPr lang="en-US" altLang="zh-TW" dirty="0" err="1" smtClean="0"/>
@@ -18101,11 +18079,11 @@
   <p:clrMapOvr>
     <a:masterClrMapping/>
   </p:clrMapOvr>
-  <mc:AlternateContent xmlns:mc="http://schemas.openxmlformats.org/markup-compatibility/2006">
-    <mc:Choice xmlns:p14="http://schemas.microsoft.com/office/powerpoint/2010/main" Requires="p14">
+  <mc:AlternateContent xmlns:mc="http://schemas.openxmlformats.org/markup-compatibility/2006" xmlns:p14="http://schemas.microsoft.com/office/powerpoint/2010/main">
+    <mc:Choice Requires="p14">
       <p:transition spd="slow" p14:dur="2000"/>
     </mc:Choice>
-    <mc:Fallback>
+    <mc:Fallback xmlns="">
       <p:transition spd="slow"/>
     </mc:Fallback>
   </mc:AlternateContent>

--- a/VC_final_project.pptx
+++ b/VC_final_project.pptx
@@ -5,7 +5,7 @@
     <p:sldMasterId id="2147483648" r:id="rId2"/>
   </p:sldMasterIdLst>
   <p:notesMasterIdLst>
-    <p:notesMasterId r:id="rId21"/>
+    <p:notesMasterId r:id="rId22"/>
   </p:notesMasterIdLst>
   <p:sldIdLst>
     <p:sldId id="256" r:id="rId3"/>
@@ -25,7 +25,8 @@
     <p:sldId id="277" r:id="rId17"/>
     <p:sldId id="264" r:id="rId18"/>
     <p:sldId id="266" r:id="rId19"/>
-    <p:sldId id="265" r:id="rId20"/>
+    <p:sldId id="278" r:id="rId20"/>
+    <p:sldId id="265" r:id="rId21"/>
   </p:sldIdLst>
   <p:sldSz cx="12192000" cy="6858000"/>
   <p:notesSz cx="6858000" cy="9144000"/>
@@ -14064,26 +14065,13 @@
             </a:r>
             <a:r>
               <a:rPr lang="en-US" altLang="zh-TW" dirty="0" smtClean="0"/>
-              <a:t>p=10,…,</a:t>
-            </a:r>
+              <a:t>p=10,…,30, s = 2,3,…,37-p (357 labels)</a:t>
+            </a:r>
+          </a:p>
+          <a:p>
             <a:r>
               <a:rPr lang="en-US" altLang="zh-TW" dirty="0" smtClean="0"/>
-              <a:t>30, s = 2,3,…,</a:t>
-            </a:r>
-            <a:r>
-              <a:rPr lang="en-US" altLang="zh-TW" dirty="0" smtClean="0"/>
-              <a:t>37-p (357 labels)</a:t>
-            </a:r>
-            <a:endParaRPr lang="en-US" altLang="zh-TW" dirty="0" smtClean="0"/>
-          </a:p>
-          <a:p>
-            <a:r>
-              <a:rPr lang="en-US" altLang="zh-TW" dirty="0" smtClean="0"/>
-              <a:t>For </a:t>
-            </a:r>
-            <a:r>
-              <a:rPr lang="en-US" altLang="zh-TW" dirty="0" smtClean="0"/>
-              <a:t>each</a:t>
+              <a:t>For each</a:t>
             </a:r>
             <a:r>
               <a:rPr lang="zh-TW" altLang="en-US" dirty="0" smtClean="0"/>
@@ -14095,15 +14083,7 @@
             </a:r>
             <a:r>
               <a:rPr lang="en-US" altLang="zh-TW" dirty="0" smtClean="0"/>
-              <a:t>s</a:t>
-            </a:r>
-            <a:r>
-              <a:rPr lang="en-US" altLang="zh-TW" dirty="0" smtClean="0"/>
-              <a:t> </a:t>
-            </a:r>
-            <a:r>
-              <a:rPr lang="en-US" altLang="zh-TW" dirty="0" smtClean="0"/>
-              <a:t>we calculate the absolute error over the </a:t>
+              <a:t>s we calculate the absolute error over the </a:t>
             </a:r>
             <a:r>
               <a:rPr lang="en-US" altLang="zh-TW" dirty="0" err="1" smtClean="0"/>
@@ -14111,13 +14091,8 @@
             </a:r>
             <a:r>
               <a:rPr lang="en-US" altLang="zh-TW" dirty="0" smtClean="0"/>
-              <a:t> </a:t>
-            </a:r>
-            <a:r>
-              <a:rPr lang="en-US" altLang="zh-TW" dirty="0" smtClean="0"/>
-              <a:t>pixels</a:t>
-            </a:r>
-            <a:endParaRPr lang="en-US" altLang="zh-TW" dirty="0" smtClean="0"/>
+              <a:t> pixels</a:t>
+            </a:r>
           </a:p>
           <a:p>
             <a:pPr marL="0" indent="0">
@@ -14137,11 +14112,7 @@
           <a:p>
             <a:r>
               <a:rPr lang="en-US" altLang="zh-TW" dirty="0" smtClean="0"/>
-              <a:t>We </a:t>
-            </a:r>
-            <a:r>
-              <a:rPr lang="en-US" altLang="zh-TW" dirty="0" smtClean="0"/>
-              <a:t>find the s, p with minimum error</a:t>
+              <a:t>We find the s, p with minimum error</a:t>
             </a:r>
             <a:endParaRPr lang="en-US" altLang="zh-TW" dirty="0"/>
           </a:p>
@@ -14930,8 +14901,8 @@
           </p:txBody>
         </p:sp>
       </p:grpSp>
-      <mc:AlternateContent xmlns:mc="http://schemas.openxmlformats.org/markup-compatibility/2006">
-        <mc:Choice xmlns:a14="http://schemas.microsoft.com/office/drawing/2010/main" Requires="a14">
+      <mc:AlternateContent xmlns:mc="http://schemas.openxmlformats.org/markup-compatibility/2006" xmlns:a14="http://schemas.microsoft.com/office/drawing/2010/main">
+        <mc:Choice Requires="a14">
           <p:sp>
             <p:nvSpPr>
               <p:cNvPr id="26" name="矩形 25"/>
@@ -15213,7 +15184,7 @@
             </p:txBody>
           </p:sp>
         </mc:Choice>
-        <mc:Fallback>
+        <mc:Fallback xmlns="">
           <p:sp>
             <p:nvSpPr>
               <p:cNvPr id="26" name="矩形 25"/>
@@ -15796,6 +15767,109 @@
 </file>
 
 <file path=ppt/slides/slide18.xml><?xml version="1.0" encoding="utf-8"?>
+<p:sld xmlns:a="http://schemas.openxmlformats.org/drawingml/2006/main" xmlns:r="http://schemas.openxmlformats.org/officeDocument/2006/relationships" xmlns:p="http://schemas.openxmlformats.org/presentationml/2006/main">
+  <p:cSld>
+    <p:spTree>
+      <p:nvGrpSpPr>
+        <p:cNvPr id="1" name=""/>
+        <p:cNvGrpSpPr/>
+        <p:nvPr/>
+      </p:nvGrpSpPr>
+      <p:grpSpPr>
+        <a:xfrm>
+          <a:off x="0" y="0"/>
+          <a:ext cx="0" cy="0"/>
+          <a:chOff x="0" y="0"/>
+          <a:chExt cx="0" cy="0"/>
+        </a:xfrm>
+      </p:grpSpPr>
+      <p:sp>
+        <p:nvSpPr>
+          <p:cNvPr id="2" name="標題 1"/>
+          <p:cNvSpPr>
+            <a:spLocks noGrp="1"/>
+          </p:cNvSpPr>
+          <p:nvPr>
+            <p:ph type="title"/>
+          </p:nvPr>
+        </p:nvSpPr>
+        <p:spPr/>
+        <p:txBody>
+          <a:bodyPr/>
+          <a:lstStyle/>
+          <a:p>
+            <a:r>
+              <a:rPr lang="en-US" altLang="zh-TW" dirty="0" smtClean="0"/>
+              <a:t>Discussion</a:t>
+            </a:r>
+            <a:endParaRPr lang="zh-TW" altLang="en-US" dirty="0"/>
+          </a:p>
+        </p:txBody>
+      </p:sp>
+      <p:sp>
+        <p:nvSpPr>
+          <p:cNvPr id="3" name="內容版面配置區 2"/>
+          <p:cNvSpPr>
+            <a:spLocks noGrp="1"/>
+          </p:cNvSpPr>
+          <p:nvPr>
+            <p:ph idx="1"/>
+          </p:nvPr>
+        </p:nvSpPr>
+        <p:spPr/>
+        <p:txBody>
+          <a:bodyPr/>
+          <a:lstStyle/>
+          <a:p>
+            <a:r>
+              <a:rPr lang="en-US" altLang="zh-TW" dirty="0" smtClean="0"/>
+              <a:t>Our method assigned all </a:t>
+            </a:r>
+            <a:r>
+              <a:rPr lang="en-US" altLang="zh-TW" dirty="0" err="1" smtClean="0"/>
+              <a:t>loopable</a:t>
+            </a:r>
+            <a:r>
+              <a:rPr lang="en-US" altLang="zh-TW" dirty="0" smtClean="0"/>
+              <a:t> pixels with same s and p</a:t>
+            </a:r>
+          </a:p>
+          <a:p>
+            <a:r>
+              <a:rPr lang="en-US" altLang="zh-TW" dirty="0" smtClean="0"/>
+              <a:t>The result is not good</a:t>
+            </a:r>
+          </a:p>
+          <a:p>
+            <a:r>
+              <a:rPr lang="en-US" altLang="zh-TW" dirty="0" smtClean="0"/>
+              <a:t>Graph cut approach will produce better results</a:t>
+            </a:r>
+            <a:endParaRPr lang="zh-TW" altLang="en-US" dirty="0"/>
+          </a:p>
+        </p:txBody>
+      </p:sp>
+    </p:spTree>
+    <p:extLst>
+      <p:ext uri="{BB962C8B-B14F-4D97-AF65-F5344CB8AC3E}">
+        <p14:creationId xmlns:p14="http://schemas.microsoft.com/office/powerpoint/2010/main" val="905998067"/>
+      </p:ext>
+    </p:extLst>
+  </p:cSld>
+  <p:clrMapOvr>
+    <a:masterClrMapping/>
+  </p:clrMapOvr>
+  <p:timing>
+    <p:tnLst>
+      <p:par>
+        <p:cTn id="1" dur="indefinite" restart="never" nodeType="tmRoot"/>
+      </p:par>
+    </p:tnLst>
+  </p:timing>
+</p:sld>
+</file>
+
+<file path=ppt/slides/slide19.xml><?xml version="1.0" encoding="utf-8"?>
 <p:sld xmlns:a="http://schemas.openxmlformats.org/drawingml/2006/main" xmlns:r="http://schemas.openxmlformats.org/officeDocument/2006/relationships" xmlns:p="http://schemas.openxmlformats.org/presentationml/2006/main">
   <p:cSld>
     <p:spTree>

--- a/VC_final_project.pptx
+++ b/VC_final_project.pptx
@@ -5,7 +5,7 @@
     <p:sldMasterId id="2147483648" r:id="rId2"/>
   </p:sldMasterIdLst>
   <p:notesMasterIdLst>
-    <p:notesMasterId r:id="rId22"/>
+    <p:notesMasterId r:id="rId23"/>
   </p:notesMasterIdLst>
   <p:sldIdLst>
     <p:sldId id="256" r:id="rId3"/>
@@ -23,10 +23,11 @@
     <p:sldId id="262" r:id="rId15"/>
     <p:sldId id="263" r:id="rId16"/>
     <p:sldId id="277" r:id="rId17"/>
-    <p:sldId id="264" r:id="rId18"/>
-    <p:sldId id="266" r:id="rId19"/>
-    <p:sldId id="278" r:id="rId20"/>
-    <p:sldId id="265" r:id="rId21"/>
+    <p:sldId id="279" r:id="rId18"/>
+    <p:sldId id="264" r:id="rId19"/>
+    <p:sldId id="266" r:id="rId20"/>
+    <p:sldId id="278" r:id="rId21"/>
+    <p:sldId id="265" r:id="rId22"/>
   </p:sldIdLst>
   <p:sldSz cx="12192000" cy="6858000"/>
   <p:notesSz cx="6858000" cy="9144000"/>
@@ -8932,7 +8933,7 @@
           <a:p>
             <a:fld id="{FE1A44F2-1E2B-4D5B-B0C0-FEE0CB43EB66}" type="datetimeFigureOut">
               <a:rPr lang="zh-TW" altLang="en-US" smtClean="0"/>
-              <a:t>2016/6/17</a:t>
+              <a:t>2016/6/23</a:t>
             </a:fld>
             <a:endParaRPr lang="zh-TW" altLang="en-US"/>
           </a:p>
@@ -9415,7 +9416,7 @@
           <a:p>
             <a:fld id="{A0184455-76F4-4AAA-9BF1-07600BF98B0E}" type="datetimeFigureOut">
               <a:rPr lang="zh-TW" altLang="en-US" smtClean="0"/>
-              <a:t>2016/6/17</a:t>
+              <a:t>2016/6/23</a:t>
             </a:fld>
             <a:endParaRPr lang="zh-TW" altLang="en-US"/>
           </a:p>
@@ -9585,7 +9586,7 @@
           <a:p>
             <a:fld id="{A0184455-76F4-4AAA-9BF1-07600BF98B0E}" type="datetimeFigureOut">
               <a:rPr lang="zh-TW" altLang="en-US" smtClean="0"/>
-              <a:t>2016/6/17</a:t>
+              <a:t>2016/6/23</a:t>
             </a:fld>
             <a:endParaRPr lang="zh-TW" altLang="en-US"/>
           </a:p>
@@ -9765,7 +9766,7 @@
           <a:p>
             <a:fld id="{A0184455-76F4-4AAA-9BF1-07600BF98B0E}" type="datetimeFigureOut">
               <a:rPr lang="zh-TW" altLang="en-US" smtClean="0"/>
-              <a:t>2016/6/17</a:t>
+              <a:t>2016/6/23</a:t>
             </a:fld>
             <a:endParaRPr lang="zh-TW" altLang="en-US"/>
           </a:p>
@@ -9935,7 +9936,7 @@
           <a:p>
             <a:fld id="{A0184455-76F4-4AAA-9BF1-07600BF98B0E}" type="datetimeFigureOut">
               <a:rPr lang="zh-TW" altLang="en-US" smtClean="0"/>
-              <a:t>2016/6/17</a:t>
+              <a:t>2016/6/23</a:t>
             </a:fld>
             <a:endParaRPr lang="zh-TW" altLang="en-US"/>
           </a:p>
@@ -10181,7 +10182,7 @@
           <a:p>
             <a:fld id="{A0184455-76F4-4AAA-9BF1-07600BF98B0E}" type="datetimeFigureOut">
               <a:rPr lang="zh-TW" altLang="en-US" smtClean="0"/>
-              <a:t>2016/6/17</a:t>
+              <a:t>2016/6/23</a:t>
             </a:fld>
             <a:endParaRPr lang="zh-TW" altLang="en-US"/>
           </a:p>
@@ -10413,7 +10414,7 @@
           <a:p>
             <a:fld id="{A0184455-76F4-4AAA-9BF1-07600BF98B0E}" type="datetimeFigureOut">
               <a:rPr lang="zh-TW" altLang="en-US" smtClean="0"/>
-              <a:t>2016/6/17</a:t>
+              <a:t>2016/6/23</a:t>
             </a:fld>
             <a:endParaRPr lang="zh-TW" altLang="en-US"/>
           </a:p>
@@ -10780,7 +10781,7 @@
           <a:p>
             <a:fld id="{A0184455-76F4-4AAA-9BF1-07600BF98B0E}" type="datetimeFigureOut">
               <a:rPr lang="zh-TW" altLang="en-US" smtClean="0"/>
-              <a:t>2016/6/17</a:t>
+              <a:t>2016/6/23</a:t>
             </a:fld>
             <a:endParaRPr lang="zh-TW" altLang="en-US"/>
           </a:p>
@@ -10898,7 +10899,7 @@
           <a:p>
             <a:fld id="{A0184455-76F4-4AAA-9BF1-07600BF98B0E}" type="datetimeFigureOut">
               <a:rPr lang="zh-TW" altLang="en-US" smtClean="0"/>
-              <a:t>2016/6/17</a:t>
+              <a:t>2016/6/23</a:t>
             </a:fld>
             <a:endParaRPr lang="zh-TW" altLang="en-US"/>
           </a:p>
@@ -10993,7 +10994,7 @@
           <a:p>
             <a:fld id="{A0184455-76F4-4AAA-9BF1-07600BF98B0E}" type="datetimeFigureOut">
               <a:rPr lang="zh-TW" altLang="en-US" smtClean="0"/>
-              <a:t>2016/6/17</a:t>
+              <a:t>2016/6/23</a:t>
             </a:fld>
             <a:endParaRPr lang="zh-TW" altLang="en-US"/>
           </a:p>
@@ -11270,7 +11271,7 @@
           <a:p>
             <a:fld id="{A0184455-76F4-4AAA-9BF1-07600BF98B0E}" type="datetimeFigureOut">
               <a:rPr lang="zh-TW" altLang="en-US" smtClean="0"/>
-              <a:t>2016/6/17</a:t>
+              <a:t>2016/6/23</a:t>
             </a:fld>
             <a:endParaRPr lang="zh-TW" altLang="en-US"/>
           </a:p>
@@ -11523,7 +11524,7 @@
           <a:p>
             <a:fld id="{A0184455-76F4-4AAA-9BF1-07600BF98B0E}" type="datetimeFigureOut">
               <a:rPr lang="zh-TW" altLang="en-US" smtClean="0"/>
-              <a:t>2016/6/17</a:t>
+              <a:t>2016/6/23</a:t>
             </a:fld>
             <a:endParaRPr lang="zh-TW" altLang="en-US"/>
           </a:p>
@@ -11736,7 +11737,7 @@
           <a:p>
             <a:fld id="{A0184455-76F4-4AAA-9BF1-07600BF98B0E}" type="datetimeFigureOut">
               <a:rPr lang="zh-TW" altLang="en-US" smtClean="0"/>
-              <a:t>2016/6/17</a:t>
+              <a:t>2016/6/23</a:t>
             </a:fld>
             <a:endParaRPr lang="zh-TW" altLang="en-US"/>
           </a:p>
@@ -14038,7 +14039,7 @@
         </p:spPr>
         <p:txBody>
           <a:bodyPr>
-            <a:normAutofit/>
+            <a:normAutofit lnSpcReduction="10000"/>
           </a:bodyPr>
           <a:lstStyle/>
           <a:p>
@@ -14112,9 +14113,25 @@
           <a:p>
             <a:r>
               <a:rPr lang="en-US" altLang="zh-TW" dirty="0" smtClean="0"/>
-              <a:t>We find the s, p with minimum error</a:t>
-            </a:r>
-            <a:endParaRPr lang="en-US" altLang="zh-TW" dirty="0"/>
+              <a:t>We find the s, p with minimum </a:t>
+            </a:r>
+            <a:r>
+              <a:rPr lang="en-US" altLang="zh-TW" dirty="0" smtClean="0"/>
+              <a:t>error </a:t>
+            </a:r>
+            <a:r>
+              <a:rPr lang="en-US" altLang="zh-TW" dirty="0" smtClean="0">
+                <a:solidFill>
+                  <a:srgbClr val="FF0000"/>
+                </a:solidFill>
+              </a:rPr>
+              <a:t>for all pixels</a:t>
+            </a:r>
+            <a:endParaRPr lang="en-US" altLang="zh-TW" dirty="0">
+              <a:solidFill>
+                <a:srgbClr val="FF0000"/>
+              </a:solidFill>
+            </a:endParaRPr>
           </a:p>
           <a:p>
             <a:pPr marL="0" indent="0">
@@ -14155,8 +14172,8 @@
               <a:t>- Our </a:t>
             </a:r>
             <a:r>
-              <a:rPr lang="en-US" altLang="zh-TW" dirty="0"/>
-              <a:t>Approach </a:t>
+              <a:rPr lang="en-US" altLang="zh-TW" dirty="0" smtClean="0"/>
+              <a:t>Method 1</a:t>
             </a:r>
             <a:endParaRPr lang="zh-TW" altLang="en-US" dirty="0"/>
           </a:p>
@@ -14901,8 +14918,8 @@
           </p:txBody>
         </p:sp>
       </p:grpSp>
-      <mc:AlternateContent xmlns:mc="http://schemas.openxmlformats.org/markup-compatibility/2006" xmlns:a14="http://schemas.microsoft.com/office/drawing/2010/main">
-        <mc:Choice Requires="a14">
+      <mc:AlternateContent xmlns:mc="http://schemas.openxmlformats.org/markup-compatibility/2006">
+        <mc:Choice xmlns:a14="http://schemas.microsoft.com/office/drawing/2010/main" Requires="a14">
           <p:sp>
             <p:nvSpPr>
               <p:cNvPr id="26" name="矩形 25"/>
@@ -14911,7 +14928,7 @@
             </p:nvSpPr>
             <p:spPr>
               <a:xfrm>
-                <a:off x="1007188" y="4303100"/>
+                <a:off x="1036605" y="4077494"/>
                 <a:ext cx="5726366" cy="1183273"/>
               </a:xfrm>
               <a:prstGeom prst="rect">
@@ -15184,7 +15201,7 @@
             </p:txBody>
           </p:sp>
         </mc:Choice>
-        <mc:Fallback xmlns="">
+        <mc:Fallback>
           <p:sp>
             <p:nvSpPr>
               <p:cNvPr id="26" name="矩形 25"/>
@@ -15195,7 +15212,7 @@
             </p:nvSpPr>
             <p:spPr>
               <a:xfrm>
-                <a:off x="1007188" y="4303100"/>
+                <a:off x="1036605" y="4077494"/>
                 <a:ext cx="5726366" cy="1183273"/>
               </a:xfrm>
               <a:prstGeom prst="rect">
@@ -15244,6 +15261,580 @@
 </file>
 
 <file path=ppt/slides/slide16.xml><?xml version="1.0" encoding="utf-8"?>
+<p:sld xmlns:a="http://schemas.openxmlformats.org/drawingml/2006/main" xmlns:r="http://schemas.openxmlformats.org/officeDocument/2006/relationships" xmlns:p="http://schemas.openxmlformats.org/presentationml/2006/main">
+  <p:cSld>
+    <p:spTree>
+      <p:nvGrpSpPr>
+        <p:cNvPr id="1" name=""/>
+        <p:cNvGrpSpPr/>
+        <p:nvPr/>
+      </p:nvGrpSpPr>
+      <p:grpSpPr>
+        <a:xfrm>
+          <a:off x="0" y="0"/>
+          <a:ext cx="0" cy="0"/>
+          <a:chOff x="0" y="0"/>
+          <a:chExt cx="0" cy="0"/>
+        </a:xfrm>
+      </p:grpSpPr>
+      <p:sp>
+        <p:nvSpPr>
+          <p:cNvPr id="28" name="內容版面配置區 2"/>
+          <p:cNvSpPr>
+            <a:spLocks noGrp="1"/>
+          </p:cNvSpPr>
+          <p:nvPr>
+            <p:ph idx="1"/>
+          </p:nvPr>
+        </p:nvSpPr>
+        <p:spPr>
+          <a:xfrm>
+            <a:off x="762000" y="1901825"/>
+            <a:ext cx="6739430" cy="4351338"/>
+          </a:xfrm>
+        </p:spPr>
+        <p:txBody>
+          <a:bodyPr>
+            <a:normAutofit lnSpcReduction="10000"/>
+          </a:bodyPr>
+          <a:lstStyle/>
+          <a:p>
+            <a:r>
+              <a:rPr lang="en-US" altLang="zh-TW" dirty="0" smtClean="0"/>
+              <a:t>Without multi label graph cut</a:t>
+            </a:r>
+          </a:p>
+          <a:p>
+            <a:r>
+              <a:rPr lang="en-US" altLang="zh-TW" dirty="0" smtClean="0"/>
+              <a:t>We use candidates {s, p} of </a:t>
+            </a:r>
+            <a:r>
+              <a:rPr lang="en-US" altLang="zh-TW" dirty="0"/>
+              <a:t/>
+            </a:r>
+            <a:br>
+              <a:rPr lang="en-US" altLang="zh-TW" dirty="0"/>
+            </a:br>
+            <a:r>
+              <a:rPr lang="en-US" altLang="zh-TW" dirty="0"/>
+              <a:t>	</a:t>
+            </a:r>
+            <a:r>
+              <a:rPr lang="en-US" altLang="zh-TW" dirty="0" smtClean="0"/>
+              <a:t>p=10,…,30, s = 2,3,…,37-p (357 labels)</a:t>
+            </a:r>
+          </a:p>
+          <a:p>
+            <a:r>
+              <a:rPr lang="en-US" altLang="zh-TW" dirty="0" smtClean="0"/>
+              <a:t>For each</a:t>
+            </a:r>
+            <a:r>
+              <a:rPr lang="zh-TW" altLang="en-US" dirty="0" smtClean="0"/>
+              <a:t> </a:t>
+            </a:r>
+            <a:r>
+              <a:rPr lang="en-US" altLang="zh-TW" dirty="0"/>
+              <a:t>possible p, </a:t>
+            </a:r>
+            <a:r>
+              <a:rPr lang="en-US" altLang="zh-TW" dirty="0" smtClean="0"/>
+              <a:t>s we calculate the absolute error over the </a:t>
+            </a:r>
+            <a:r>
+              <a:rPr lang="en-US" altLang="zh-TW" dirty="0" err="1" smtClean="0"/>
+              <a:t>loopable</a:t>
+            </a:r>
+            <a:r>
+              <a:rPr lang="en-US" altLang="zh-TW" dirty="0" smtClean="0"/>
+              <a:t> pixels</a:t>
+            </a:r>
+          </a:p>
+          <a:p>
+            <a:pPr marL="0" indent="0">
+              <a:buNone/>
+            </a:pPr>
+            <a:endParaRPr lang="en-US" altLang="zh-TW" dirty="0" smtClean="0"/>
+          </a:p>
+          <a:p>
+            <a:pPr marL="0" indent="0">
+              <a:buNone/>
+            </a:pPr>
+            <a:endParaRPr lang="en-US" altLang="zh-TW" dirty="0" smtClean="0"/>
+          </a:p>
+          <a:p>
+            <a:endParaRPr lang="en-US" altLang="zh-TW" dirty="0" smtClean="0"/>
+          </a:p>
+          <a:p>
+            <a:r>
+              <a:rPr lang="en-US" altLang="zh-TW" dirty="0" smtClean="0"/>
+              <a:t>We find the s, p with minimum </a:t>
+            </a:r>
+            <a:r>
+              <a:rPr lang="en-US" altLang="zh-TW" dirty="0" smtClean="0"/>
+              <a:t>error </a:t>
+            </a:r>
+            <a:r>
+              <a:rPr lang="en-US" altLang="zh-TW" dirty="0" smtClean="0">
+                <a:solidFill>
+                  <a:srgbClr val="FF0000"/>
+                </a:solidFill>
+              </a:rPr>
+              <a:t>for each pixel</a:t>
+            </a:r>
+            <a:endParaRPr lang="en-US" altLang="zh-TW" dirty="0">
+              <a:solidFill>
+                <a:srgbClr val="FF0000"/>
+              </a:solidFill>
+            </a:endParaRPr>
+          </a:p>
+          <a:p>
+            <a:pPr marL="0" indent="0">
+              <a:buNone/>
+            </a:pPr>
+            <a:endParaRPr lang="en-US" altLang="zh-TW" dirty="0" smtClean="0"/>
+          </a:p>
+          <a:p>
+            <a:endParaRPr lang="en-US" altLang="zh-TW" dirty="0" smtClean="0"/>
+          </a:p>
+        </p:txBody>
+      </p:sp>
+      <p:sp>
+        <p:nvSpPr>
+          <p:cNvPr id="2" name="標題 1"/>
+          <p:cNvSpPr>
+            <a:spLocks noGrp="1"/>
+          </p:cNvSpPr>
+          <p:nvPr>
+            <p:ph type="title"/>
+          </p:nvPr>
+        </p:nvSpPr>
+        <p:spPr/>
+        <p:txBody>
+          <a:bodyPr/>
+          <a:lstStyle/>
+          <a:p>
+            <a:r>
+              <a:rPr lang="en-US" altLang="zh-TW" dirty="0" smtClean="0"/>
+              <a:t>Create Video </a:t>
+            </a:r>
+            <a:r>
+              <a:rPr lang="en-US" altLang="zh-TW" dirty="0"/>
+              <a:t>Loop </a:t>
+            </a:r>
+            <a:r>
+              <a:rPr lang="en-US" altLang="zh-TW" dirty="0" smtClean="0"/>
+              <a:t>- Our </a:t>
+            </a:r>
+            <a:r>
+              <a:rPr lang="en-US" altLang="zh-TW" dirty="0" smtClean="0"/>
+              <a:t>Method 2</a:t>
+            </a:r>
+            <a:endParaRPr lang="zh-TW" altLang="en-US" dirty="0"/>
+          </a:p>
+        </p:txBody>
+      </p:sp>
+      <p:grpSp>
+        <p:nvGrpSpPr>
+          <p:cNvPr id="19" name="群組 18"/>
+          <p:cNvGrpSpPr/>
+          <p:nvPr/>
+        </p:nvGrpSpPr>
+        <p:grpSpPr>
+          <a:xfrm>
+            <a:off x="8096993" y="2353470"/>
+            <a:ext cx="3043001" cy="1333450"/>
+            <a:chOff x="838200" y="1917700"/>
+            <a:chExt cx="3390900" cy="1485900"/>
+          </a:xfrm>
+        </p:grpSpPr>
+        <p:grpSp>
+          <p:nvGrpSpPr>
+            <p:cNvPr id="10" name="群組 9"/>
+            <p:cNvGrpSpPr/>
+            <p:nvPr/>
+          </p:nvGrpSpPr>
+          <p:grpSpPr>
+            <a:xfrm>
+              <a:off x="838200" y="1917700"/>
+              <a:ext cx="3390900" cy="1485900"/>
+              <a:chOff x="939800" y="2032000"/>
+              <a:chExt cx="3390900" cy="1485900"/>
+            </a:xfrm>
+          </p:grpSpPr>
+          <p:sp>
+            <p:nvSpPr>
+              <p:cNvPr id="5" name="圓角矩形 4"/>
+              <p:cNvSpPr/>
+              <p:nvPr/>
+            </p:nvSpPr>
+            <p:spPr>
+              <a:xfrm>
+                <a:off x="939800" y="2032000"/>
+                <a:ext cx="3390900" cy="1485900"/>
+              </a:xfrm>
+              <a:prstGeom prst="roundRect">
+                <a:avLst/>
+              </a:prstGeom>
+              <a:noFill/>
+              <a:ln w="28575">
+                <a:solidFill>
+                  <a:schemeClr val="tx1"/>
+                </a:solidFill>
+              </a:ln>
+            </p:spPr>
+            <p:style>
+              <a:lnRef idx="2">
+                <a:schemeClr val="accent1">
+                  <a:shade val="50000"/>
+                </a:schemeClr>
+              </a:lnRef>
+              <a:fillRef idx="1">
+                <a:schemeClr val="accent1"/>
+              </a:fillRef>
+              <a:effectRef idx="0">
+                <a:schemeClr val="accent1"/>
+              </a:effectRef>
+              <a:fontRef idx="minor">
+                <a:schemeClr val="lt1"/>
+              </a:fontRef>
+            </p:style>
+            <p:txBody>
+              <a:bodyPr rtlCol="0" anchor="ctr"/>
+              <a:lstStyle/>
+              <a:p>
+                <a:pPr algn="ctr"/>
+                <a:r>
+                  <a:rPr lang="en-US" altLang="zh-TW" dirty="0"/>
+                  <a:t>p=8,9,…,30, s = 2,3,…,37-p</a:t>
+                </a:r>
+              </a:p>
+              <a:p>
+                <a:pPr algn="ctr"/>
+                <a:endParaRPr lang="en-US" altLang="zh-TW" dirty="0"/>
+              </a:p>
+              <a:p>
+                <a:pPr algn="ctr"/>
+                <a:endParaRPr lang="zh-TW" altLang="en-US" dirty="0"/>
+              </a:p>
+            </p:txBody>
+          </p:sp>
+          <p:cxnSp>
+            <p:nvCxnSpPr>
+              <p:cNvPr id="7" name="直線接點 6"/>
+              <p:cNvCxnSpPr>
+                <a:stCxn id="5" idx="1"/>
+                <a:endCxn id="5" idx="3"/>
+              </p:cNvCxnSpPr>
+              <p:nvPr/>
+            </p:nvCxnSpPr>
+            <p:spPr>
+              <a:xfrm>
+                <a:off x="939800" y="2774950"/>
+                <a:ext cx="3390900" cy="0"/>
+              </a:xfrm>
+              <a:prstGeom prst="line">
+                <a:avLst/>
+              </a:prstGeom>
+              <a:ln w="28575">
+                <a:solidFill>
+                  <a:schemeClr val="tx1"/>
+                </a:solidFill>
+              </a:ln>
+            </p:spPr>
+            <p:style>
+              <a:lnRef idx="1">
+                <a:schemeClr val="accent1"/>
+              </a:lnRef>
+              <a:fillRef idx="0">
+                <a:schemeClr val="accent1"/>
+              </a:fillRef>
+              <a:effectRef idx="0">
+                <a:schemeClr val="accent1"/>
+              </a:effectRef>
+              <a:fontRef idx="minor">
+                <a:schemeClr val="tx1"/>
+              </a:fontRef>
+            </p:style>
+          </p:cxnSp>
+        </p:grpSp>
+        <p:sp>
+          <p:nvSpPr>
+            <p:cNvPr id="8" name="文字方塊 7"/>
+            <p:cNvSpPr txBox="1"/>
+            <p:nvPr/>
+          </p:nvSpPr>
+          <p:spPr>
+            <a:xfrm>
+              <a:off x="1363297" y="1996788"/>
+              <a:ext cx="1915240" cy="651631"/>
+            </a:xfrm>
+            <a:prstGeom prst="rect">
+              <a:avLst/>
+            </a:prstGeom>
+            <a:noFill/>
+          </p:spPr>
+          <p:txBody>
+            <a:bodyPr wrap="none" rtlCol="0">
+              <a:spAutoFit/>
+            </a:bodyPr>
+            <a:lstStyle/>
+            <a:p>
+              <a:r>
+                <a:rPr lang="en-US" altLang="zh-TW" sz="3200" dirty="0" smtClean="0"/>
+                <a:t>P=10…30</a:t>
+              </a:r>
+              <a:endParaRPr lang="zh-TW" altLang="en-US" sz="3200" dirty="0"/>
+            </a:p>
+          </p:txBody>
+        </p:sp>
+        <p:sp>
+          <p:nvSpPr>
+            <p:cNvPr id="11" name="文字方塊 10"/>
+            <p:cNvSpPr txBox="1"/>
+            <p:nvPr/>
+          </p:nvSpPr>
+          <p:spPr>
+            <a:xfrm>
+              <a:off x="1282345" y="2739738"/>
+              <a:ext cx="2531462" cy="584775"/>
+            </a:xfrm>
+            <a:prstGeom prst="rect">
+              <a:avLst/>
+            </a:prstGeom>
+            <a:noFill/>
+          </p:spPr>
+          <p:txBody>
+            <a:bodyPr wrap="none" rtlCol="0">
+              <a:spAutoFit/>
+            </a:bodyPr>
+            <a:lstStyle/>
+            <a:p>
+              <a:r>
+                <a:rPr lang="en-US" altLang="zh-TW" sz="3200" dirty="0" smtClean="0"/>
+                <a:t>S= </a:t>
+              </a:r>
+              <a:r>
+                <a:rPr lang="en-US" altLang="zh-TW" sz="3200" dirty="0"/>
+                <a:t>2,3,…,37-p</a:t>
+              </a:r>
+            </a:p>
+          </p:txBody>
+        </p:sp>
+      </p:grpSp>
+      <mc:AlternateContent xmlns:mc="http://schemas.openxmlformats.org/markup-compatibility/2006">
+        <mc:Choice xmlns:a14="http://schemas.microsoft.com/office/drawing/2010/main" Requires="a14">
+          <p:sp>
+            <p:nvSpPr>
+              <p:cNvPr id="26" name="矩形 25"/>
+              <p:cNvSpPr/>
+              <p:nvPr/>
+            </p:nvSpPr>
+            <p:spPr>
+              <a:xfrm>
+                <a:off x="1007188" y="4303100"/>
+                <a:ext cx="5726366" cy="461665"/>
+              </a:xfrm>
+              <a:prstGeom prst="rect">
+                <a:avLst/>
+              </a:prstGeom>
+            </p:spPr>
+            <p:txBody>
+              <a:bodyPr wrap="square">
+                <a:spAutoFit/>
+              </a:bodyPr>
+              <a:lstStyle/>
+              <a:p>
+                <a:pPr/>
+                <a14:m>
+                  <m:oMathPara xmlns:m="http://schemas.openxmlformats.org/officeDocument/2006/math">
+                    <m:oMathParaPr>
+                      <m:jc m:val="centerGroup"/>
+                    </m:oMathParaPr>
+                    <m:oMath xmlns:m="http://schemas.openxmlformats.org/officeDocument/2006/math">
+                      <m:r>
+                        <a:rPr lang="en-US" altLang="zh-TW" sz="2400" i="1">
+                          <a:latin typeface="Cambria Math" panose="02040503050406030204" pitchFamily="18" charset="0"/>
+                        </a:rPr>
+                        <m:t>𝐸𝑟𝑟𝑜𝑟</m:t>
+                      </m:r>
+                      <m:r>
+                        <a:rPr lang="en-US" altLang="zh-TW" sz="2400" i="1">
+                          <a:latin typeface="Cambria Math" panose="02040503050406030204" pitchFamily="18" charset="0"/>
+                        </a:rPr>
+                        <m:t>= </m:t>
+                      </m:r>
+                      <m:d>
+                        <m:dPr>
+                          <m:begChr m:val="|"/>
+                          <m:endChr m:val="|"/>
+                          <m:ctrlPr>
+                            <a:rPr lang="en-US" altLang="zh-TW" sz="2400" i="1">
+                              <a:latin typeface="Cambria Math" panose="02040503050406030204" pitchFamily="18" charset="0"/>
+                            </a:rPr>
+                          </m:ctrlPr>
+                        </m:dPr>
+                        <m:e>
+                          <m:r>
+                            <a:rPr lang="en-US" altLang="zh-TW" sz="2400" i="1">
+                              <a:latin typeface="Cambria Math" panose="02040503050406030204" pitchFamily="18" charset="0"/>
+                            </a:rPr>
+                            <m:t>𝑉</m:t>
+                          </m:r>
+                          <m:d>
+                            <m:dPr>
+                              <m:ctrlPr>
+                                <a:rPr lang="en-US" altLang="zh-TW" sz="2400" i="1">
+                                  <a:latin typeface="Cambria Math" panose="02040503050406030204" pitchFamily="18" charset="0"/>
+                                </a:rPr>
+                              </m:ctrlPr>
+                            </m:dPr>
+                            <m:e>
+                              <m:r>
+                                <a:rPr lang="en-US" altLang="zh-TW" sz="2400" i="1">
+                                  <a:latin typeface="Cambria Math" panose="02040503050406030204" pitchFamily="18" charset="0"/>
+                                </a:rPr>
+                                <m:t>𝑥</m:t>
+                              </m:r>
+                              <m:r>
+                                <a:rPr lang="en-US" altLang="zh-TW" sz="2400" i="1">
+                                  <a:latin typeface="Cambria Math" panose="02040503050406030204" pitchFamily="18" charset="0"/>
+                                </a:rPr>
+                                <m:t>,</m:t>
+                              </m:r>
+                              <m:r>
+                                <a:rPr lang="en-US" altLang="zh-TW" sz="2400" i="1">
+                                  <a:latin typeface="Cambria Math" panose="02040503050406030204" pitchFamily="18" charset="0"/>
+                                </a:rPr>
+                                <m:t>𝑠</m:t>
+                              </m:r>
+                            </m:e>
+                          </m:d>
+                          <m:r>
+                            <a:rPr lang="en-US" altLang="zh-TW" sz="2400" i="1">
+                              <a:latin typeface="Cambria Math" panose="02040503050406030204" pitchFamily="18" charset="0"/>
+                            </a:rPr>
+                            <m:t>−</m:t>
+                          </m:r>
+                          <m:r>
+                            <a:rPr lang="en-US" altLang="zh-TW" sz="2400" i="1">
+                              <a:latin typeface="Cambria Math" panose="02040503050406030204" pitchFamily="18" charset="0"/>
+                            </a:rPr>
+                            <m:t>𝑉</m:t>
+                          </m:r>
+                          <m:r>
+                            <a:rPr lang="en-US" altLang="zh-TW" sz="2400" i="1">
+                              <a:latin typeface="Cambria Math" panose="02040503050406030204" pitchFamily="18" charset="0"/>
+                            </a:rPr>
+                            <m:t>(</m:t>
+                          </m:r>
+                          <m:r>
+                            <a:rPr lang="en-US" altLang="zh-TW" sz="2400" i="1">
+                              <a:latin typeface="Cambria Math" panose="02040503050406030204" pitchFamily="18" charset="0"/>
+                            </a:rPr>
+                            <m:t>𝑥</m:t>
+                          </m:r>
+                          <m:r>
+                            <a:rPr lang="en-US" altLang="zh-TW" sz="2400" i="1">
+                              <a:latin typeface="Cambria Math" panose="02040503050406030204" pitchFamily="18" charset="0"/>
+                            </a:rPr>
+                            <m:t>,</m:t>
+                          </m:r>
+                          <m:r>
+                            <a:rPr lang="en-US" altLang="zh-TW" sz="2400" i="1">
+                              <a:latin typeface="Cambria Math" panose="02040503050406030204" pitchFamily="18" charset="0"/>
+                            </a:rPr>
+                            <m:t>𝑠</m:t>
+                          </m:r>
+                          <m:r>
+                            <a:rPr lang="en-US" altLang="zh-TW" sz="2400" i="1">
+                              <a:latin typeface="Cambria Math" panose="02040503050406030204" pitchFamily="18" charset="0"/>
+                            </a:rPr>
+                            <m:t>+</m:t>
+                          </m:r>
+                          <m:r>
+                            <a:rPr lang="en-US" altLang="zh-TW" sz="2400" i="1">
+                              <a:latin typeface="Cambria Math" panose="02040503050406030204" pitchFamily="18" charset="0"/>
+                            </a:rPr>
+                            <m:t>𝑝</m:t>
+                          </m:r>
+                          <m:r>
+                            <a:rPr lang="en-US" altLang="zh-TW" sz="2400" i="1">
+                              <a:latin typeface="Cambria Math" panose="02040503050406030204" pitchFamily="18" charset="0"/>
+                            </a:rPr>
+                            <m:t>)</m:t>
+                          </m:r>
+                        </m:e>
+                      </m:d>
+                    </m:oMath>
+                  </m:oMathPara>
+                </a14:m>
+                <a:endParaRPr lang="en-US" altLang="zh-TW" sz="2400" dirty="0"/>
+              </a:p>
+            </p:txBody>
+          </p:sp>
+        </mc:Choice>
+        <mc:Fallback>
+          <p:sp>
+            <p:nvSpPr>
+              <p:cNvPr id="26" name="矩形 25"/>
+              <p:cNvSpPr>
+                <a:spLocks noRot="1" noChangeAspect="1" noMove="1" noResize="1" noEditPoints="1" noAdjustHandles="1" noChangeArrowheads="1" noChangeShapeType="1" noTextEdit="1"/>
+              </p:cNvSpPr>
+              <p:nvPr/>
+            </p:nvSpPr>
+            <p:spPr>
+              <a:xfrm>
+                <a:off x="1007188" y="4303100"/>
+                <a:ext cx="5726366" cy="461665"/>
+              </a:xfrm>
+              <a:prstGeom prst="rect">
+                <a:avLst/>
+              </a:prstGeom>
+              <a:blipFill rotWithShape="0">
+                <a:blip r:embed="rId2"/>
+                <a:stretch>
+                  <a:fillRect b="-17105"/>
+                </a:stretch>
+              </a:blipFill>
+            </p:spPr>
+            <p:txBody>
+              <a:bodyPr/>
+              <a:lstStyle/>
+              <a:p>
+                <a:r>
+                  <a:rPr lang="zh-TW" altLang="en-US">
+                    <a:noFill/>
+                  </a:rPr>
+                  <a:t> </a:t>
+                </a:r>
+              </a:p>
+            </p:txBody>
+          </p:sp>
+        </mc:Fallback>
+      </mc:AlternateContent>
+    </p:spTree>
+    <p:extLst>
+      <p:ext uri="{BB962C8B-B14F-4D97-AF65-F5344CB8AC3E}">
+        <p14:creationId xmlns:p14="http://schemas.microsoft.com/office/powerpoint/2010/main" val="1208281109"/>
+      </p:ext>
+    </p:extLst>
+  </p:cSld>
+  <p:clrMapOvr>
+    <a:masterClrMapping/>
+  </p:clrMapOvr>
+  <p:timing>
+    <p:tnLst>
+      <p:par>
+        <p:cTn id="1" dur="indefinite" restart="never" nodeType="tmRoot"/>
+      </p:par>
+    </p:tnLst>
+  </p:timing>
+</p:sld>
+</file>
+
+<file path=ppt/slides/slide17.xml><?xml version="1.0" encoding="utf-8"?>
 <p:sld xmlns:a="http://schemas.openxmlformats.org/drawingml/2006/main" xmlns:r="http://schemas.openxmlformats.org/officeDocument/2006/relationships" xmlns:p="http://schemas.openxmlformats.org/presentationml/2006/main" show="0">
   <p:cSld>
     <p:spTree>
@@ -15288,15 +15879,15 @@
               <a:t>- Our </a:t>
             </a:r>
             <a:r>
-              <a:rPr lang="en-US" altLang="zh-TW" dirty="0"/>
-              <a:t>Approach </a:t>
+              <a:rPr lang="en-US" altLang="zh-TW" dirty="0" smtClean="0"/>
+              <a:t>Method 1 </a:t>
             </a:r>
             <a:endParaRPr lang="zh-TW" altLang="en-US" dirty="0"/>
           </a:p>
         </p:txBody>
       </p:sp>
-      <mc:AlternateContent xmlns:mc="http://schemas.openxmlformats.org/markup-compatibility/2006" xmlns:a14="http://schemas.microsoft.com/office/drawing/2010/main">
-        <mc:Choice Requires="a14">
+      <mc:AlternateContent xmlns:mc="http://schemas.openxmlformats.org/markup-compatibility/2006">
+        <mc:Choice xmlns:a14="http://schemas.microsoft.com/office/drawing/2010/main" Requires="a14">
           <p:sp>
             <p:nvSpPr>
               <p:cNvPr id="3" name="內容版面配置區 2"/>
@@ -15320,7 +15911,15 @@
               <a:p>
                 <a:r>
                   <a:rPr lang="en-US" altLang="zh-TW" dirty="0" smtClean="0"/>
-                  <a:t>We use candidates {p} of p=8,9,…,30, s = 2,3,…,37-p</a:t>
+                  <a:t>We use candidates {p} of </a:t>
+                </a:r>
+                <a:r>
+                  <a:rPr lang="en-US" altLang="zh-TW" dirty="0" smtClean="0"/>
+                  <a:t>p=10,…,</a:t>
+                </a:r>
+                <a:r>
+                  <a:rPr lang="en-US" altLang="zh-TW" dirty="0" smtClean="0"/>
+                  <a:t>30, s = 2,3,…,37-p</a:t>
                 </a:r>
               </a:p>
               <a:p>
@@ -15625,7 +16224,7 @@
             </p:txBody>
           </p:sp>
         </mc:Choice>
-        <mc:Fallback xmlns="">
+        <mc:Fallback>
           <p:sp>
             <p:nvSpPr>
               <p:cNvPr id="3" name="內容版面配置區 2"/>
@@ -15687,85 +16286,6 @@
 </p:sld>
 </file>
 
-<file path=ppt/slides/slide17.xml><?xml version="1.0" encoding="utf-8"?>
-<p:sld xmlns:a="http://schemas.openxmlformats.org/drawingml/2006/main" xmlns:r="http://schemas.openxmlformats.org/officeDocument/2006/relationships" xmlns:p="http://schemas.openxmlformats.org/presentationml/2006/main">
-  <p:cSld>
-    <p:spTree>
-      <p:nvGrpSpPr>
-        <p:cNvPr id="1" name=""/>
-        <p:cNvGrpSpPr/>
-        <p:nvPr/>
-      </p:nvGrpSpPr>
-      <p:grpSpPr>
-        <a:xfrm>
-          <a:off x="0" y="0"/>
-          <a:ext cx="0" cy="0"/>
-          <a:chOff x="0" y="0"/>
-          <a:chExt cx="0" cy="0"/>
-        </a:xfrm>
-      </p:grpSpPr>
-      <p:sp>
-        <p:nvSpPr>
-          <p:cNvPr id="2" name="標題 1"/>
-          <p:cNvSpPr>
-            <a:spLocks noGrp="1"/>
-          </p:cNvSpPr>
-          <p:nvPr>
-            <p:ph type="title"/>
-          </p:nvPr>
-        </p:nvSpPr>
-        <p:spPr/>
-        <p:txBody>
-          <a:bodyPr/>
-          <a:lstStyle/>
-          <a:p>
-            <a:r>
-              <a:rPr lang="en-US" altLang="zh-TW" dirty="0" smtClean="0"/>
-              <a:t>Demo</a:t>
-            </a:r>
-            <a:endParaRPr lang="zh-TW" altLang="en-US" dirty="0"/>
-          </a:p>
-        </p:txBody>
-      </p:sp>
-      <p:sp>
-        <p:nvSpPr>
-          <p:cNvPr id="3" name="內容版面配置區 2"/>
-          <p:cNvSpPr>
-            <a:spLocks noGrp="1"/>
-          </p:cNvSpPr>
-          <p:nvPr>
-            <p:ph idx="1"/>
-          </p:nvPr>
-        </p:nvSpPr>
-        <p:spPr/>
-        <p:txBody>
-          <a:bodyPr/>
-          <a:lstStyle/>
-          <a:p>
-            <a:endParaRPr lang="zh-TW" altLang="en-US"/>
-          </a:p>
-        </p:txBody>
-      </p:sp>
-    </p:spTree>
-    <p:extLst>
-      <p:ext uri="{BB962C8B-B14F-4D97-AF65-F5344CB8AC3E}">
-        <p14:creationId xmlns:p14="http://schemas.microsoft.com/office/powerpoint/2010/main" val="1852806697"/>
-      </p:ext>
-    </p:extLst>
-  </p:cSld>
-  <p:clrMapOvr>
-    <a:masterClrMapping/>
-  </p:clrMapOvr>
-  <p:timing>
-    <p:tnLst>
-      <p:par>
-        <p:cTn id="1" dur="indefinite" restart="never" nodeType="tmRoot"/>
-      </p:par>
-    </p:tnLst>
-  </p:timing>
-</p:sld>
-</file>
-
 <file path=ppt/slides/slide18.xml><?xml version="1.0" encoding="utf-8"?>
 <p:sld xmlns:a="http://schemas.openxmlformats.org/drawingml/2006/main" xmlns:r="http://schemas.openxmlformats.org/officeDocument/2006/relationships" xmlns:p="http://schemas.openxmlformats.org/presentationml/2006/main">
   <p:cSld>
@@ -15800,7 +16320,7 @@
           <a:p>
             <a:r>
               <a:rPr lang="en-US" altLang="zh-TW" dirty="0" smtClean="0"/>
-              <a:t>Discussion</a:t>
+              <a:t>Demo</a:t>
             </a:r>
             <a:endParaRPr lang="zh-TW" altLang="en-US" dirty="0"/>
           </a:p>
@@ -15823,28 +16343,17 @@
           <a:p>
             <a:r>
               <a:rPr lang="en-US" altLang="zh-TW" dirty="0" smtClean="0"/>
-              <a:t>Our method assigned all </a:t>
-            </a:r>
-            <a:r>
-              <a:rPr lang="en-US" altLang="zh-TW" dirty="0" err="1" smtClean="0"/>
-              <a:t>loopable</a:t>
-            </a:r>
+              <a:t>palmtrees_loop1.mp4</a:t>
+            </a:r>
+          </a:p>
+          <a:p>
             <a:r>
               <a:rPr lang="en-US" altLang="zh-TW" dirty="0" smtClean="0"/>
-              <a:t> pixels with same s and p</a:t>
-            </a:r>
-          </a:p>
-          <a:p>
-            <a:r>
-              <a:rPr lang="en-US" altLang="zh-TW" dirty="0" smtClean="0"/>
-              <a:t>The result is not good</a:t>
-            </a:r>
-          </a:p>
-          <a:p>
-            <a:r>
-              <a:rPr lang="en-US" altLang="zh-TW" dirty="0" smtClean="0"/>
-              <a:t>Graph cut approach will produce better results</a:t>
-            </a:r>
+              <a:t>palmtrees_loop2.mp4</a:t>
+            </a:r>
+            <a:endParaRPr lang="en-US" altLang="zh-TW" dirty="0"/>
+          </a:p>
+          <a:p>
             <a:endParaRPr lang="zh-TW" altLang="en-US" dirty="0"/>
           </a:p>
         </p:txBody>
@@ -15852,7 +16361,7 @@
     </p:spTree>
     <p:extLst>
       <p:ext uri="{BB962C8B-B14F-4D97-AF65-F5344CB8AC3E}">
-        <p14:creationId xmlns:p14="http://schemas.microsoft.com/office/powerpoint/2010/main" val="905998067"/>
+        <p14:creationId xmlns:p14="http://schemas.microsoft.com/office/powerpoint/2010/main" val="1852806697"/>
       </p:ext>
     </p:extLst>
   </p:cSld>
@@ -15903,7 +16412,7 @@
           <a:p>
             <a:r>
               <a:rPr lang="en-US" altLang="zh-TW" dirty="0" smtClean="0"/>
-              <a:t>Reference</a:t>
+              <a:t>Discussion</a:t>
             </a:r>
             <a:endParaRPr lang="zh-TW" altLang="en-US" dirty="0"/>
           </a:p>
@@ -15921,19 +16430,160 @@
         </p:nvSpPr>
         <p:spPr/>
         <p:txBody>
-          <a:bodyPr/>
+          <a:bodyPr>
+            <a:normAutofit fontScale="92500" lnSpcReduction="20000"/>
+          </a:bodyPr>
           <a:lstStyle/>
+          <a:p>
+            <a:r>
+              <a:rPr lang="en-US" altLang="zh-TW" dirty="0"/>
+              <a:t>M</a:t>
+            </a:r>
+            <a:r>
+              <a:rPr lang="en-US" altLang="zh-TW" dirty="0" smtClean="0"/>
+              <a:t>ethod 1</a:t>
+            </a:r>
+          </a:p>
           <a:p>
             <a:pPr marL="0" indent="0">
               <a:buNone/>
             </a:pPr>
             <a:r>
+              <a:rPr lang="en-US" altLang="zh-TW" dirty="0" smtClean="0"/>
+              <a:t>   - </a:t>
+            </a:r>
+            <a:r>
+              <a:rPr lang="en-US" altLang="zh-TW" dirty="0" smtClean="0"/>
+              <a:t>assign </a:t>
+            </a:r>
+            <a:r>
+              <a:rPr lang="en-US" altLang="zh-TW" dirty="0" smtClean="0"/>
+              <a:t>all </a:t>
+            </a:r>
+            <a:r>
+              <a:rPr lang="en-US" altLang="zh-TW" dirty="0" err="1" smtClean="0"/>
+              <a:t>loopable</a:t>
+            </a:r>
+            <a:r>
+              <a:rPr lang="en-US" altLang="zh-TW" dirty="0" smtClean="0"/>
+              <a:t> pixels with same s and </a:t>
+            </a:r>
+            <a:r>
+              <a:rPr lang="en-US" altLang="zh-TW" dirty="0" smtClean="0"/>
+              <a:t>p</a:t>
+            </a:r>
+          </a:p>
+          <a:p>
+            <a:pPr marL="0" indent="0">
+              <a:buNone/>
+            </a:pPr>
+            <a:r>
               <a:rPr lang="en-US" altLang="zh-TW" dirty="0"/>
-              <a:t>•LIAO, Z., JOSHI, N., and HOPPE, H. 2013. Automated video looping with progressive dynamism. ACM Trans. Graph., 32(4</a:t>
+              <a:t> </a:t>
             </a:r>
             <a:r>
               <a:rPr lang="en-US" altLang="zh-TW" dirty="0" smtClean="0"/>
-              <a:t>)</a:t>
+              <a:t>  - the </a:t>
+            </a:r>
+            <a:r>
+              <a:rPr lang="en-US" altLang="zh-TW" dirty="0" err="1" smtClean="0"/>
+              <a:t>temperal</a:t>
+            </a:r>
+            <a:r>
+              <a:rPr lang="en-US" altLang="zh-TW" dirty="0" smtClean="0"/>
+              <a:t> consistency is good, but the spatial consistency is bad</a:t>
+            </a:r>
+          </a:p>
+          <a:p>
+            <a:pPr marL="0" indent="0">
+              <a:buNone/>
+            </a:pPr>
+            <a:r>
+              <a:rPr lang="en-US" altLang="zh-TW" dirty="0"/>
+              <a:t> </a:t>
+            </a:r>
+            <a:r>
+              <a:rPr lang="en-US" altLang="zh-TW" dirty="0" smtClean="0"/>
+              <a:t>  - we can see the discontinuity between each loop period</a:t>
+            </a:r>
+          </a:p>
+          <a:p>
+            <a:r>
+              <a:rPr lang="en-US" altLang="zh-TW" dirty="0"/>
+              <a:t>Method </a:t>
+            </a:r>
+            <a:r>
+              <a:rPr lang="en-US" altLang="zh-TW" dirty="0" smtClean="0"/>
+              <a:t>2</a:t>
+            </a:r>
+            <a:endParaRPr lang="en-US" altLang="zh-TW" dirty="0"/>
+          </a:p>
+          <a:p>
+            <a:pPr marL="0" indent="0">
+              <a:buNone/>
+            </a:pPr>
+            <a:r>
+              <a:rPr lang="en-US" altLang="zh-TW" dirty="0"/>
+              <a:t>   - assign all </a:t>
+            </a:r>
+            <a:r>
+              <a:rPr lang="en-US" altLang="zh-TW" dirty="0" err="1"/>
+              <a:t>loopable</a:t>
+            </a:r>
+            <a:r>
+              <a:rPr lang="en-US" altLang="zh-TW" dirty="0"/>
+              <a:t> pixels with </a:t>
+            </a:r>
+            <a:r>
+              <a:rPr lang="en-US" altLang="zh-TW" dirty="0" smtClean="0"/>
+              <a:t>different </a:t>
+            </a:r>
+            <a:r>
+              <a:rPr lang="en-US" altLang="zh-TW" dirty="0"/>
+              <a:t>s and p</a:t>
+            </a:r>
+          </a:p>
+          <a:p>
+            <a:pPr marL="0" indent="0">
+              <a:buNone/>
+            </a:pPr>
+            <a:r>
+              <a:rPr lang="en-US" altLang="zh-TW" dirty="0"/>
+              <a:t>   - the </a:t>
+            </a:r>
+            <a:r>
+              <a:rPr lang="en-US" altLang="zh-TW" dirty="0" err="1"/>
+              <a:t>temperal</a:t>
+            </a:r>
+            <a:r>
+              <a:rPr lang="en-US" altLang="zh-TW" dirty="0"/>
+              <a:t> consistency </a:t>
+            </a:r>
+            <a:r>
+              <a:rPr lang="en-US" altLang="zh-TW" dirty="0" smtClean="0"/>
+              <a:t>bad, </a:t>
+            </a:r>
+            <a:r>
+              <a:rPr lang="en-US" altLang="zh-TW" dirty="0"/>
+              <a:t>but the spatial consistency is </a:t>
+            </a:r>
+            <a:r>
+              <a:rPr lang="en-US" altLang="zh-TW" dirty="0" smtClean="0"/>
+              <a:t>better</a:t>
+            </a:r>
+            <a:endParaRPr lang="en-US" altLang="zh-TW" dirty="0"/>
+          </a:p>
+          <a:p>
+            <a:pPr marL="0" indent="0">
+              <a:buNone/>
+            </a:pPr>
+            <a:r>
+              <a:rPr lang="en-US" altLang="zh-TW" dirty="0"/>
+              <a:t>   - we can see the discontinuity between </a:t>
+            </a:r>
+            <a:r>
+              <a:rPr lang="en-US" altLang="zh-TW" dirty="0" smtClean="0"/>
+              <a:t>start frame and end frame</a:t>
             </a:r>
           </a:p>
           <a:p>
@@ -15943,25 +16593,14 @@
             <a:endParaRPr lang="en-US" altLang="zh-TW" dirty="0"/>
           </a:p>
           <a:p>
-            <a:pPr marL="0" indent="0">
-              <a:buNone/>
-            </a:pPr>
-            <a:r>
-              <a:rPr lang="en-US" altLang="zh-TW" dirty="0"/>
-              <a:t>•LIAO, J., Finch, M., and HOPPE, H. 2015. Fast computation of seamless video loops. ACM Trans. Graph., 34(6)</a:t>
-            </a:r>
-          </a:p>
-          <a:p>
-            <a:pPr marL="0" indent="0">
-              <a:buNone/>
-            </a:pPr>
-            <a:r>
-              <a:rPr lang="en-US" altLang="zh-TW" dirty="0"/>
-              <a:t/>
-            </a:r>
-            <a:br>
-              <a:rPr lang="en-US" altLang="zh-TW" dirty="0"/>
-            </a:br>
+            <a:r>
+              <a:rPr lang="en-US" altLang="zh-TW" dirty="0" smtClean="0"/>
+              <a:t>Graph </a:t>
+            </a:r>
+            <a:r>
+              <a:rPr lang="en-US" altLang="zh-TW" dirty="0" smtClean="0"/>
+              <a:t>cut approach will produce better results</a:t>
+            </a:r>
             <a:endParaRPr lang="zh-TW" altLang="en-US" dirty="0"/>
           </a:p>
         </p:txBody>
@@ -15969,7 +16608,7 @@
     </p:spTree>
     <p:extLst>
       <p:ext uri="{BB962C8B-B14F-4D97-AF65-F5344CB8AC3E}">
-        <p14:creationId xmlns:p14="http://schemas.microsoft.com/office/powerpoint/2010/main" val="283013464"/>
+        <p14:creationId xmlns:p14="http://schemas.microsoft.com/office/powerpoint/2010/main" val="905998067"/>
       </p:ext>
     </p:extLst>
   </p:cSld>
@@ -16213,6 +16852,123 @@
     <p:extLst>
       <p:ext uri="{BB962C8B-B14F-4D97-AF65-F5344CB8AC3E}">
         <p14:creationId xmlns:p14="http://schemas.microsoft.com/office/powerpoint/2010/main" val="390312961"/>
+      </p:ext>
+    </p:extLst>
+  </p:cSld>
+  <p:clrMapOvr>
+    <a:masterClrMapping/>
+  </p:clrMapOvr>
+  <p:timing>
+    <p:tnLst>
+      <p:par>
+        <p:cTn id="1" dur="indefinite" restart="never" nodeType="tmRoot"/>
+      </p:par>
+    </p:tnLst>
+  </p:timing>
+</p:sld>
+</file>
+
+<file path=ppt/slides/slide20.xml><?xml version="1.0" encoding="utf-8"?>
+<p:sld xmlns:a="http://schemas.openxmlformats.org/drawingml/2006/main" xmlns:r="http://schemas.openxmlformats.org/officeDocument/2006/relationships" xmlns:p="http://schemas.openxmlformats.org/presentationml/2006/main">
+  <p:cSld>
+    <p:spTree>
+      <p:nvGrpSpPr>
+        <p:cNvPr id="1" name=""/>
+        <p:cNvGrpSpPr/>
+        <p:nvPr/>
+      </p:nvGrpSpPr>
+      <p:grpSpPr>
+        <a:xfrm>
+          <a:off x="0" y="0"/>
+          <a:ext cx="0" cy="0"/>
+          <a:chOff x="0" y="0"/>
+          <a:chExt cx="0" cy="0"/>
+        </a:xfrm>
+      </p:grpSpPr>
+      <p:sp>
+        <p:nvSpPr>
+          <p:cNvPr id="2" name="標題 1"/>
+          <p:cNvSpPr>
+            <a:spLocks noGrp="1"/>
+          </p:cNvSpPr>
+          <p:nvPr>
+            <p:ph type="title"/>
+          </p:nvPr>
+        </p:nvSpPr>
+        <p:spPr/>
+        <p:txBody>
+          <a:bodyPr/>
+          <a:lstStyle/>
+          <a:p>
+            <a:r>
+              <a:rPr lang="en-US" altLang="zh-TW" dirty="0" smtClean="0"/>
+              <a:t>Reference</a:t>
+            </a:r>
+            <a:endParaRPr lang="zh-TW" altLang="en-US" dirty="0"/>
+          </a:p>
+        </p:txBody>
+      </p:sp>
+      <p:sp>
+        <p:nvSpPr>
+          <p:cNvPr id="3" name="內容版面配置區 2"/>
+          <p:cNvSpPr>
+            <a:spLocks noGrp="1"/>
+          </p:cNvSpPr>
+          <p:nvPr>
+            <p:ph idx="1"/>
+          </p:nvPr>
+        </p:nvSpPr>
+        <p:spPr/>
+        <p:txBody>
+          <a:bodyPr/>
+          <a:lstStyle/>
+          <a:p>
+            <a:pPr marL="0" indent="0">
+              <a:buNone/>
+            </a:pPr>
+            <a:r>
+              <a:rPr lang="en-US" altLang="zh-TW" dirty="0"/>
+              <a:t>•LIAO, Z., JOSHI, N., and HOPPE, H. 2013. Automated video looping with progressive dynamism. ACM Trans. Graph., 32(4</a:t>
+            </a:r>
+            <a:r>
+              <a:rPr lang="en-US" altLang="zh-TW" dirty="0" smtClean="0"/>
+              <a:t>)</a:t>
+            </a:r>
+          </a:p>
+          <a:p>
+            <a:pPr marL="0" indent="0">
+              <a:buNone/>
+            </a:pPr>
+            <a:endParaRPr lang="en-US" altLang="zh-TW" dirty="0"/>
+          </a:p>
+          <a:p>
+            <a:pPr marL="0" indent="0">
+              <a:buNone/>
+            </a:pPr>
+            <a:r>
+              <a:rPr lang="en-US" altLang="zh-TW" dirty="0"/>
+              <a:t>•LIAO, J., Finch, M., and HOPPE, H. 2015. Fast computation of seamless video loops. ACM Trans. Graph., 34(6)</a:t>
+            </a:r>
+          </a:p>
+          <a:p>
+            <a:pPr marL="0" indent="0">
+              <a:buNone/>
+            </a:pPr>
+            <a:r>
+              <a:rPr lang="en-US" altLang="zh-TW" dirty="0"/>
+              <a:t/>
+            </a:r>
+            <a:br>
+              <a:rPr lang="en-US" altLang="zh-TW" dirty="0"/>
+            </a:br>
+            <a:endParaRPr lang="zh-TW" altLang="en-US" dirty="0"/>
+          </a:p>
+        </p:txBody>
+      </p:sp>
+    </p:spTree>
+    <p:extLst>
+      <p:ext uri="{BB962C8B-B14F-4D97-AF65-F5344CB8AC3E}">
+        <p14:creationId xmlns:p14="http://schemas.microsoft.com/office/powerpoint/2010/main" val="283013464"/>
       </p:ext>
     </p:extLst>
   </p:cSld>

--- a/VC_final_project.pptx
+++ b/VC_final_project.pptx
@@ -5,29 +5,26 @@
     <p:sldMasterId id="2147483648" r:id="rId2"/>
   </p:sldMasterIdLst>
   <p:notesMasterIdLst>
-    <p:notesMasterId r:id="rId23"/>
+    <p:notesMasterId r:id="rId20"/>
   </p:notesMasterIdLst>
   <p:sldIdLst>
-    <p:sldId id="256" r:id="rId3"/>
-    <p:sldId id="272" r:id="rId4"/>
-    <p:sldId id="274" r:id="rId5"/>
-    <p:sldId id="268" r:id="rId6"/>
-    <p:sldId id="269" r:id="rId7"/>
-    <p:sldId id="270" r:id="rId8"/>
-    <p:sldId id="258" r:id="rId9"/>
-    <p:sldId id="257" r:id="rId10"/>
-    <p:sldId id="260" r:id="rId11"/>
-    <p:sldId id="275" r:id="rId12"/>
-    <p:sldId id="259" r:id="rId13"/>
-    <p:sldId id="267" r:id="rId14"/>
-    <p:sldId id="262" r:id="rId15"/>
-    <p:sldId id="263" r:id="rId16"/>
-    <p:sldId id="277" r:id="rId17"/>
-    <p:sldId id="279" r:id="rId18"/>
-    <p:sldId id="264" r:id="rId19"/>
-    <p:sldId id="266" r:id="rId20"/>
-    <p:sldId id="278" r:id="rId21"/>
-    <p:sldId id="265" r:id="rId22"/>
+    <p:sldId id="272" r:id="rId3"/>
+    <p:sldId id="269" r:id="rId4"/>
+    <p:sldId id="270" r:id="rId5"/>
+    <p:sldId id="258" r:id="rId6"/>
+    <p:sldId id="257" r:id="rId7"/>
+    <p:sldId id="260" r:id="rId8"/>
+    <p:sldId id="275" r:id="rId9"/>
+    <p:sldId id="259" r:id="rId10"/>
+    <p:sldId id="267" r:id="rId11"/>
+    <p:sldId id="262" r:id="rId12"/>
+    <p:sldId id="263" r:id="rId13"/>
+    <p:sldId id="277" r:id="rId14"/>
+    <p:sldId id="279" r:id="rId15"/>
+    <p:sldId id="280" r:id="rId16"/>
+    <p:sldId id="266" r:id="rId17"/>
+    <p:sldId id="278" r:id="rId18"/>
+    <p:sldId id="265" r:id="rId19"/>
   </p:sldIdLst>
   <p:sldSz cx="12192000" cy="6858000"/>
   <p:notesSz cx="6858000" cy="9144000"/>
@@ -9266,7 +9263,7 @@
           <a:p>
             <a:fld id="{C8A778BE-D83D-4B57-A0CE-9581C77771A6}" type="slidenum">
               <a:rPr lang="zh-TW" altLang="en-US" smtClean="0"/>
-              <a:t>2</a:t>
+              <a:t>1</a:t>
             </a:fld>
             <a:endParaRPr lang="zh-TW" altLang="en-US"/>
           </a:p>
@@ -12126,7 +12123,7 @@
 </file>
 
 <file path=ppt/slides/slide1.xml><?xml version="1.0" encoding="utf-8"?>
-<p:sld xmlns:a="http://schemas.openxmlformats.org/drawingml/2006/main" xmlns:r="http://schemas.openxmlformats.org/officeDocument/2006/relationships" xmlns:p="http://schemas.openxmlformats.org/presentationml/2006/main" show="0">
+<p:sld xmlns:a="http://schemas.openxmlformats.org/drawingml/2006/main" xmlns:r="http://schemas.openxmlformats.org/officeDocument/2006/relationships" xmlns:p="http://schemas.openxmlformats.org/presentationml/2006/main">
   <p:cSld>
     <p:spTree>
       <p:nvGrpSpPr>
@@ -12152,40 +12149,42 @@
             <p:ph type="ctrTitle"/>
           </p:nvPr>
         </p:nvSpPr>
-        <p:spPr/>
+        <p:spPr>
+          <a:xfrm>
+            <a:off x="685800" y="1083726"/>
+            <a:ext cx="10744200" cy="2387600"/>
+          </a:xfrm>
+        </p:spPr>
         <p:txBody>
           <a:bodyPr>
-            <a:normAutofit fontScale="90000"/>
+            <a:normAutofit/>
           </a:bodyPr>
           <a:lstStyle/>
           <a:p>
             <a:r>
-              <a:rPr lang="zh-TW" altLang="en-US" dirty="0"/>
-              <a:t/>
+              <a:rPr lang="en-US" altLang="zh-TW" sz="5400" dirty="0" smtClean="0">
+                <a:latin typeface="+mn-lt"/>
+                <a:cs typeface="Times New Roman" panose="02020603050405020304" pitchFamily="18" charset="0"/>
+              </a:rPr>
+              <a:t>Computation of </a:t>
             </a:r>
             <a:br>
-              <a:rPr lang="zh-TW" altLang="en-US" dirty="0"/>
+              <a:rPr lang="en-US" altLang="zh-TW" sz="5400" dirty="0" smtClean="0">
+                <a:latin typeface="+mn-lt"/>
+                <a:cs typeface="Times New Roman" panose="02020603050405020304" pitchFamily="18" charset="0"/>
+              </a:rPr>
             </a:br>
             <a:r>
-              <a:rPr lang="en-US" altLang="zh-TW" dirty="0"/>
-              <a:t> COMPUTATION OF </a:t>
-            </a:r>
-            <a:r>
-              <a:rPr lang="en-US" altLang="zh-TW" dirty="0" smtClean="0"/>
-              <a:t/>
-            </a:r>
-            <a:br>
-              <a:rPr lang="en-US" altLang="zh-TW" dirty="0" smtClean="0"/>
-            </a:br>
-            <a:r>
-              <a:rPr lang="en-US" altLang="zh-TW" dirty="0" smtClean="0"/>
-              <a:t>SEAMLESS </a:t>
-            </a:r>
-            <a:r>
-              <a:rPr lang="en-US" altLang="zh-TW" dirty="0"/>
-              <a:t>VIDEO LOOPS</a:t>
-            </a:r>
-            <a:endParaRPr lang="zh-TW" altLang="en-US" dirty="0"/>
+              <a:rPr lang="en-US" altLang="zh-TW" sz="5400" dirty="0" smtClean="0">
+                <a:latin typeface="+mn-lt"/>
+                <a:cs typeface="Times New Roman" panose="02020603050405020304" pitchFamily="18" charset="0"/>
+              </a:rPr>
+              <a:t>Seamless Video Loop</a:t>
+            </a:r>
+            <a:endParaRPr lang="zh-TW" altLang="en-US" sz="5400" dirty="0">
+              <a:latin typeface="+mn-lt"/>
+              <a:cs typeface="Times New Roman" panose="02020603050405020304" pitchFamily="18" charset="0"/>
+            </a:endParaRPr>
           </a:p>
         </p:txBody>
       </p:sp>
@@ -12201,39 +12200,88 @@
         </p:nvSpPr>
         <p:spPr>
           <a:xfrm>
-            <a:off x="6654800" y="3602038"/>
-            <a:ext cx="4013200" cy="1655762"/>
+            <a:off x="5840554" y="3951043"/>
+            <a:ext cx="3417194" cy="919944"/>
           </a:xfrm>
         </p:spPr>
         <p:txBody>
-          <a:bodyPr/>
+          <a:bodyPr>
+            <a:normAutofit/>
+          </a:bodyPr>
           <a:lstStyle/>
           <a:p>
-            <a:endParaRPr lang="zh-TW" altLang="en-US" dirty="0"/>
-          </a:p>
-          <a:p>
-            <a:r>
-              <a:rPr lang="zh-TW" altLang="en-US" dirty="0"/>
-              <a:t> 李天智</a:t>
-            </a:r>
-            <a:r>
-              <a:rPr lang="en-US" altLang="zh-TW" dirty="0"/>
-              <a:t>, </a:t>
-            </a:r>
-            <a:r>
-              <a:rPr lang="zh-TW" altLang="en-US" dirty="0"/>
+            <a:pPr algn="l"/>
+            <a:r>
+              <a:rPr lang="zh-TW" altLang="en-US" dirty="0" smtClean="0">
+                <a:latin typeface="標楷體" panose="03000509000000000000" pitchFamily="65" charset="-120"/>
+                <a:ea typeface="標楷體" panose="03000509000000000000" pitchFamily="65" charset="-120"/>
+              </a:rPr>
+              <a:t>李天智 </a:t>
+            </a:r>
+            <a:r>
+              <a:rPr lang="en-US" altLang="zh-TW" dirty="0">
+                <a:latin typeface="標楷體" panose="03000509000000000000" pitchFamily="65" charset="-120"/>
+                <a:ea typeface="標楷體" panose="03000509000000000000" pitchFamily="65" charset="-120"/>
+              </a:rPr>
+              <a:t>p04922005</a:t>
+            </a:r>
+          </a:p>
+          <a:p>
+            <a:pPr algn="l"/>
+            <a:r>
+              <a:rPr lang="zh-TW" altLang="en-US" dirty="0" smtClean="0">
+                <a:latin typeface="標楷體" panose="03000509000000000000" pitchFamily="65" charset="-120"/>
+                <a:ea typeface="標楷體" panose="03000509000000000000" pitchFamily="65" charset="-120"/>
+              </a:rPr>
               <a:t>李啟維</a:t>
             </a:r>
-          </a:p>
-          <a:p>
-            <a:r>
-              <a:rPr lang="en-US" altLang="zh-TW" dirty="0" smtClean="0"/>
-              <a:t>2016/6/17</a:t>
-            </a:r>
-            <a:endParaRPr lang="zh-TW" altLang="en-US" dirty="0"/>
+            <a:r>
+              <a:rPr lang="en-US" altLang="zh-TW" dirty="0">
+                <a:latin typeface="標楷體" panose="03000509000000000000" pitchFamily="65" charset="-120"/>
+                <a:ea typeface="標楷體" panose="03000509000000000000" pitchFamily="65" charset="-120"/>
+              </a:rPr>
+              <a:t> </a:t>
+            </a:r>
+            <a:r>
+              <a:rPr lang="en-US" altLang="zh-TW" dirty="0" smtClean="0">
+                <a:latin typeface="標楷體" panose="03000509000000000000" pitchFamily="65" charset="-120"/>
+                <a:ea typeface="標楷體" panose="03000509000000000000" pitchFamily="65" charset="-120"/>
+              </a:rPr>
+              <a:t>r04922125</a:t>
+            </a:r>
           </a:p>
         </p:txBody>
       </p:sp>
+      <p:cxnSp>
+        <p:nvCxnSpPr>
+          <p:cNvPr id="5" name="直線接點 4"/>
+          <p:cNvCxnSpPr/>
+          <p:nvPr/>
+        </p:nvCxnSpPr>
+        <p:spPr>
+          <a:xfrm>
+            <a:off x="434714" y="3563053"/>
+            <a:ext cx="11272603" cy="0"/>
+          </a:xfrm>
+          <a:prstGeom prst="line">
+            <a:avLst/>
+          </a:prstGeom>
+        </p:spPr>
+        <p:style>
+          <a:lnRef idx="2">
+            <a:schemeClr val="dk1"/>
+          </a:lnRef>
+          <a:fillRef idx="0">
+            <a:schemeClr val="dk1"/>
+          </a:fillRef>
+          <a:effectRef idx="1">
+            <a:schemeClr val="dk1"/>
+          </a:effectRef>
+          <a:fontRef idx="minor">
+            <a:schemeClr val="tx1"/>
+          </a:fontRef>
+        </p:style>
+      </p:cxnSp>
       <p:sp>
         <p:nvSpPr>
           <p:cNvPr id="4" name="文字方塊 3"/>
@@ -12242,925 +12290,8 @@
         </p:nvSpPr>
         <p:spPr>
           <a:xfrm>
-            <a:off x="3354319" y="1312863"/>
-            <a:ext cx="5483361" cy="523220"/>
-          </a:xfrm>
-          <a:prstGeom prst="rect">
-            <a:avLst/>
-          </a:prstGeom>
-          <a:noFill/>
-        </p:spPr>
-        <p:txBody>
-          <a:bodyPr wrap="none" rtlCol="0">
-            <a:spAutoFit/>
-          </a:bodyPr>
-          <a:lstStyle/>
-          <a:p>
-            <a:r>
-              <a:rPr lang="en-US" altLang="zh-TW" sz="2800" dirty="0" smtClean="0"/>
-              <a:t>Video Communication _Final Project</a:t>
-            </a:r>
-            <a:endParaRPr lang="zh-TW" altLang="en-US" sz="2800" dirty="0"/>
-          </a:p>
-        </p:txBody>
-      </p:sp>
-    </p:spTree>
-    <p:extLst>
-      <p:ext uri="{BB962C8B-B14F-4D97-AF65-F5344CB8AC3E}">
-        <p14:creationId xmlns:p14="http://schemas.microsoft.com/office/powerpoint/2010/main" val="1667754090"/>
-      </p:ext>
-    </p:extLst>
-  </p:cSld>
-  <p:clrMapOvr>
-    <a:masterClrMapping/>
-  </p:clrMapOvr>
-  <mc:AlternateContent xmlns:mc="http://schemas.openxmlformats.org/markup-compatibility/2006" xmlns:p14="http://schemas.microsoft.com/office/powerpoint/2010/main">
-    <mc:Choice Requires="p14">
-      <p:transition spd="slow" p14:dur="2000"/>
-    </mc:Choice>
-    <mc:Fallback xmlns="">
-      <p:transition spd="slow"/>
-    </mc:Fallback>
-  </mc:AlternateContent>
-  <p:timing>
-    <p:tnLst>
-      <p:par>
-        <p:cTn id="1" dur="indefinite" restart="never" nodeType="tmRoot"/>
-      </p:par>
-    </p:tnLst>
-  </p:timing>
-</p:sld>
-</file>
-
-<file path=ppt/slides/slide10.xml><?xml version="1.0" encoding="utf-8"?>
-<p:sld xmlns:a="http://schemas.openxmlformats.org/drawingml/2006/main" xmlns:r="http://schemas.openxmlformats.org/officeDocument/2006/relationships" xmlns:p="http://schemas.openxmlformats.org/presentationml/2006/main">
-  <p:cSld>
-    <p:spTree>
-      <p:nvGrpSpPr>
-        <p:cNvPr id="1" name=""/>
-        <p:cNvGrpSpPr/>
-        <p:nvPr/>
-      </p:nvGrpSpPr>
-      <p:grpSpPr>
-        <a:xfrm>
-          <a:off x="0" y="0"/>
-          <a:ext cx="0" cy="0"/>
-          <a:chOff x="0" y="0"/>
-          <a:chExt cx="0" cy="0"/>
-        </a:xfrm>
-      </p:grpSpPr>
-      <p:sp>
-        <p:nvSpPr>
-          <p:cNvPr id="2" name="標題 1"/>
-          <p:cNvSpPr>
-            <a:spLocks noGrp="1"/>
-          </p:cNvSpPr>
-          <p:nvPr>
-            <p:ph type="title"/>
-          </p:nvPr>
-        </p:nvSpPr>
-        <p:spPr/>
-        <p:txBody>
-          <a:bodyPr/>
-          <a:lstStyle/>
-          <a:p>
-            <a:r>
-              <a:rPr lang="en-US" altLang="zh-TW" dirty="0"/>
-              <a:t>Classification of </a:t>
-            </a:r>
-            <a:r>
-              <a:rPr lang="en-US" altLang="zh-TW" dirty="0" err="1"/>
-              <a:t>loopable</a:t>
-            </a:r>
-            <a:r>
-              <a:rPr lang="en-US" altLang="zh-TW" dirty="0"/>
-              <a:t> pixels </a:t>
-            </a:r>
-            <a:endParaRPr lang="zh-TW" altLang="en-US" dirty="0"/>
-          </a:p>
-        </p:txBody>
-      </p:sp>
-      <p:sp>
-        <p:nvSpPr>
-          <p:cNvPr id="4" name="矩形 3"/>
-          <p:cNvSpPr/>
-          <p:nvPr/>
-        </p:nvSpPr>
-        <p:spPr>
-          <a:xfrm>
-            <a:off x="6224787" y="2092119"/>
-            <a:ext cx="5332213" cy="3433391"/>
-          </a:xfrm>
-          <a:prstGeom prst="rect">
-            <a:avLst/>
-          </a:prstGeom>
-          <a:solidFill>
-            <a:schemeClr val="accent5">
-              <a:lumMod val="20000"/>
-              <a:lumOff val="80000"/>
-            </a:schemeClr>
-          </a:solidFill>
-          <a:ln w="38100">
-            <a:solidFill>
-              <a:schemeClr val="tx1"/>
-            </a:solidFill>
-          </a:ln>
-        </p:spPr>
-        <p:style>
-          <a:lnRef idx="2">
-            <a:schemeClr val="accent1">
-              <a:shade val="50000"/>
-            </a:schemeClr>
-          </a:lnRef>
-          <a:fillRef idx="1">
-            <a:schemeClr val="accent1"/>
-          </a:fillRef>
-          <a:effectRef idx="0">
-            <a:schemeClr val="accent1"/>
-          </a:effectRef>
-          <a:fontRef idx="minor">
-            <a:schemeClr val="lt1"/>
-          </a:fontRef>
-        </p:style>
-        <p:txBody>
-          <a:bodyPr rtlCol="0" anchor="ctr"/>
-          <a:lstStyle/>
-          <a:p>
-            <a:pPr algn="ctr"/>
-            <a:endParaRPr lang="zh-TW" altLang="en-US"/>
-          </a:p>
-        </p:txBody>
-      </p:sp>
-      <p:sp>
-        <p:nvSpPr>
-          <p:cNvPr id="5" name="手繪多邊形 4"/>
-          <p:cNvSpPr/>
-          <p:nvPr/>
-        </p:nvSpPr>
-        <p:spPr>
-          <a:xfrm>
-            <a:off x="8399435" y="2672979"/>
-            <a:ext cx="982919" cy="2271672"/>
-          </a:xfrm>
-          <a:custGeom>
-            <a:avLst/>
-            <a:gdLst>
-              <a:gd name="connsiteX0" fmla="*/ 626236 w 1252471"/>
-              <a:gd name="connsiteY0" fmla="*/ 0 h 2823354"/>
-              <a:gd name="connsiteX1" fmla="*/ 714968 w 1252471"/>
-              <a:gd name="connsiteY1" fmla="*/ 82599 h 2823354"/>
-              <a:gd name="connsiteX2" fmla="*/ 1252471 w 1252471"/>
-              <a:gd name="connsiteY2" fmla="*/ 1411677 h 2823354"/>
-              <a:gd name="connsiteX3" fmla="*/ 714968 w 1252471"/>
-              <a:gd name="connsiteY3" fmla="*/ 2740755 h 2823354"/>
-              <a:gd name="connsiteX4" fmla="*/ 626236 w 1252471"/>
-              <a:gd name="connsiteY4" fmla="*/ 2823354 h 2823354"/>
-              <a:gd name="connsiteX5" fmla="*/ 537503 w 1252471"/>
-              <a:gd name="connsiteY5" fmla="*/ 2740755 h 2823354"/>
-              <a:gd name="connsiteX6" fmla="*/ 0 w 1252471"/>
-              <a:gd name="connsiteY6" fmla="*/ 1411677 h 2823354"/>
-              <a:gd name="connsiteX7" fmla="*/ 537503 w 1252471"/>
-              <a:gd name="connsiteY7" fmla="*/ 82599 h 2823354"/>
-              <a:gd name="connsiteX8" fmla="*/ 626236 w 1252471"/>
-              <a:gd name="connsiteY8" fmla="*/ 0 h 2823354"/>
-            </a:gdLst>
-            <a:ahLst/>
-            <a:cxnLst>
-              <a:cxn ang="0">
-                <a:pos x="connsiteX0" y="connsiteY0"/>
-              </a:cxn>
-              <a:cxn ang="0">
-                <a:pos x="connsiteX1" y="connsiteY1"/>
-              </a:cxn>
-              <a:cxn ang="0">
-                <a:pos x="connsiteX2" y="connsiteY2"/>
-              </a:cxn>
-              <a:cxn ang="0">
-                <a:pos x="connsiteX3" y="connsiteY3"/>
-              </a:cxn>
-              <a:cxn ang="0">
-                <a:pos x="connsiteX4" y="connsiteY4"/>
-              </a:cxn>
-              <a:cxn ang="0">
-                <a:pos x="connsiteX5" y="connsiteY5"/>
-              </a:cxn>
-              <a:cxn ang="0">
-                <a:pos x="connsiteX6" y="connsiteY6"/>
-              </a:cxn>
-              <a:cxn ang="0">
-                <a:pos x="connsiteX7" y="connsiteY7"/>
-              </a:cxn>
-              <a:cxn ang="0">
-                <a:pos x="connsiteX8" y="connsiteY8"/>
-              </a:cxn>
-            </a:cxnLst>
-            <a:rect l="l" t="t" r="r" b="b"/>
-            <a:pathLst>
-              <a:path w="1252471" h="2823354">
-                <a:moveTo>
-                  <a:pt x="626236" y="0"/>
-                </a:moveTo>
-                <a:lnTo>
-                  <a:pt x="714968" y="82599"/>
-                </a:lnTo>
-                <a:cubicBezTo>
-                  <a:pt x="1047065" y="422740"/>
-                  <a:pt x="1252471" y="892640"/>
-                  <a:pt x="1252471" y="1411677"/>
-                </a:cubicBezTo>
-                <a:cubicBezTo>
-                  <a:pt x="1252471" y="1930714"/>
-                  <a:pt x="1047065" y="2400614"/>
-                  <a:pt x="714968" y="2740755"/>
-                </a:cubicBezTo>
-                <a:lnTo>
-                  <a:pt x="626236" y="2823354"/>
-                </a:lnTo>
-                <a:lnTo>
-                  <a:pt x="537503" y="2740755"/>
-                </a:lnTo>
-                <a:cubicBezTo>
-                  <a:pt x="205406" y="2400614"/>
-                  <a:pt x="0" y="1930714"/>
-                  <a:pt x="0" y="1411677"/>
-                </a:cubicBezTo>
-                <a:cubicBezTo>
-                  <a:pt x="0" y="892640"/>
-                  <a:pt x="205406" y="422740"/>
-                  <a:pt x="537503" y="82599"/>
-                </a:cubicBezTo>
-                <a:lnTo>
-                  <a:pt x="626236" y="0"/>
-                </a:lnTo>
-                <a:close/>
-              </a:path>
-            </a:pathLst>
-          </a:custGeom>
-          <a:solidFill>
-            <a:schemeClr val="accent6">
-              <a:lumMod val="40000"/>
-              <a:lumOff val="60000"/>
-            </a:schemeClr>
-          </a:solidFill>
-          <a:ln w="38100">
-            <a:solidFill>
-              <a:schemeClr val="tx1"/>
-            </a:solidFill>
-          </a:ln>
-        </p:spPr>
-        <p:style>
-          <a:lnRef idx="2">
-            <a:schemeClr val="accent1">
-              <a:shade val="50000"/>
-            </a:schemeClr>
-          </a:lnRef>
-          <a:fillRef idx="1">
-            <a:schemeClr val="accent1"/>
-          </a:fillRef>
-          <a:effectRef idx="0">
-            <a:schemeClr val="accent1"/>
-          </a:effectRef>
-          <a:fontRef idx="minor">
-            <a:schemeClr val="lt1"/>
-          </a:fontRef>
-        </p:style>
-        <p:txBody>
-          <a:bodyPr rtlCol="0" anchor="ctr"/>
-          <a:lstStyle/>
-          <a:p>
-            <a:pPr algn="ctr"/>
-            <a:endParaRPr lang="zh-TW" altLang="en-US"/>
-          </a:p>
-        </p:txBody>
-      </p:sp>
-      <p:sp>
-        <p:nvSpPr>
-          <p:cNvPr id="6" name="手繪多邊形 5"/>
-          <p:cNvSpPr/>
-          <p:nvPr/>
-        </p:nvSpPr>
-        <p:spPr>
-          <a:xfrm>
-            <a:off x="6501962" y="2296488"/>
-            <a:ext cx="2388933" cy="3024653"/>
-          </a:xfrm>
-          <a:custGeom>
-            <a:avLst/>
-            <a:gdLst>
-              <a:gd name="connsiteX0" fmla="*/ 1835150 w 3044065"/>
-              <a:gd name="connsiteY0" fmla="*/ 0 h 3759200"/>
-              <a:gd name="connsiteX1" fmla="*/ 3002476 w 3044065"/>
-              <a:gd name="connsiteY1" fmla="*/ 429209 h 3759200"/>
-              <a:gd name="connsiteX2" fmla="*/ 3044065 w 3044065"/>
-              <a:gd name="connsiteY2" fmla="*/ 467923 h 3759200"/>
-              <a:gd name="connsiteX3" fmla="*/ 2955332 w 3044065"/>
-              <a:gd name="connsiteY3" fmla="*/ 550522 h 3759200"/>
-              <a:gd name="connsiteX4" fmla="*/ 2417829 w 3044065"/>
-              <a:gd name="connsiteY4" fmla="*/ 1879600 h 3759200"/>
-              <a:gd name="connsiteX5" fmla="*/ 2955332 w 3044065"/>
-              <a:gd name="connsiteY5" fmla="*/ 3208678 h 3759200"/>
-              <a:gd name="connsiteX6" fmla="*/ 3044065 w 3044065"/>
-              <a:gd name="connsiteY6" fmla="*/ 3291277 h 3759200"/>
-              <a:gd name="connsiteX7" fmla="*/ 3002476 w 3044065"/>
-              <a:gd name="connsiteY7" fmla="*/ 3329991 h 3759200"/>
-              <a:gd name="connsiteX8" fmla="*/ 1835150 w 3044065"/>
-              <a:gd name="connsiteY8" fmla="*/ 3759200 h 3759200"/>
-              <a:gd name="connsiteX9" fmla="*/ 0 w 3044065"/>
-              <a:gd name="connsiteY9" fmla="*/ 1879600 h 3759200"/>
-              <a:gd name="connsiteX10" fmla="*/ 1835150 w 3044065"/>
-              <a:gd name="connsiteY10" fmla="*/ 0 h 3759200"/>
-            </a:gdLst>
-            <a:ahLst/>
-            <a:cxnLst>
-              <a:cxn ang="0">
-                <a:pos x="connsiteX0" y="connsiteY0"/>
-              </a:cxn>
-              <a:cxn ang="0">
-                <a:pos x="connsiteX1" y="connsiteY1"/>
-              </a:cxn>
-              <a:cxn ang="0">
-                <a:pos x="connsiteX2" y="connsiteY2"/>
-              </a:cxn>
-              <a:cxn ang="0">
-                <a:pos x="connsiteX3" y="connsiteY3"/>
-              </a:cxn>
-              <a:cxn ang="0">
-                <a:pos x="connsiteX4" y="connsiteY4"/>
-              </a:cxn>
-              <a:cxn ang="0">
-                <a:pos x="connsiteX5" y="connsiteY5"/>
-              </a:cxn>
-              <a:cxn ang="0">
-                <a:pos x="connsiteX6" y="connsiteY6"/>
-              </a:cxn>
-              <a:cxn ang="0">
-                <a:pos x="connsiteX7" y="connsiteY7"/>
-              </a:cxn>
-              <a:cxn ang="0">
-                <a:pos x="connsiteX8" y="connsiteY8"/>
-              </a:cxn>
-              <a:cxn ang="0">
-                <a:pos x="connsiteX9" y="connsiteY9"/>
-              </a:cxn>
-              <a:cxn ang="0">
-                <a:pos x="connsiteX10" y="connsiteY10"/>
-              </a:cxn>
-            </a:cxnLst>
-            <a:rect l="l" t="t" r="r" b="b"/>
-            <a:pathLst>
-              <a:path w="3044065" h="3759200">
-                <a:moveTo>
-                  <a:pt x="1835150" y="0"/>
-                </a:moveTo>
-                <a:cubicBezTo>
-                  <a:pt x="2278567" y="0"/>
-                  <a:pt x="2685254" y="161073"/>
-                  <a:pt x="3002476" y="429209"/>
-                </a:cubicBezTo>
-                <a:lnTo>
-                  <a:pt x="3044065" y="467923"/>
-                </a:lnTo>
-                <a:lnTo>
-                  <a:pt x="2955332" y="550522"/>
-                </a:lnTo>
-                <a:cubicBezTo>
-                  <a:pt x="2623235" y="890663"/>
-                  <a:pt x="2417829" y="1360563"/>
-                  <a:pt x="2417829" y="1879600"/>
-                </a:cubicBezTo>
-                <a:cubicBezTo>
-                  <a:pt x="2417829" y="2398637"/>
-                  <a:pt x="2623235" y="2868537"/>
-                  <a:pt x="2955332" y="3208678"/>
-                </a:cubicBezTo>
-                <a:lnTo>
-                  <a:pt x="3044065" y="3291277"/>
-                </a:lnTo>
-                <a:lnTo>
-                  <a:pt x="3002476" y="3329991"/>
-                </a:lnTo>
-                <a:cubicBezTo>
-                  <a:pt x="2685254" y="3598127"/>
-                  <a:pt x="2278567" y="3759200"/>
-                  <a:pt x="1835150" y="3759200"/>
-                </a:cubicBezTo>
-                <a:cubicBezTo>
-                  <a:pt x="821625" y="3759200"/>
-                  <a:pt x="0" y="2917674"/>
-                  <a:pt x="0" y="1879600"/>
-                </a:cubicBezTo>
-                <a:cubicBezTo>
-                  <a:pt x="0" y="841526"/>
-                  <a:pt x="821625" y="0"/>
-                  <a:pt x="1835150" y="0"/>
-                </a:cubicBezTo>
-                <a:close/>
-              </a:path>
-            </a:pathLst>
-          </a:custGeom>
-          <a:solidFill>
-            <a:schemeClr val="accent4">
-              <a:lumMod val="20000"/>
-              <a:lumOff val="80000"/>
-            </a:schemeClr>
-          </a:solidFill>
-          <a:ln w="38100">
-            <a:solidFill>
-              <a:schemeClr val="tx1"/>
-            </a:solidFill>
-          </a:ln>
-        </p:spPr>
-        <p:style>
-          <a:lnRef idx="2">
-            <a:schemeClr val="accent1">
-              <a:shade val="50000"/>
-            </a:schemeClr>
-          </a:lnRef>
-          <a:fillRef idx="1">
-            <a:schemeClr val="accent1"/>
-          </a:fillRef>
-          <a:effectRef idx="0">
-            <a:schemeClr val="accent1"/>
-          </a:effectRef>
-          <a:fontRef idx="minor">
-            <a:schemeClr val="lt1"/>
-          </a:fontRef>
-        </p:style>
-        <p:txBody>
-          <a:bodyPr rtlCol="0" anchor="ctr"/>
-          <a:lstStyle/>
-          <a:p>
-            <a:pPr algn="ctr"/>
-            <a:r>
-              <a:rPr lang="en-US" altLang="zh-TW" sz="2800" dirty="0" smtClean="0">
-                <a:solidFill>
-                  <a:schemeClr val="tx1"/>
-                </a:solidFill>
-              </a:rPr>
-              <a:t>rises</a:t>
-            </a:r>
-            <a:endParaRPr lang="zh-TW" altLang="en-US" sz="2800" dirty="0">
-              <a:solidFill>
-                <a:schemeClr val="tx1"/>
-              </a:solidFill>
-            </a:endParaRPr>
-          </a:p>
-        </p:txBody>
-      </p:sp>
-      <p:sp>
-        <p:nvSpPr>
-          <p:cNvPr id="7" name="手繪多邊形 6"/>
-          <p:cNvSpPr/>
-          <p:nvPr/>
-        </p:nvSpPr>
-        <p:spPr>
-          <a:xfrm>
-            <a:off x="8890894" y="2296488"/>
-            <a:ext cx="2388932" cy="3024653"/>
-          </a:xfrm>
-          <a:custGeom>
-            <a:avLst/>
-            <a:gdLst>
-              <a:gd name="connsiteX0" fmla="*/ 1208914 w 3044064"/>
-              <a:gd name="connsiteY0" fmla="*/ 0 h 3759200"/>
-              <a:gd name="connsiteX1" fmla="*/ 3044064 w 3044064"/>
-              <a:gd name="connsiteY1" fmla="*/ 1879600 h 3759200"/>
-              <a:gd name="connsiteX2" fmla="*/ 1208914 w 3044064"/>
-              <a:gd name="connsiteY2" fmla="*/ 3759200 h 3759200"/>
-              <a:gd name="connsiteX3" fmla="*/ 41588 w 3044064"/>
-              <a:gd name="connsiteY3" fmla="*/ 3329991 h 3759200"/>
-              <a:gd name="connsiteX4" fmla="*/ 0 w 3044064"/>
-              <a:gd name="connsiteY4" fmla="*/ 3291277 h 3759200"/>
-              <a:gd name="connsiteX5" fmla="*/ 88732 w 3044064"/>
-              <a:gd name="connsiteY5" fmla="*/ 3208678 h 3759200"/>
-              <a:gd name="connsiteX6" fmla="*/ 626235 w 3044064"/>
-              <a:gd name="connsiteY6" fmla="*/ 1879600 h 3759200"/>
-              <a:gd name="connsiteX7" fmla="*/ 88732 w 3044064"/>
-              <a:gd name="connsiteY7" fmla="*/ 550522 h 3759200"/>
-              <a:gd name="connsiteX8" fmla="*/ 0 w 3044064"/>
-              <a:gd name="connsiteY8" fmla="*/ 467923 h 3759200"/>
-              <a:gd name="connsiteX9" fmla="*/ 41588 w 3044064"/>
-              <a:gd name="connsiteY9" fmla="*/ 429209 h 3759200"/>
-              <a:gd name="connsiteX10" fmla="*/ 1208914 w 3044064"/>
-              <a:gd name="connsiteY10" fmla="*/ 0 h 3759200"/>
-            </a:gdLst>
-            <a:ahLst/>
-            <a:cxnLst>
-              <a:cxn ang="0">
-                <a:pos x="connsiteX0" y="connsiteY0"/>
-              </a:cxn>
-              <a:cxn ang="0">
-                <a:pos x="connsiteX1" y="connsiteY1"/>
-              </a:cxn>
-              <a:cxn ang="0">
-                <a:pos x="connsiteX2" y="connsiteY2"/>
-              </a:cxn>
-              <a:cxn ang="0">
-                <a:pos x="connsiteX3" y="connsiteY3"/>
-              </a:cxn>
-              <a:cxn ang="0">
-                <a:pos x="connsiteX4" y="connsiteY4"/>
-              </a:cxn>
-              <a:cxn ang="0">
-                <a:pos x="connsiteX5" y="connsiteY5"/>
-              </a:cxn>
-              <a:cxn ang="0">
-                <a:pos x="connsiteX6" y="connsiteY6"/>
-              </a:cxn>
-              <a:cxn ang="0">
-                <a:pos x="connsiteX7" y="connsiteY7"/>
-              </a:cxn>
-              <a:cxn ang="0">
-                <a:pos x="connsiteX8" y="connsiteY8"/>
-              </a:cxn>
-              <a:cxn ang="0">
-                <a:pos x="connsiteX9" y="connsiteY9"/>
-              </a:cxn>
-              <a:cxn ang="0">
-                <a:pos x="connsiteX10" y="connsiteY10"/>
-              </a:cxn>
-            </a:cxnLst>
-            <a:rect l="l" t="t" r="r" b="b"/>
-            <a:pathLst>
-              <a:path w="3044064" h="3759200">
-                <a:moveTo>
-                  <a:pt x="1208914" y="0"/>
-                </a:moveTo>
-                <a:cubicBezTo>
-                  <a:pt x="2222439" y="0"/>
-                  <a:pt x="3044064" y="841526"/>
-                  <a:pt x="3044064" y="1879600"/>
-                </a:cubicBezTo>
-                <a:cubicBezTo>
-                  <a:pt x="3044064" y="2917674"/>
-                  <a:pt x="2222439" y="3759200"/>
-                  <a:pt x="1208914" y="3759200"/>
-                </a:cubicBezTo>
-                <a:cubicBezTo>
-                  <a:pt x="765497" y="3759200"/>
-                  <a:pt x="358811" y="3598127"/>
-                  <a:pt x="41588" y="3329991"/>
-                </a:cubicBezTo>
-                <a:lnTo>
-                  <a:pt x="0" y="3291277"/>
-                </a:lnTo>
-                <a:lnTo>
-                  <a:pt x="88732" y="3208678"/>
-                </a:lnTo>
-                <a:cubicBezTo>
-                  <a:pt x="420829" y="2868537"/>
-                  <a:pt x="626235" y="2398637"/>
-                  <a:pt x="626235" y="1879600"/>
-                </a:cubicBezTo>
-                <a:cubicBezTo>
-                  <a:pt x="626235" y="1360563"/>
-                  <a:pt x="420829" y="890663"/>
-                  <a:pt x="88732" y="550522"/>
-                </a:cubicBezTo>
-                <a:lnTo>
-                  <a:pt x="0" y="467923"/>
-                </a:lnTo>
-                <a:lnTo>
-                  <a:pt x="41588" y="429209"/>
-                </a:lnTo>
-                <a:cubicBezTo>
-                  <a:pt x="358811" y="161073"/>
-                  <a:pt x="765497" y="0"/>
-                  <a:pt x="1208914" y="0"/>
-                </a:cubicBezTo>
-                <a:close/>
-              </a:path>
-            </a:pathLst>
-          </a:custGeom>
-          <a:solidFill>
-            <a:schemeClr val="accent4">
-              <a:lumMod val="20000"/>
-              <a:lumOff val="80000"/>
-            </a:schemeClr>
-          </a:solidFill>
-          <a:ln w="38100">
-            <a:solidFill>
-              <a:schemeClr val="tx1"/>
-            </a:solidFill>
-          </a:ln>
-        </p:spPr>
-        <p:style>
-          <a:lnRef idx="2">
-            <a:schemeClr val="accent1">
-              <a:shade val="50000"/>
-            </a:schemeClr>
-          </a:lnRef>
-          <a:fillRef idx="1">
-            <a:schemeClr val="accent1"/>
-          </a:fillRef>
-          <a:effectRef idx="0">
-            <a:schemeClr val="accent1"/>
-          </a:effectRef>
-          <a:fontRef idx="minor">
-            <a:schemeClr val="lt1"/>
-          </a:fontRef>
-        </p:style>
-        <p:txBody>
-          <a:bodyPr rtlCol="0" anchor="ctr"/>
-          <a:lstStyle/>
-          <a:p>
-            <a:pPr algn="ctr"/>
-            <a:r>
-              <a:rPr lang="en-US" altLang="zh-TW" sz="2400" dirty="0" smtClean="0">
-                <a:solidFill>
-                  <a:schemeClr val="tx1"/>
-                </a:solidFill>
-              </a:rPr>
-              <a:t>falls</a:t>
-            </a:r>
-            <a:endParaRPr lang="zh-TW" altLang="en-US" dirty="0">
-              <a:solidFill>
-                <a:schemeClr val="tx1"/>
-              </a:solidFill>
-            </a:endParaRPr>
-          </a:p>
-        </p:txBody>
-      </p:sp>
-      <p:sp>
-        <p:nvSpPr>
-          <p:cNvPr id="9" name="圓角矩形 8"/>
-          <p:cNvSpPr/>
-          <p:nvPr/>
-        </p:nvSpPr>
-        <p:spPr>
-          <a:xfrm>
-            <a:off x="7965106" y="1240643"/>
-            <a:ext cx="1786496" cy="881966"/>
-          </a:xfrm>
-          <a:prstGeom prst="roundRect">
-            <a:avLst/>
-          </a:prstGeom>
-        </p:spPr>
-        <p:style>
-          <a:lnRef idx="2">
-            <a:schemeClr val="accent2"/>
-          </a:lnRef>
-          <a:fillRef idx="1">
-            <a:schemeClr val="lt1"/>
-          </a:fillRef>
-          <a:effectRef idx="0">
-            <a:schemeClr val="accent2"/>
-          </a:effectRef>
-          <a:fontRef idx="minor">
-            <a:schemeClr val="dk1"/>
-          </a:fontRef>
-        </p:style>
-        <p:txBody>
-          <a:bodyPr rtlCol="0" anchor="ctr"/>
-          <a:lstStyle/>
-          <a:p>
-            <a:pPr algn="ctr"/>
-            <a:r>
-              <a:rPr lang="en-US" altLang="zh-TW" sz="2400" dirty="0" err="1" smtClean="0"/>
-              <a:t>Unloopable</a:t>
-            </a:r>
-            <a:endParaRPr lang="zh-TW" altLang="en-US" sz="2000" dirty="0"/>
-          </a:p>
-        </p:txBody>
-      </p:sp>
-      <p:sp>
-        <p:nvSpPr>
-          <p:cNvPr id="10" name="圓角矩形 9"/>
-          <p:cNvSpPr/>
-          <p:nvPr/>
-        </p:nvSpPr>
-        <p:spPr>
-          <a:xfrm>
-            <a:off x="8258131" y="3563573"/>
-            <a:ext cx="1526010" cy="735727"/>
-          </a:xfrm>
-          <a:prstGeom prst="roundRect">
-            <a:avLst/>
-          </a:prstGeom>
-        </p:spPr>
-        <p:style>
-          <a:lnRef idx="2">
-            <a:schemeClr val="accent1"/>
-          </a:lnRef>
-          <a:fillRef idx="1">
-            <a:schemeClr val="lt1"/>
-          </a:fillRef>
-          <a:effectRef idx="0">
-            <a:schemeClr val="accent1"/>
-          </a:effectRef>
-          <a:fontRef idx="minor">
-            <a:schemeClr val="dk1"/>
-          </a:fontRef>
-        </p:style>
-        <p:txBody>
-          <a:bodyPr rtlCol="0" anchor="ctr"/>
-          <a:lstStyle/>
-          <a:p>
-            <a:pPr algn="ctr"/>
-            <a:r>
-              <a:rPr lang="en-US" altLang="zh-TW" sz="2400" dirty="0" err="1" smtClean="0"/>
-              <a:t>Loopable</a:t>
-            </a:r>
-            <a:endParaRPr lang="zh-TW" altLang="en-US" sz="2000" dirty="0"/>
-          </a:p>
-        </p:txBody>
-      </p:sp>
-      <p:cxnSp>
-        <p:nvCxnSpPr>
-          <p:cNvPr id="12" name="直線單箭頭接點 11"/>
-          <p:cNvCxnSpPr>
-            <a:stCxn id="9" idx="1"/>
-          </p:cNvCxnSpPr>
-          <p:nvPr/>
-        </p:nvCxnSpPr>
-        <p:spPr>
-          <a:xfrm flipH="1">
-            <a:off x="7675251" y="1681626"/>
-            <a:ext cx="289855" cy="1209058"/>
-          </a:xfrm>
-          <a:prstGeom prst="straightConnector1">
-            <a:avLst/>
-          </a:prstGeom>
-          <a:ln w="28575">
-            <a:solidFill>
-              <a:schemeClr val="tx1"/>
-            </a:solidFill>
-            <a:tailEnd type="triangle"/>
-          </a:ln>
-        </p:spPr>
-        <p:style>
-          <a:lnRef idx="1">
-            <a:schemeClr val="accent1"/>
-          </a:lnRef>
-          <a:fillRef idx="0">
-            <a:schemeClr val="accent1"/>
-          </a:fillRef>
-          <a:effectRef idx="0">
-            <a:schemeClr val="accent1"/>
-          </a:effectRef>
-          <a:fontRef idx="minor">
-            <a:schemeClr val="tx1"/>
-          </a:fontRef>
-        </p:style>
-      </p:cxnSp>
-      <p:cxnSp>
-        <p:nvCxnSpPr>
-          <p:cNvPr id="14" name="直線單箭頭接點 13"/>
-          <p:cNvCxnSpPr>
-            <a:stCxn id="9" idx="3"/>
-          </p:cNvCxnSpPr>
-          <p:nvPr/>
-        </p:nvCxnSpPr>
-        <p:spPr>
-          <a:xfrm>
-            <a:off x="9751602" y="1681626"/>
-            <a:ext cx="221138" cy="1312803"/>
-          </a:xfrm>
-          <a:prstGeom prst="straightConnector1">
-            <a:avLst/>
-          </a:prstGeom>
-          <a:ln w="28575">
-            <a:solidFill>
-              <a:schemeClr val="tx1"/>
-            </a:solidFill>
-            <a:tailEnd type="triangle"/>
-          </a:ln>
-        </p:spPr>
-        <p:style>
-          <a:lnRef idx="1">
-            <a:schemeClr val="accent1"/>
-          </a:lnRef>
-          <a:fillRef idx="0">
-            <a:schemeClr val="accent1"/>
-          </a:fillRef>
-          <a:effectRef idx="0">
-            <a:schemeClr val="accent1"/>
-          </a:effectRef>
-          <a:fontRef idx="minor">
-            <a:schemeClr val="tx1"/>
-          </a:fontRef>
-        </p:style>
-      </p:cxnSp>
-      <p:cxnSp>
-        <p:nvCxnSpPr>
-          <p:cNvPr id="22" name="直線單箭頭接點 21"/>
-          <p:cNvCxnSpPr>
-            <a:stCxn id="23" idx="2"/>
-          </p:cNvCxnSpPr>
-          <p:nvPr/>
-        </p:nvCxnSpPr>
-        <p:spPr>
-          <a:xfrm flipH="1">
-            <a:off x="10974237" y="1989935"/>
-            <a:ext cx="4371" cy="511965"/>
-          </a:xfrm>
-          <a:prstGeom prst="straightConnector1">
-            <a:avLst/>
-          </a:prstGeom>
-          <a:ln w="76200">
-            <a:solidFill>
-              <a:schemeClr val="tx1"/>
-            </a:solidFill>
-            <a:tailEnd type="triangle"/>
-          </a:ln>
-        </p:spPr>
-        <p:style>
-          <a:lnRef idx="1">
-            <a:schemeClr val="accent1"/>
-          </a:lnRef>
-          <a:fillRef idx="0">
-            <a:schemeClr val="accent1"/>
-          </a:fillRef>
-          <a:effectRef idx="0">
-            <a:schemeClr val="accent1"/>
-          </a:effectRef>
-          <a:fontRef idx="minor">
-            <a:schemeClr val="tx1"/>
-          </a:fontRef>
-        </p:style>
-      </p:cxnSp>
-      <p:sp>
-        <p:nvSpPr>
-          <p:cNvPr id="23" name="圓角矩形 22"/>
-          <p:cNvSpPr/>
-          <p:nvPr/>
-        </p:nvSpPr>
-        <p:spPr>
-          <a:xfrm>
-            <a:off x="10085360" y="1107969"/>
-            <a:ext cx="1786496" cy="881966"/>
-          </a:xfrm>
-          <a:prstGeom prst="roundRect">
-            <a:avLst/>
-          </a:prstGeom>
-        </p:spPr>
-        <p:style>
-          <a:lnRef idx="2">
-            <a:schemeClr val="accent2"/>
-          </a:lnRef>
-          <a:fillRef idx="1">
-            <a:schemeClr val="lt1"/>
-          </a:fillRef>
-          <a:effectRef idx="0">
-            <a:schemeClr val="accent2"/>
-          </a:effectRef>
-          <a:fontRef idx="minor">
-            <a:schemeClr val="dk1"/>
-          </a:fontRef>
-        </p:style>
-        <p:txBody>
-          <a:bodyPr rtlCol="0" anchor="ctr"/>
-          <a:lstStyle/>
-          <a:p>
-            <a:pPr algn="ctr"/>
-            <a:r>
-              <a:rPr lang="en-US" altLang="zh-TW" sz="2400" dirty="0" smtClean="0"/>
-              <a:t>Unchanging</a:t>
-            </a:r>
-            <a:endParaRPr lang="zh-TW" altLang="en-US" sz="2800" dirty="0"/>
-          </a:p>
-        </p:txBody>
-      </p:sp>
-      <p:pic>
-        <p:nvPicPr>
-          <p:cNvPr id="32" name="內容版面配置區 3"/>
-          <p:cNvPicPr>
-            <a:picLocks noGrp="1" noChangeAspect="1"/>
-          </p:cNvPicPr>
-          <p:nvPr>
-            <p:ph idx="1"/>
-          </p:nvPr>
-        </p:nvPicPr>
-        <p:blipFill rotWithShape="1">
-          <a:blip r:embed="rId2"/>
-          <a:srcRect l="4716" t="26417" r="5272" b="4665"/>
-          <a:stretch/>
-        </p:blipFill>
-        <p:spPr>
-          <a:xfrm>
-            <a:off x="673246" y="4057620"/>
-            <a:ext cx="5765335" cy="1131305"/>
-          </a:xfrm>
-          <a:prstGeom prst="rect">
-            <a:avLst/>
-          </a:prstGeom>
-          <a:ln>
-            <a:solidFill>
-              <a:schemeClr val="tx1"/>
-            </a:solidFill>
-          </a:ln>
-        </p:spPr>
-      </p:pic>
-      <p:sp>
-        <p:nvSpPr>
-          <p:cNvPr id="36" name="文字方塊 35"/>
-          <p:cNvSpPr txBox="1"/>
-          <p:nvPr/>
-        </p:nvSpPr>
-        <p:spPr>
-          <a:xfrm>
-            <a:off x="777725" y="2089324"/>
-            <a:ext cx="5111030" cy="1569660"/>
+            <a:off x="4046740" y="4149405"/>
+            <a:ext cx="1690784" cy="523220"/>
           </a:xfrm>
           <a:prstGeom prst="rect">
             <a:avLst/>
@@ -13173,99 +12304,51 @@
           </a:bodyPr>
           <a:lstStyle/>
           <a:p>
-            <a:pPr marL="285750" indent="-285750">
-              <a:buFont typeface="Arial" panose="020B0604020202020204" pitchFamily="34" charset="0"/>
-              <a:buChar char="•"/>
-            </a:pPr>
-            <a:r>
-              <a:rPr lang="en-US" altLang="zh-TW" sz="2400" dirty="0" smtClean="0"/>
-              <a:t>Check RGB channel to get label(x)</a:t>
-            </a:r>
-          </a:p>
-          <a:p>
-            <a:pPr marL="285750" indent="-285750">
-              <a:buFont typeface="Arial" panose="020B0604020202020204" pitchFamily="34" charset="0"/>
-              <a:buChar char="•"/>
-            </a:pPr>
-            <a:r>
-              <a:rPr lang="en-US" altLang="zh-TW" sz="2400" dirty="0" smtClean="0"/>
-              <a:t>Next we will focus on </a:t>
-            </a:r>
-            <a:r>
-              <a:rPr lang="en-US" altLang="zh-TW" sz="2400" dirty="0" err="1" smtClean="0"/>
-              <a:t>Loopable</a:t>
-            </a:r>
-            <a:r>
-              <a:rPr lang="en-US" altLang="zh-TW" sz="2400" dirty="0" smtClean="0"/>
-              <a:t> pixel. </a:t>
-            </a:r>
-          </a:p>
-          <a:p>
-            <a:pPr marL="285750" indent="-285750">
-              <a:buFont typeface="Arial" panose="020B0604020202020204" pitchFamily="34" charset="0"/>
-              <a:buChar char="•"/>
-            </a:pPr>
-            <a:r>
-              <a:rPr lang="en-US" altLang="zh-TW" sz="2400" dirty="0" smtClean="0"/>
-              <a:t>Leave </a:t>
-            </a:r>
-            <a:r>
-              <a:rPr lang="en-US" altLang="zh-TW" sz="2400" dirty="0" err="1" smtClean="0"/>
-              <a:t>unloopable</a:t>
-            </a:r>
-            <a:r>
-              <a:rPr lang="en-US" altLang="zh-TW" sz="2400" dirty="0" smtClean="0"/>
-              <a:t>, unchanging pixel into static.</a:t>
-            </a:r>
-            <a:endParaRPr lang="zh-TW" altLang="en-US" sz="2400" dirty="0"/>
+            <a:r>
+              <a:rPr lang="en-US" altLang="zh-TW" sz="2800" dirty="0" smtClean="0"/>
+              <a:t>Group 4</a:t>
+            </a:r>
+            <a:endParaRPr lang="zh-TW" altLang="en-US" sz="2800" dirty="0"/>
           </a:p>
         </p:txBody>
       </p:sp>
-      <p:sp>
-        <p:nvSpPr>
-          <p:cNvPr id="39" name="向右箭號 38"/>
-          <p:cNvSpPr/>
+      <p:cxnSp>
+        <p:nvCxnSpPr>
+          <p:cNvPr id="7" name="直線接點 6"/>
+          <p:cNvCxnSpPr/>
           <p:nvPr/>
-        </p:nvSpPr>
+        </p:nvCxnSpPr>
         <p:spPr>
-          <a:xfrm rot="19767334">
-            <a:off x="8258131" y="4457700"/>
-            <a:ext cx="632763" cy="486951"/>
+          <a:xfrm flipV="1">
+            <a:off x="5737524" y="3889420"/>
+            <a:ext cx="0" cy="1043190"/>
           </a:xfrm>
-          <a:prstGeom prst="rightArrow">
+          <a:prstGeom prst="line">
             <a:avLst/>
           </a:prstGeom>
-          <a:solidFill>
-            <a:srgbClr val="FF0000"/>
-          </a:solidFill>
+          <a:ln w="28575">
+            <a:prstDash val="lgDashDot"/>
+          </a:ln>
         </p:spPr>
         <p:style>
           <a:lnRef idx="1">
-            <a:schemeClr val="accent2"/>
+            <a:schemeClr val="dk1"/>
           </a:lnRef>
-          <a:fillRef idx="3">
-            <a:schemeClr val="accent2"/>
+          <a:fillRef idx="0">
+            <a:schemeClr val="dk1"/>
           </a:fillRef>
-          <a:effectRef idx="2">
-            <a:schemeClr val="accent2"/>
+          <a:effectRef idx="0">
+            <a:schemeClr val="dk1"/>
           </a:effectRef>
           <a:fontRef idx="minor">
-            <a:schemeClr val="lt1"/>
+            <a:schemeClr val="tx1"/>
           </a:fontRef>
         </p:style>
-        <p:txBody>
-          <a:bodyPr rtlCol="0" anchor="ctr"/>
-          <a:lstStyle/>
-          <a:p>
-            <a:pPr algn="ctr"/>
-            <a:endParaRPr lang="zh-TW" altLang="en-US"/>
-          </a:p>
-        </p:txBody>
-      </p:sp>
+      </p:cxnSp>
     </p:spTree>
     <p:extLst>
       <p:ext uri="{BB962C8B-B14F-4D97-AF65-F5344CB8AC3E}">
-        <p14:creationId xmlns:p14="http://schemas.microsoft.com/office/powerpoint/2010/main" val="3051153869"/>
+        <p14:creationId xmlns:p14="http://schemas.microsoft.com/office/powerpoint/2010/main" val="390312961"/>
       </p:ext>
     </p:extLst>
   </p:cSld>
@@ -13282,411 +12365,7 @@
 </p:sld>
 </file>
 
-<file path=ppt/slides/slide11.xml><?xml version="1.0" encoding="utf-8"?>
-<p:sld xmlns:a="http://schemas.openxmlformats.org/drawingml/2006/main" xmlns:r="http://schemas.openxmlformats.org/officeDocument/2006/relationships" xmlns:p="http://schemas.openxmlformats.org/presentationml/2006/main">
-  <p:cSld>
-    <p:spTree>
-      <p:nvGrpSpPr>
-        <p:cNvPr id="1" name=""/>
-        <p:cNvGrpSpPr/>
-        <p:nvPr/>
-      </p:nvGrpSpPr>
-      <p:grpSpPr>
-        <a:xfrm>
-          <a:off x="0" y="0"/>
-          <a:ext cx="0" cy="0"/>
-          <a:chOff x="0" y="0"/>
-          <a:chExt cx="0" cy="0"/>
-        </a:xfrm>
-      </p:grpSpPr>
-      <p:sp>
-        <p:nvSpPr>
-          <p:cNvPr id="2" name="標題 1"/>
-          <p:cNvSpPr>
-            <a:spLocks noGrp="1"/>
-          </p:cNvSpPr>
-          <p:nvPr>
-            <p:ph type="title"/>
-          </p:nvPr>
-        </p:nvSpPr>
-        <p:spPr/>
-        <p:txBody>
-          <a:bodyPr/>
-          <a:lstStyle/>
-          <a:p>
-            <a:r>
-              <a:rPr lang="en-US" altLang="zh-TW" dirty="0" smtClean="0"/>
-              <a:t>Classification of </a:t>
-            </a:r>
-            <a:r>
-              <a:rPr lang="en-US" altLang="zh-TW" dirty="0" err="1" smtClean="0"/>
-              <a:t>loopable</a:t>
-            </a:r>
-            <a:r>
-              <a:rPr lang="en-US" altLang="zh-TW" dirty="0" smtClean="0"/>
-              <a:t> pixels: Smooth </a:t>
-            </a:r>
-            <a:endParaRPr lang="zh-TW" altLang="en-US" dirty="0"/>
-          </a:p>
-        </p:txBody>
-      </p:sp>
-      <p:pic>
-        <p:nvPicPr>
-          <p:cNvPr id="5" name="圖片 4"/>
-          <p:cNvPicPr>
-            <a:picLocks noChangeAspect="1"/>
-          </p:cNvPicPr>
-          <p:nvPr/>
-        </p:nvPicPr>
-        <p:blipFill rotWithShape="1">
-          <a:blip r:embed="rId2" cstate="print">
-            <a:extLst>
-              <a:ext uri="{28A0092B-C50C-407E-A947-70E740481C1C}">
-                <a14:useLocalDpi xmlns:a14="http://schemas.microsoft.com/office/drawing/2010/main" val="0"/>
-              </a:ext>
-            </a:extLst>
-          </a:blip>
-          <a:srcRect l="17257" r="15837"/>
-          <a:stretch/>
-        </p:blipFill>
-        <p:spPr>
-          <a:xfrm>
-            <a:off x="6489700" y="2008740"/>
-            <a:ext cx="4711700" cy="3345138"/>
-          </a:xfrm>
-          <a:prstGeom prst="rect">
-            <a:avLst/>
-          </a:prstGeom>
-        </p:spPr>
-      </p:pic>
-      <p:pic>
-        <p:nvPicPr>
-          <p:cNvPr id="4" name="內容版面配置區 3"/>
-          <p:cNvPicPr>
-            <a:picLocks noGrp="1" noChangeAspect="1"/>
-          </p:cNvPicPr>
-          <p:nvPr>
-            <p:ph idx="1"/>
-          </p:nvPr>
-        </p:nvPicPr>
-        <p:blipFill rotWithShape="1">
-          <a:blip r:embed="rId3" cstate="print">
-            <a:extLst>
-              <a:ext uri="{28A0092B-C50C-407E-A947-70E740481C1C}">
-                <a14:useLocalDpi xmlns:a14="http://schemas.microsoft.com/office/drawing/2010/main" val="0"/>
-              </a:ext>
-            </a:extLst>
-          </a:blip>
-          <a:srcRect l="14537" r="16214"/>
-          <a:stretch/>
-        </p:blipFill>
-        <p:spPr>
-          <a:xfrm>
-            <a:off x="533399" y="2008740"/>
-            <a:ext cx="4876801" cy="3345138"/>
-          </a:xfrm>
-        </p:spPr>
-      </p:pic>
-      <p:sp>
-        <p:nvSpPr>
-          <p:cNvPr id="6" name="文字方塊 5"/>
-          <p:cNvSpPr txBox="1"/>
-          <p:nvPr/>
-        </p:nvSpPr>
-        <p:spPr>
-          <a:xfrm>
-            <a:off x="6718852" y="4969566"/>
-            <a:ext cx="4240696" cy="369332"/>
-          </a:xfrm>
-          <a:prstGeom prst="rect">
-            <a:avLst/>
-          </a:prstGeom>
-          <a:noFill/>
-        </p:spPr>
-        <p:txBody>
-          <a:bodyPr wrap="square" rtlCol="0">
-            <a:spAutoFit/>
-          </a:bodyPr>
-          <a:lstStyle/>
-          <a:p>
-            <a:r>
-              <a:rPr lang="en-US" altLang="zh-TW" dirty="0" smtClean="0"/>
-              <a:t>Smoothed by Gaussian filter (</a:t>
-            </a:r>
-            <a:r>
-              <a:rPr lang="el-GR" altLang="zh-TW" dirty="0" smtClean="0"/>
-              <a:t>σ = </a:t>
-            </a:r>
-            <a:r>
-              <a:rPr lang="en-US" altLang="zh-TW" dirty="0" smtClean="0"/>
-              <a:t>2</a:t>
-            </a:r>
-            <a:r>
-              <a:rPr lang="el-GR" altLang="zh-TW" dirty="0" smtClean="0"/>
-              <a:t> </a:t>
-            </a:r>
-            <a:r>
-              <a:rPr lang="en-US" altLang="zh-TW" dirty="0" smtClean="0"/>
-              <a:t>pixels) </a:t>
-            </a:r>
-            <a:endParaRPr lang="zh-TW" altLang="en-US" dirty="0"/>
-          </a:p>
-        </p:txBody>
-      </p:sp>
-      <p:sp>
-        <p:nvSpPr>
-          <p:cNvPr id="7" name="文字方塊 6"/>
-          <p:cNvSpPr txBox="1"/>
-          <p:nvPr/>
-        </p:nvSpPr>
-        <p:spPr>
-          <a:xfrm>
-            <a:off x="1736036" y="4958042"/>
-            <a:ext cx="4240696" cy="369332"/>
-          </a:xfrm>
-          <a:prstGeom prst="rect">
-            <a:avLst/>
-          </a:prstGeom>
-          <a:noFill/>
-        </p:spPr>
-        <p:txBody>
-          <a:bodyPr wrap="square" rtlCol="0">
-            <a:spAutoFit/>
-          </a:bodyPr>
-          <a:lstStyle/>
-          <a:p>
-            <a:r>
-              <a:rPr lang="en-US" altLang="zh-TW" dirty="0" smtClean="0"/>
-              <a:t>Result without smoothing</a:t>
-            </a:r>
-            <a:endParaRPr lang="zh-TW" altLang="en-US" dirty="0"/>
-          </a:p>
-        </p:txBody>
-      </p:sp>
-    </p:spTree>
-    <p:extLst>
-      <p:ext uri="{BB962C8B-B14F-4D97-AF65-F5344CB8AC3E}">
-        <p14:creationId xmlns:p14="http://schemas.microsoft.com/office/powerpoint/2010/main" val="119809995"/>
-      </p:ext>
-    </p:extLst>
-  </p:cSld>
-  <p:clrMapOvr>
-    <a:masterClrMapping/>
-  </p:clrMapOvr>
-  <p:timing>
-    <p:tnLst>
-      <p:par>
-        <p:cTn id="1" dur="indefinite" restart="never" nodeType="tmRoot"/>
-      </p:par>
-    </p:tnLst>
-  </p:timing>
-</p:sld>
-</file>
-
-<file path=ppt/slides/slide12.xml><?xml version="1.0" encoding="utf-8"?>
-<p:sld xmlns:a="http://schemas.openxmlformats.org/drawingml/2006/main" xmlns:r="http://schemas.openxmlformats.org/officeDocument/2006/relationships" xmlns:p="http://schemas.openxmlformats.org/presentationml/2006/main">
-  <p:cSld>
-    <p:spTree>
-      <p:nvGrpSpPr>
-        <p:cNvPr id="1" name=""/>
-        <p:cNvGrpSpPr/>
-        <p:nvPr/>
-      </p:nvGrpSpPr>
-      <p:grpSpPr>
-        <a:xfrm>
-          <a:off x="0" y="0"/>
-          <a:ext cx="0" cy="0"/>
-          <a:chOff x="0" y="0"/>
-          <a:chExt cx="0" cy="0"/>
-        </a:xfrm>
-      </p:grpSpPr>
-      <p:sp>
-        <p:nvSpPr>
-          <p:cNvPr id="2" name="標題 1"/>
-          <p:cNvSpPr>
-            <a:spLocks noGrp="1"/>
-          </p:cNvSpPr>
-          <p:nvPr>
-            <p:ph type="title"/>
-          </p:nvPr>
-        </p:nvSpPr>
-        <p:spPr/>
-        <p:txBody>
-          <a:bodyPr/>
-          <a:lstStyle/>
-          <a:p>
-            <a:r>
-              <a:rPr lang="en-US" altLang="zh-TW" dirty="0" smtClean="0"/>
-              <a:t>Classification of </a:t>
-            </a:r>
-            <a:r>
-              <a:rPr lang="en-US" altLang="zh-TW" dirty="0" err="1" smtClean="0"/>
-              <a:t>loopable</a:t>
-            </a:r>
-            <a:r>
-              <a:rPr lang="en-US" altLang="zh-TW" dirty="0" smtClean="0"/>
-              <a:t> pixels: Smooth </a:t>
-            </a:r>
-            <a:endParaRPr lang="zh-TW" altLang="en-US" dirty="0"/>
-          </a:p>
-        </p:txBody>
-      </p:sp>
-      <p:sp>
-        <p:nvSpPr>
-          <p:cNvPr id="6" name="文字方塊 5"/>
-          <p:cNvSpPr txBox="1"/>
-          <p:nvPr/>
-        </p:nvSpPr>
-        <p:spPr>
-          <a:xfrm>
-            <a:off x="6718852" y="4969566"/>
-            <a:ext cx="4240696" cy="369332"/>
-          </a:xfrm>
-          <a:prstGeom prst="rect">
-            <a:avLst/>
-          </a:prstGeom>
-          <a:noFill/>
-        </p:spPr>
-        <p:txBody>
-          <a:bodyPr wrap="square" rtlCol="0">
-            <a:spAutoFit/>
-          </a:bodyPr>
-          <a:lstStyle/>
-          <a:p>
-            <a:r>
-              <a:rPr lang="en-US" altLang="zh-TW" dirty="0" smtClean="0"/>
-              <a:t>Smoothed by Gaussian filter (</a:t>
-            </a:r>
-            <a:r>
-              <a:rPr lang="el-GR" altLang="zh-TW" dirty="0" smtClean="0"/>
-              <a:t>σ = </a:t>
-            </a:r>
-            <a:r>
-              <a:rPr lang="en-US" altLang="zh-TW" dirty="0" smtClean="0"/>
-              <a:t>2</a:t>
-            </a:r>
-            <a:r>
-              <a:rPr lang="el-GR" altLang="zh-TW" dirty="0" smtClean="0"/>
-              <a:t> </a:t>
-            </a:r>
-            <a:r>
-              <a:rPr lang="en-US" altLang="zh-TW" dirty="0" smtClean="0"/>
-              <a:t>pixels) </a:t>
-            </a:r>
-            <a:endParaRPr lang="zh-TW" altLang="en-US" dirty="0"/>
-          </a:p>
-        </p:txBody>
-      </p:sp>
-      <p:sp>
-        <p:nvSpPr>
-          <p:cNvPr id="7" name="文字方塊 6"/>
-          <p:cNvSpPr txBox="1"/>
-          <p:nvPr/>
-        </p:nvSpPr>
-        <p:spPr>
-          <a:xfrm>
-            <a:off x="1736036" y="4958042"/>
-            <a:ext cx="4240696" cy="369332"/>
-          </a:xfrm>
-          <a:prstGeom prst="rect">
-            <a:avLst/>
-          </a:prstGeom>
-          <a:noFill/>
-        </p:spPr>
-        <p:txBody>
-          <a:bodyPr wrap="square" rtlCol="0">
-            <a:spAutoFit/>
-          </a:bodyPr>
-          <a:lstStyle/>
-          <a:p>
-            <a:r>
-              <a:rPr lang="en-US" altLang="zh-TW" dirty="0" smtClean="0"/>
-              <a:t>Result without smoothing</a:t>
-            </a:r>
-            <a:endParaRPr lang="zh-TW" altLang="en-US" dirty="0"/>
-          </a:p>
-        </p:txBody>
-      </p:sp>
-      <p:pic>
-        <p:nvPicPr>
-          <p:cNvPr id="8" name="內容版面配置區 7"/>
-          <p:cNvPicPr>
-            <a:picLocks noGrp="1" noChangeAspect="1"/>
-          </p:cNvPicPr>
-          <p:nvPr>
-            <p:ph idx="1"/>
-          </p:nvPr>
-        </p:nvPicPr>
-        <p:blipFill>
-          <a:blip r:embed="rId2">
-            <a:extLst>
-              <a:ext uri="{28A0092B-C50C-407E-A947-70E740481C1C}">
-                <a14:useLocalDpi xmlns:a14="http://schemas.microsoft.com/office/drawing/2010/main" val="0"/>
-              </a:ext>
-            </a:extLst>
-          </a:blip>
-          <a:stretch>
-            <a:fillRect/>
-          </a:stretch>
-        </p:blipFill>
-        <p:spPr>
-          <a:xfrm>
-            <a:off x="323563" y="2084832"/>
-            <a:ext cx="5276963" cy="2931646"/>
-          </a:xfrm>
-        </p:spPr>
-      </p:pic>
-      <p:pic>
-        <p:nvPicPr>
-          <p:cNvPr id="9" name="圖片 8"/>
-          <p:cNvPicPr>
-            <a:picLocks noChangeAspect="1"/>
-          </p:cNvPicPr>
-          <p:nvPr/>
-        </p:nvPicPr>
-        <p:blipFill>
-          <a:blip r:embed="rId3">
-            <a:extLst>
-              <a:ext uri="{28A0092B-C50C-407E-A947-70E740481C1C}">
-                <a14:useLocalDpi xmlns:a14="http://schemas.microsoft.com/office/drawing/2010/main" val="0"/>
-              </a:ext>
-            </a:extLst>
-          </a:blip>
-          <a:stretch>
-            <a:fillRect/>
-          </a:stretch>
-        </p:blipFill>
-        <p:spPr>
-          <a:xfrm>
-            <a:off x="6068567" y="2080111"/>
-            <a:ext cx="5318379" cy="2954655"/>
-          </a:xfrm>
-          <a:prstGeom prst="rect">
-            <a:avLst/>
-          </a:prstGeom>
-        </p:spPr>
-      </p:pic>
-    </p:spTree>
-    <p:extLst>
-      <p:ext uri="{BB962C8B-B14F-4D97-AF65-F5344CB8AC3E}">
-        <p14:creationId xmlns:p14="http://schemas.microsoft.com/office/powerpoint/2010/main" val="2089234856"/>
-      </p:ext>
-    </p:extLst>
-  </p:cSld>
-  <p:clrMapOvr>
-    <a:masterClrMapping/>
-  </p:clrMapOvr>
-  <p:timing>
-    <p:tnLst>
-      <p:par>
-        <p:cTn id="1" dur="indefinite" restart="never" nodeType="tmRoot"/>
-      </p:par>
-    </p:tnLst>
-  </p:timing>
-</p:sld>
-</file>
-
-<file path=ppt/slides/slide13.xml><?xml version="1.0" encoding="utf-8"?>
+<file path=ppt/slides/slide10.xml><?xml version="1.0" encoding="utf-8"?>
 <p:sld xmlns:a="http://schemas.openxmlformats.org/drawingml/2006/main" xmlns:r="http://schemas.openxmlformats.org/officeDocument/2006/relationships" xmlns:p="http://schemas.openxmlformats.org/presentationml/2006/main">
   <p:cSld>
     <p:spTree>
@@ -13870,7 +12549,7 @@
 </p:sld>
 </file>
 
-<file path=ppt/slides/slide14.xml><?xml version="1.0" encoding="utf-8"?>
+<file path=ppt/slides/slide11.xml><?xml version="1.0" encoding="utf-8"?>
 <p:sld xmlns:a="http://schemas.openxmlformats.org/drawingml/2006/main" xmlns:r="http://schemas.openxmlformats.org/officeDocument/2006/relationships" xmlns:p="http://schemas.openxmlformats.org/presentationml/2006/main">
   <p:cSld>
     <p:spTree>
@@ -14004,7 +12683,7 @@
 </p:sld>
 </file>
 
-<file path=ppt/slides/slide15.xml><?xml version="1.0" encoding="utf-8"?>
+<file path=ppt/slides/slide12.xml><?xml version="1.0" encoding="utf-8"?>
 <p:sld xmlns:a="http://schemas.openxmlformats.org/drawingml/2006/main" xmlns:r="http://schemas.openxmlformats.org/officeDocument/2006/relationships" xmlns:p="http://schemas.openxmlformats.org/presentationml/2006/main">
   <p:cSld>
     <p:spTree>
@@ -14113,11 +12792,7 @@
           <a:p>
             <a:r>
               <a:rPr lang="en-US" altLang="zh-TW" dirty="0" smtClean="0"/>
-              <a:t>We find the s, p with minimum </a:t>
-            </a:r>
-            <a:r>
-              <a:rPr lang="en-US" altLang="zh-TW" dirty="0" smtClean="0"/>
-              <a:t>error </a:t>
+              <a:t>We find the s, p with minimum error </a:t>
             </a:r>
             <a:r>
               <a:rPr lang="en-US" altLang="zh-TW" dirty="0" smtClean="0">
@@ -14169,11 +12844,7 @@
             </a:r>
             <a:r>
               <a:rPr lang="en-US" altLang="zh-TW" dirty="0" smtClean="0"/>
-              <a:t>- Our </a:t>
-            </a:r>
-            <a:r>
-              <a:rPr lang="en-US" altLang="zh-TW" dirty="0" smtClean="0"/>
-              <a:t>Method 1</a:t>
+              <a:t>- Our Method 1</a:t>
             </a:r>
             <a:endParaRPr lang="zh-TW" altLang="en-US" dirty="0"/>
           </a:p>
@@ -14918,8 +13589,8 @@
           </p:txBody>
         </p:sp>
       </p:grpSp>
-      <mc:AlternateContent xmlns:mc="http://schemas.openxmlformats.org/markup-compatibility/2006">
-        <mc:Choice xmlns:a14="http://schemas.microsoft.com/office/drawing/2010/main" Requires="a14">
+      <mc:AlternateContent xmlns:mc="http://schemas.openxmlformats.org/markup-compatibility/2006" xmlns:a14="http://schemas.microsoft.com/office/drawing/2010/main">
+        <mc:Choice Requires="a14">
           <p:sp>
             <p:nvSpPr>
               <p:cNvPr id="26" name="矩形 25"/>
@@ -15201,7 +13872,7 @@
             </p:txBody>
           </p:sp>
         </mc:Choice>
-        <mc:Fallback>
+        <mc:Fallback xmlns="">
           <p:sp>
             <p:nvSpPr>
               <p:cNvPr id="26" name="矩形 25"/>
@@ -15260,7 +13931,7 @@
 </p:sld>
 </file>
 
-<file path=ppt/slides/slide16.xml><?xml version="1.0" encoding="utf-8"?>
+<file path=ppt/slides/slide13.xml><?xml version="1.0" encoding="utf-8"?>
 <p:sld xmlns:a="http://schemas.openxmlformats.org/drawingml/2006/main" xmlns:r="http://schemas.openxmlformats.org/officeDocument/2006/relationships" xmlns:p="http://schemas.openxmlformats.org/presentationml/2006/main">
   <p:cSld>
     <p:spTree>
@@ -15369,11 +14040,7 @@
           <a:p>
             <a:r>
               <a:rPr lang="en-US" altLang="zh-TW" dirty="0" smtClean="0"/>
-              <a:t>We find the s, p with minimum </a:t>
-            </a:r>
-            <a:r>
-              <a:rPr lang="en-US" altLang="zh-TW" dirty="0" smtClean="0"/>
-              <a:t>error </a:t>
+              <a:t>We find the s, p with minimum error </a:t>
             </a:r>
             <a:r>
               <a:rPr lang="en-US" altLang="zh-TW" dirty="0" smtClean="0">
@@ -15425,11 +14092,7 @@
             </a:r>
             <a:r>
               <a:rPr lang="en-US" altLang="zh-TW" dirty="0" smtClean="0"/>
-              <a:t>- Our </a:t>
-            </a:r>
-            <a:r>
-              <a:rPr lang="en-US" altLang="zh-TW" dirty="0" smtClean="0"/>
-              <a:t>Method 2</a:t>
+              <a:t>- Our Method 2</a:t>
             </a:r>
             <a:endParaRPr lang="zh-TW" altLang="en-US" dirty="0"/>
           </a:p>
@@ -15623,8 +14286,8 @@
           </p:txBody>
         </p:sp>
       </p:grpSp>
-      <mc:AlternateContent xmlns:mc="http://schemas.openxmlformats.org/markup-compatibility/2006">
-        <mc:Choice xmlns:a14="http://schemas.microsoft.com/office/drawing/2010/main" Requires="a14">
+      <mc:AlternateContent xmlns:mc="http://schemas.openxmlformats.org/markup-compatibility/2006" xmlns:a14="http://schemas.microsoft.com/office/drawing/2010/main">
+        <mc:Choice Requires="a14">
           <p:sp>
             <p:nvSpPr>
               <p:cNvPr id="26" name="矩形 25"/>
@@ -15775,7 +14438,7 @@
             </p:txBody>
           </p:sp>
         </mc:Choice>
-        <mc:Fallback>
+        <mc:Fallback xmlns="">
           <p:sp>
             <p:nvSpPr>
               <p:cNvPr id="26" name="矩形 25"/>
@@ -15834,459 +14497,7 @@
 </p:sld>
 </file>
 
-<file path=ppt/slides/slide17.xml><?xml version="1.0" encoding="utf-8"?>
-<p:sld xmlns:a="http://schemas.openxmlformats.org/drawingml/2006/main" xmlns:r="http://schemas.openxmlformats.org/officeDocument/2006/relationships" xmlns:p="http://schemas.openxmlformats.org/presentationml/2006/main" show="0">
-  <p:cSld>
-    <p:spTree>
-      <p:nvGrpSpPr>
-        <p:cNvPr id="1" name=""/>
-        <p:cNvGrpSpPr/>
-        <p:nvPr/>
-      </p:nvGrpSpPr>
-      <p:grpSpPr>
-        <a:xfrm>
-          <a:off x="0" y="0"/>
-          <a:ext cx="0" cy="0"/>
-          <a:chOff x="0" y="0"/>
-          <a:chExt cx="0" cy="0"/>
-        </a:xfrm>
-      </p:grpSpPr>
-      <p:sp>
-        <p:nvSpPr>
-          <p:cNvPr id="2" name="標題 1"/>
-          <p:cNvSpPr>
-            <a:spLocks noGrp="1"/>
-          </p:cNvSpPr>
-          <p:nvPr>
-            <p:ph type="title"/>
-          </p:nvPr>
-        </p:nvSpPr>
-        <p:spPr/>
-        <p:txBody>
-          <a:bodyPr/>
-          <a:lstStyle/>
-          <a:p>
-            <a:r>
-              <a:rPr lang="en-US" altLang="zh-TW" dirty="0" smtClean="0"/>
-              <a:t>Create Video </a:t>
-            </a:r>
-            <a:r>
-              <a:rPr lang="en-US" altLang="zh-TW" dirty="0"/>
-              <a:t>Loop </a:t>
-            </a:r>
-            <a:r>
-              <a:rPr lang="en-US" altLang="zh-TW" dirty="0" smtClean="0"/>
-              <a:t>- Our </a:t>
-            </a:r>
-            <a:r>
-              <a:rPr lang="en-US" altLang="zh-TW" dirty="0" smtClean="0"/>
-              <a:t>Method 1 </a:t>
-            </a:r>
-            <a:endParaRPr lang="zh-TW" altLang="en-US" dirty="0"/>
-          </a:p>
-        </p:txBody>
-      </p:sp>
-      <mc:AlternateContent xmlns:mc="http://schemas.openxmlformats.org/markup-compatibility/2006">
-        <mc:Choice xmlns:a14="http://schemas.microsoft.com/office/drawing/2010/main" Requires="a14">
-          <p:sp>
-            <p:nvSpPr>
-              <p:cNvPr id="3" name="內容版面配置區 2"/>
-              <p:cNvSpPr>
-                <a:spLocks noGrp="1"/>
-              </p:cNvSpPr>
-              <p:nvPr>
-                <p:ph idx="1"/>
-              </p:nvPr>
-            </p:nvSpPr>
-            <p:spPr/>
-            <p:txBody>
-              <a:bodyPr/>
-              <a:lstStyle/>
-              <a:p>
-                <a:r>
-                  <a:rPr lang="en-US" altLang="zh-TW" dirty="0" smtClean="0"/>
-                  <a:t>without multi label graph cut</a:t>
-                </a:r>
-              </a:p>
-              <a:p>
-                <a:r>
-                  <a:rPr lang="en-US" altLang="zh-TW" dirty="0" smtClean="0"/>
-                  <a:t>We use candidates {p} of </a:t>
-                </a:r>
-                <a:r>
-                  <a:rPr lang="en-US" altLang="zh-TW" dirty="0" smtClean="0"/>
-                  <a:t>p=10,…,</a:t>
-                </a:r>
-                <a:r>
-                  <a:rPr lang="en-US" altLang="zh-TW" dirty="0" smtClean="0"/>
-                  <a:t>30, s = 2,3,…,37-p</a:t>
-                </a:r>
-              </a:p>
-              <a:p>
-                <a:r>
-                  <a:rPr lang="en-US" altLang="zh-TW" dirty="0" smtClean="0"/>
-                  <a:t>For each input video frame we calculate the absolute error over the </a:t>
-                </a:r>
-                <a:r>
-                  <a:rPr lang="en-US" altLang="zh-TW" dirty="0" err="1" smtClean="0"/>
-                  <a:t>loopable</a:t>
-                </a:r>
-                <a:r>
-                  <a:rPr lang="en-US" altLang="zh-TW" dirty="0" smtClean="0"/>
-                  <a:t> pixels with all possible p, s</a:t>
-                </a:r>
-              </a:p>
-              <a:p>
-                <a:pPr marL="0" indent="0">
-                  <a:buNone/>
-                </a:pPr>
-                <a14:m>
-                  <m:oMathPara xmlns:m="http://schemas.openxmlformats.org/officeDocument/2006/math">
-                    <m:oMathParaPr>
-                      <m:jc m:val="centerGroup"/>
-                    </m:oMathParaPr>
-                    <m:oMath xmlns:m="http://schemas.openxmlformats.org/officeDocument/2006/math">
-                      <m:r>
-                        <a:rPr lang="en-US" altLang="zh-TW" b="0" i="1" smtClean="0">
-                          <a:latin typeface="Cambria Math" panose="02040503050406030204" pitchFamily="18" charset="0"/>
-                        </a:rPr>
-                        <m:t>𝐸𝑟𝑟𝑜𝑟</m:t>
-                      </m:r>
-                      <m:r>
-                        <a:rPr lang="en-US" altLang="zh-TW" b="0" i="1" smtClean="0">
-                          <a:latin typeface="Cambria Math" panose="02040503050406030204" pitchFamily="18" charset="0"/>
-                        </a:rPr>
-                        <m:t>= </m:t>
-                      </m:r>
-                      <m:d>
-                        <m:dPr>
-                          <m:begChr m:val="|"/>
-                          <m:endChr m:val="|"/>
-                          <m:ctrlPr>
-                            <a:rPr lang="en-US" altLang="zh-TW" b="0" i="1" smtClean="0">
-                              <a:latin typeface="Cambria Math" panose="02040503050406030204" pitchFamily="18" charset="0"/>
-                            </a:rPr>
-                          </m:ctrlPr>
-                        </m:dPr>
-                        <m:e>
-                          <m:r>
-                            <a:rPr lang="en-US" altLang="zh-TW" b="0" i="1" smtClean="0">
-                              <a:latin typeface="Cambria Math" panose="02040503050406030204" pitchFamily="18" charset="0"/>
-                            </a:rPr>
-                            <m:t>𝑉</m:t>
-                          </m:r>
-                          <m:d>
-                            <m:dPr>
-                              <m:ctrlPr>
-                                <a:rPr lang="en-US" altLang="zh-TW" b="0" i="1" smtClean="0">
-                                  <a:latin typeface="Cambria Math" panose="02040503050406030204" pitchFamily="18" charset="0"/>
-                                </a:rPr>
-                              </m:ctrlPr>
-                            </m:dPr>
-                            <m:e>
-                              <m:r>
-                                <a:rPr lang="en-US" altLang="zh-TW" b="0" i="1" smtClean="0">
-                                  <a:latin typeface="Cambria Math" panose="02040503050406030204" pitchFamily="18" charset="0"/>
-                                </a:rPr>
-                                <m:t>𝑥</m:t>
-                              </m:r>
-                              <m:r>
-                                <a:rPr lang="en-US" altLang="zh-TW" b="0" i="1" smtClean="0">
-                                  <a:latin typeface="Cambria Math" panose="02040503050406030204" pitchFamily="18" charset="0"/>
-                                </a:rPr>
-                                <m:t>,</m:t>
-                              </m:r>
-                              <m:r>
-                                <a:rPr lang="en-US" altLang="zh-TW" b="0" i="1" smtClean="0">
-                                  <a:latin typeface="Cambria Math" panose="02040503050406030204" pitchFamily="18" charset="0"/>
-                                </a:rPr>
-                                <m:t>𝑠</m:t>
-                              </m:r>
-                            </m:e>
-                          </m:d>
-                          <m:r>
-                            <a:rPr lang="en-US" altLang="zh-TW" b="0" i="1" smtClean="0">
-                              <a:latin typeface="Cambria Math" panose="02040503050406030204" pitchFamily="18" charset="0"/>
-                            </a:rPr>
-                            <m:t>−</m:t>
-                          </m:r>
-                          <m:r>
-                            <a:rPr lang="en-US" altLang="zh-TW" b="0" i="1" smtClean="0">
-                              <a:latin typeface="Cambria Math" panose="02040503050406030204" pitchFamily="18" charset="0"/>
-                            </a:rPr>
-                            <m:t>𝑉</m:t>
-                          </m:r>
-                          <m:r>
-                            <a:rPr lang="en-US" altLang="zh-TW" b="0" i="1" smtClean="0">
-                              <a:latin typeface="Cambria Math" panose="02040503050406030204" pitchFamily="18" charset="0"/>
-                            </a:rPr>
-                            <m:t>(</m:t>
-                          </m:r>
-                          <m:r>
-                            <a:rPr lang="en-US" altLang="zh-TW" b="0" i="1" smtClean="0">
-                              <a:latin typeface="Cambria Math" panose="02040503050406030204" pitchFamily="18" charset="0"/>
-                            </a:rPr>
-                            <m:t>𝑥</m:t>
-                          </m:r>
-                          <m:r>
-                            <a:rPr lang="en-US" altLang="zh-TW" b="0" i="1" smtClean="0">
-                              <a:latin typeface="Cambria Math" panose="02040503050406030204" pitchFamily="18" charset="0"/>
-                            </a:rPr>
-                            <m:t>,</m:t>
-                          </m:r>
-                          <m:r>
-                            <a:rPr lang="en-US" altLang="zh-TW" b="0" i="1" smtClean="0">
-                              <a:latin typeface="Cambria Math" panose="02040503050406030204" pitchFamily="18" charset="0"/>
-                            </a:rPr>
-                            <m:t>𝑠</m:t>
-                          </m:r>
-                          <m:r>
-                            <a:rPr lang="en-US" altLang="zh-TW" b="0" i="1" smtClean="0">
-                              <a:latin typeface="Cambria Math" panose="02040503050406030204" pitchFamily="18" charset="0"/>
-                            </a:rPr>
-                            <m:t>+</m:t>
-                          </m:r>
-                          <m:r>
-                            <a:rPr lang="en-US" altLang="zh-TW" b="0" i="1" smtClean="0">
-                              <a:latin typeface="Cambria Math" panose="02040503050406030204" pitchFamily="18" charset="0"/>
-                            </a:rPr>
-                            <m:t>𝑝</m:t>
-                          </m:r>
-                          <m:r>
-                            <a:rPr lang="en-US" altLang="zh-TW" b="0" i="1" smtClean="0">
-                              <a:latin typeface="Cambria Math" panose="02040503050406030204" pitchFamily="18" charset="0"/>
-                            </a:rPr>
-                            <m:t>)</m:t>
-                          </m:r>
-                        </m:e>
-                      </m:d>
-                      <m:r>
-                        <a:rPr lang="en-US" altLang="zh-TW" b="0" i="1" smtClean="0">
-                          <a:latin typeface="Cambria Math" panose="02040503050406030204" pitchFamily="18" charset="0"/>
-                        </a:rPr>
-                        <m:t>+</m:t>
-                      </m:r>
-                      <m:d>
-                        <m:dPr>
-                          <m:begChr m:val="|"/>
-                          <m:endChr m:val="|"/>
-                          <m:ctrlPr>
-                            <a:rPr lang="en-US" altLang="zh-TW" b="0" i="1" smtClean="0">
-                              <a:latin typeface="Cambria Math" panose="02040503050406030204" pitchFamily="18" charset="0"/>
-                            </a:rPr>
-                          </m:ctrlPr>
-                        </m:dPr>
-                        <m:e>
-                          <m:r>
-                            <a:rPr lang="en-US" altLang="zh-TW" b="0" i="1" smtClean="0">
-                              <a:latin typeface="Cambria Math" panose="02040503050406030204" pitchFamily="18" charset="0"/>
-                            </a:rPr>
-                            <m:t>𝑉</m:t>
-                          </m:r>
-                          <m:d>
-                            <m:dPr>
-                              <m:ctrlPr>
-                                <a:rPr lang="en-US" altLang="zh-TW" b="0" i="1" smtClean="0">
-                                  <a:latin typeface="Cambria Math" panose="02040503050406030204" pitchFamily="18" charset="0"/>
-                                </a:rPr>
-                              </m:ctrlPr>
-                            </m:dPr>
-                            <m:e>
-                              <m:r>
-                                <a:rPr lang="en-US" altLang="zh-TW" b="0" i="1" smtClean="0">
-                                  <a:latin typeface="Cambria Math" panose="02040503050406030204" pitchFamily="18" charset="0"/>
-                                </a:rPr>
-                                <m:t>𝑥</m:t>
-                              </m:r>
-                              <m:r>
-                                <a:rPr lang="en-US" altLang="zh-TW" b="0" i="1" smtClean="0">
-                                  <a:latin typeface="Cambria Math" panose="02040503050406030204" pitchFamily="18" charset="0"/>
-                                </a:rPr>
-                                <m:t>,</m:t>
-                              </m:r>
-                              <m:r>
-                                <a:rPr lang="en-US" altLang="zh-TW" b="0" i="1" smtClean="0">
-                                  <a:latin typeface="Cambria Math" panose="02040503050406030204" pitchFamily="18" charset="0"/>
-                                </a:rPr>
-                                <m:t>𝑠</m:t>
-                              </m:r>
-                              <m:r>
-                                <a:rPr lang="en-US" altLang="zh-TW" b="0" i="1" smtClean="0">
-                                  <a:latin typeface="Cambria Math" panose="02040503050406030204" pitchFamily="18" charset="0"/>
-                                </a:rPr>
-                                <m:t>−1</m:t>
-                              </m:r>
-                            </m:e>
-                          </m:d>
-                          <m:r>
-                            <a:rPr lang="en-US" altLang="zh-TW" b="0" i="1" smtClean="0">
-                              <a:latin typeface="Cambria Math" panose="02040503050406030204" pitchFamily="18" charset="0"/>
-                            </a:rPr>
-                            <m:t>−</m:t>
-                          </m:r>
-                          <m:r>
-                            <a:rPr lang="en-US" altLang="zh-TW" b="0" i="1" smtClean="0">
-                              <a:latin typeface="Cambria Math" panose="02040503050406030204" pitchFamily="18" charset="0"/>
-                            </a:rPr>
-                            <m:t>𝑉</m:t>
-                          </m:r>
-                          <m:r>
-                            <a:rPr lang="en-US" altLang="zh-TW" b="0" i="1" smtClean="0">
-                              <a:latin typeface="Cambria Math" panose="02040503050406030204" pitchFamily="18" charset="0"/>
-                            </a:rPr>
-                            <m:t>(</m:t>
-                          </m:r>
-                          <m:r>
-                            <a:rPr lang="en-US" altLang="zh-TW" b="0" i="1" smtClean="0">
-                              <a:latin typeface="Cambria Math" panose="02040503050406030204" pitchFamily="18" charset="0"/>
-                            </a:rPr>
-                            <m:t>𝑥</m:t>
-                          </m:r>
-                          <m:r>
-                            <a:rPr lang="en-US" altLang="zh-TW" b="0" i="1" smtClean="0">
-                              <a:latin typeface="Cambria Math" panose="02040503050406030204" pitchFamily="18" charset="0"/>
-                            </a:rPr>
-                            <m:t>,</m:t>
-                          </m:r>
-                          <m:d>
-                            <m:dPr>
-                              <m:ctrlPr>
-                                <a:rPr lang="en-US" altLang="zh-TW" b="0" i="1" smtClean="0">
-                                  <a:latin typeface="Cambria Math" panose="02040503050406030204" pitchFamily="18" charset="0"/>
-                                </a:rPr>
-                              </m:ctrlPr>
-                            </m:dPr>
-                            <m:e>
-                              <m:r>
-                                <a:rPr lang="en-US" altLang="zh-TW" b="0" i="1" smtClean="0">
-                                  <a:latin typeface="Cambria Math" panose="02040503050406030204" pitchFamily="18" charset="0"/>
-                                </a:rPr>
-                                <m:t>𝑠</m:t>
-                              </m:r>
-                              <m:r>
-                                <a:rPr lang="en-US" altLang="zh-TW" b="0" i="1" smtClean="0">
-                                  <a:latin typeface="Cambria Math" panose="02040503050406030204" pitchFamily="18" charset="0"/>
-                                </a:rPr>
-                                <m:t>−1</m:t>
-                              </m:r>
-                            </m:e>
-                          </m:d>
-                          <m:r>
-                            <a:rPr lang="en-US" altLang="zh-TW" b="0" i="1" smtClean="0">
-                              <a:latin typeface="Cambria Math" panose="02040503050406030204" pitchFamily="18" charset="0"/>
-                            </a:rPr>
-                            <m:t>+</m:t>
-                          </m:r>
-                          <m:r>
-                            <a:rPr lang="en-US" altLang="zh-TW" b="0" i="1" smtClean="0">
-                              <a:latin typeface="Cambria Math" panose="02040503050406030204" pitchFamily="18" charset="0"/>
-                            </a:rPr>
-                            <m:t>𝑝</m:t>
-                          </m:r>
-                          <m:r>
-                            <a:rPr lang="en-US" altLang="zh-TW" b="0" i="1" smtClean="0">
-                              <a:latin typeface="Cambria Math" panose="02040503050406030204" pitchFamily="18" charset="0"/>
-                            </a:rPr>
-                            <m:t>)</m:t>
-                          </m:r>
-                        </m:e>
-                      </m:d>
-                    </m:oMath>
-                  </m:oMathPara>
-                </a14:m>
-                <a:endParaRPr lang="en-US" altLang="zh-TW" dirty="0" smtClean="0"/>
-              </a:p>
-              <a:p>
-                <a:pPr marL="0" indent="0">
-                  <a:buNone/>
-                </a:pPr>
-                <a:endParaRPr lang="en-US" altLang="zh-TW" dirty="0" smtClean="0"/>
-              </a:p>
-              <a:p>
-                <a:pPr marL="0" indent="0">
-                  <a:buNone/>
-                </a:pPr>
-                <a:r>
-                  <a:rPr lang="en-US" altLang="zh-TW" dirty="0" smtClean="0"/>
-                  <a:t>We find the s, p with minimum error</a:t>
-                </a:r>
-                <a:endParaRPr lang="en-US" altLang="zh-TW" dirty="0"/>
-              </a:p>
-              <a:p>
-                <a:pPr marL="0" indent="0">
-                  <a:buNone/>
-                </a:pPr>
-                <a:endParaRPr lang="en-US" altLang="zh-TW" dirty="0" smtClean="0"/>
-              </a:p>
-              <a:p>
-                <a:endParaRPr lang="en-US" altLang="zh-TW" dirty="0" smtClean="0"/>
-              </a:p>
-            </p:txBody>
-          </p:sp>
-        </mc:Choice>
-        <mc:Fallback>
-          <p:sp>
-            <p:nvSpPr>
-              <p:cNvPr id="3" name="內容版面配置區 2"/>
-              <p:cNvSpPr>
-                <a:spLocks noGrp="1" noRot="1" noChangeAspect="1" noMove="1" noResize="1" noEditPoints="1" noAdjustHandles="1" noChangeArrowheads="1" noChangeShapeType="1" noTextEdit="1"/>
-              </p:cNvSpPr>
-              <p:nvPr>
-                <p:ph idx="1"/>
-              </p:nvPr>
-            </p:nvSpPr>
-            <p:spPr>
-              <a:blipFill rotWithShape="0">
-                <a:blip r:embed="rId2"/>
-                <a:stretch>
-                  <a:fillRect l="-1217" t="-2241"/>
-                </a:stretch>
-              </a:blipFill>
-            </p:spPr>
-            <p:txBody>
-              <a:bodyPr/>
-              <a:lstStyle/>
-              <a:p>
-                <a:r>
-                  <a:rPr lang="zh-TW" altLang="en-US">
-                    <a:noFill/>
-                  </a:rPr>
-                  <a:t> </a:t>
-                </a:r>
-              </a:p>
-            </p:txBody>
-          </p:sp>
-        </mc:Fallback>
-      </mc:AlternateContent>
-    </p:spTree>
-    <p:extLst>
-      <p:ext uri="{BB962C8B-B14F-4D97-AF65-F5344CB8AC3E}">
-        <p14:creationId xmlns:p14="http://schemas.microsoft.com/office/powerpoint/2010/main" val="3733452570"/>
-      </p:ext>
-    </p:extLst>
-  </p:cSld>
-  <p:clrMapOvr>
-    <a:masterClrMapping/>
-  </p:clrMapOvr>
-  <mc:AlternateContent xmlns:mc="http://schemas.openxmlformats.org/markup-compatibility/2006" xmlns:p14="http://schemas.microsoft.com/office/powerpoint/2010/main">
-    <mc:Choice Requires="p14">
-      <p:transition spd="slow" p14:dur="2000"/>
-    </mc:Choice>
-    <mc:Fallback xmlns="">
-      <p:transition spd="slow"/>
-    </mc:Fallback>
-  </mc:AlternateContent>
-  <p:timing>
-    <p:tnLst>
-      <p:par>
-        <p:cTn id="1" dur="indefinite" restart="never" nodeType="tmRoot"/>
-      </p:par>
-    </p:tnLst>
-  </p:timing>
-</p:sld>
-</file>
-
-<file path=ppt/slides/slide18.xml><?xml version="1.0" encoding="utf-8"?>
+<file path=ppt/slides/slide14.xml><?xml version="1.0" encoding="utf-8"?>
 <p:sld xmlns:a="http://schemas.openxmlformats.org/drawingml/2006/main" xmlns:r="http://schemas.openxmlformats.org/officeDocument/2006/relationships" xmlns:p="http://schemas.openxmlformats.org/presentationml/2006/main">
   <p:cSld>
     <p:spTree>
@@ -16320,7 +14531,7 @@
           <a:p>
             <a:r>
               <a:rPr lang="en-US" altLang="zh-TW" dirty="0" smtClean="0"/>
-              <a:t>Demo</a:t>
+              <a:t>S, P Labeling Result</a:t>
             </a:r>
             <a:endParaRPr lang="zh-TW" altLang="en-US" dirty="0"/>
           </a:p>
@@ -16343,25 +14554,76 @@
           <a:p>
             <a:r>
               <a:rPr lang="en-US" altLang="zh-TW" dirty="0" smtClean="0"/>
-              <a:t>palmtrees_loop1.mp4</a:t>
-            </a:r>
-          </a:p>
-          <a:p>
-            <a:r>
-              <a:rPr lang="en-US" altLang="zh-TW" dirty="0" smtClean="0"/>
-              <a:t>palmtrees_loop2.mp4</a:t>
-            </a:r>
-            <a:endParaRPr lang="en-US" altLang="zh-TW" dirty="0"/>
-          </a:p>
-          <a:p>
+              <a:t>Our method 2 try to label each pixel with the s, p that has minimum error</a:t>
+            </a:r>
             <a:endParaRPr lang="zh-TW" altLang="en-US" dirty="0"/>
           </a:p>
         </p:txBody>
       </p:sp>
+      <p:pic>
+        <p:nvPicPr>
+          <p:cNvPr id="4" name="圖片 3"/>
+          <p:cNvPicPr>
+            <a:picLocks noChangeAspect="1"/>
+          </p:cNvPicPr>
+          <p:nvPr/>
+        </p:nvPicPr>
+        <p:blipFill>
+          <a:blip r:embed="rId2">
+            <a:extLst>
+              <a:ext uri="{28A0092B-C50C-407E-A947-70E740481C1C}">
+                <a14:useLocalDpi xmlns:a14="http://schemas.microsoft.com/office/drawing/2010/main" val="0"/>
+              </a:ext>
+            </a:extLst>
+          </a:blip>
+          <a:stretch>
+            <a:fillRect/>
+          </a:stretch>
+        </p:blipFill>
+        <p:spPr>
+          <a:xfrm>
+            <a:off x="347853" y="2897492"/>
+            <a:ext cx="5650611" cy="3159160"/>
+          </a:xfrm>
+          <a:prstGeom prst="rect">
+            <a:avLst/>
+          </a:prstGeom>
+        </p:spPr>
+      </p:pic>
+      <p:pic>
+        <p:nvPicPr>
+          <p:cNvPr id="5" name="圖片 4"/>
+          <p:cNvPicPr>
+            <a:picLocks noChangeAspect="1"/>
+          </p:cNvPicPr>
+          <p:nvPr/>
+        </p:nvPicPr>
+        <p:blipFill>
+          <a:blip r:embed="rId3" cstate="print">
+            <a:extLst>
+              <a:ext uri="{28A0092B-C50C-407E-A947-70E740481C1C}">
+                <a14:useLocalDpi xmlns:a14="http://schemas.microsoft.com/office/drawing/2010/main" val="0"/>
+              </a:ext>
+            </a:extLst>
+          </a:blip>
+          <a:stretch>
+            <a:fillRect/>
+          </a:stretch>
+        </p:blipFill>
+        <p:spPr>
+          <a:xfrm>
+            <a:off x="5998464" y="2906636"/>
+            <a:ext cx="5449824" cy="3036009"/>
+          </a:xfrm>
+          <a:prstGeom prst="rect">
+            <a:avLst/>
+          </a:prstGeom>
+        </p:spPr>
+      </p:pic>
     </p:spTree>
     <p:extLst>
       <p:ext uri="{BB962C8B-B14F-4D97-AF65-F5344CB8AC3E}">
-        <p14:creationId xmlns:p14="http://schemas.microsoft.com/office/powerpoint/2010/main" val="1852806697"/>
+        <p14:creationId xmlns:p14="http://schemas.microsoft.com/office/powerpoint/2010/main" val="351305636"/>
       </p:ext>
     </p:extLst>
   </p:cSld>
@@ -16378,7 +14640,7 @@
 </p:sld>
 </file>
 
-<file path=ppt/slides/slide19.xml><?xml version="1.0" encoding="utf-8"?>
+<file path=ppt/slides/slide15.xml><?xml version="1.0" encoding="utf-8"?>
 <p:sld xmlns:a="http://schemas.openxmlformats.org/drawingml/2006/main" xmlns:r="http://schemas.openxmlformats.org/officeDocument/2006/relationships" xmlns:p="http://schemas.openxmlformats.org/presentationml/2006/main">
   <p:cSld>
     <p:spTree>
@@ -16412,7 +14674,7 @@
           <a:p>
             <a:r>
               <a:rPr lang="en-US" altLang="zh-TW" dirty="0" smtClean="0"/>
-              <a:t>Discussion</a:t>
+              <a:t>Demo</a:t>
             </a:r>
             <a:endParaRPr lang="zh-TW" altLang="en-US" dirty="0"/>
           </a:p>
@@ -16430,177 +14692,22 @@
         </p:nvSpPr>
         <p:spPr/>
         <p:txBody>
-          <a:bodyPr>
-            <a:normAutofit fontScale="92500" lnSpcReduction="20000"/>
-          </a:bodyPr>
+          <a:bodyPr/>
           <a:lstStyle/>
           <a:p>
             <a:r>
-              <a:rPr lang="en-US" altLang="zh-TW" dirty="0"/>
-              <a:t>M</a:t>
-            </a:r>
-            <a:r>
               <a:rPr lang="en-US" altLang="zh-TW" dirty="0" smtClean="0"/>
-              <a:t>ethod 1</a:t>
-            </a:r>
-          </a:p>
-          <a:p>
-            <a:pPr marL="0" indent="0">
-              <a:buNone/>
-            </a:pPr>
+              <a:t>palmtrees_loop1.mp4</a:t>
+            </a:r>
+          </a:p>
+          <a:p>
             <a:r>
               <a:rPr lang="en-US" altLang="zh-TW" dirty="0" smtClean="0"/>
-              <a:t>   - </a:t>
-            </a:r>
-            <a:r>
-              <a:rPr lang="en-US" altLang="zh-TW" dirty="0" smtClean="0"/>
-              <a:t>assign </a:t>
-            </a:r>
-            <a:r>
-              <a:rPr lang="en-US" altLang="zh-TW" dirty="0" smtClean="0"/>
-              <a:t>all </a:t>
-            </a:r>
-            <a:r>
-              <a:rPr lang="en-US" altLang="zh-TW" dirty="0" err="1" smtClean="0"/>
-              <a:t>loopable</a:t>
-            </a:r>
-            <a:r>
-              <a:rPr lang="en-US" altLang="zh-TW" dirty="0" smtClean="0"/>
-              <a:t> pixels with same s and </a:t>
-            </a:r>
-            <a:r>
-              <a:rPr lang="en-US" altLang="zh-TW" dirty="0" smtClean="0"/>
-              <a:t>p</a:t>
-            </a:r>
-          </a:p>
-          <a:p>
-            <a:pPr marL="0" indent="0">
-              <a:buNone/>
-            </a:pPr>
-            <a:r>
-              <a:rPr lang="en-US" altLang="zh-TW" dirty="0"/>
-              <a:t> </a:t>
-            </a:r>
-            <a:r>
-              <a:rPr lang="en-US" altLang="zh-TW" dirty="0" smtClean="0"/>
-              <a:t>  - the </a:t>
-            </a:r>
-            <a:r>
-              <a:rPr lang="en-US" altLang="zh-TW" dirty="0" err="1" smtClean="0"/>
-              <a:t>temperal</a:t>
-            </a:r>
-            <a:r>
-              <a:rPr lang="en-US" altLang="zh-TW" dirty="0" smtClean="0"/>
-              <a:t> consistency is good, but the spatial consistency is bad</a:t>
-            </a:r>
-          </a:p>
-          <a:p>
-            <a:pPr marL="0" indent="0">
-              <a:buNone/>
-            </a:pPr>
-            <a:r>
-              <a:rPr lang="en-US" altLang="zh-TW" dirty="0"/>
-              <a:t> </a:t>
-            </a:r>
-            <a:r>
-              <a:rPr lang="en-US" altLang="zh-TW" dirty="0" smtClean="0"/>
-              <a:t>  - we can see the discontinuity between each loop period</a:t>
-            </a:r>
-          </a:p>
-          <a:p>
-            <a:r>
-              <a:rPr lang="en-US" altLang="zh-TW" dirty="0"/>
-              <a:t>Method </a:t>
-            </a:r>
-            <a:r>
-              <a:rPr lang="en-US" altLang="zh-TW" dirty="0" smtClean="0"/>
-              <a:t>2</a:t>
+              <a:t>palmtrees_loop2.mp4</a:t>
             </a:r>
             <a:endParaRPr lang="en-US" altLang="zh-TW" dirty="0"/>
           </a:p>
           <a:p>
-            <a:pPr marL="0" indent="0">
-              <a:buNone/>
-            </a:pPr>
-            <a:r>
-              <a:rPr lang="en-US" altLang="zh-TW" dirty="0"/>
-              <a:t>   - assign all </a:t>
-            </a:r>
-            <a:r>
-              <a:rPr lang="en-US" altLang="zh-TW" dirty="0" err="1"/>
-              <a:t>loopable</a:t>
-            </a:r>
-            <a:r>
-              <a:rPr lang="en-US" altLang="zh-TW" dirty="0"/>
-              <a:t> pixels with </a:t>
-            </a:r>
-            <a:r>
-              <a:rPr lang="en-US" altLang="zh-TW" dirty="0" smtClean="0"/>
-              <a:t>different </a:t>
-            </a:r>
-            <a:r>
-              <a:rPr lang="en-US" altLang="zh-TW" dirty="0"/>
-              <a:t>s and p</a:t>
-            </a:r>
-          </a:p>
-          <a:p>
-            <a:pPr marL="0" indent="0">
-              <a:buNone/>
-            </a:pPr>
-            <a:r>
-              <a:rPr lang="en-US" altLang="zh-TW" dirty="0"/>
-              <a:t>   - the </a:t>
-            </a:r>
-            <a:r>
-              <a:rPr lang="en-US" altLang="zh-TW" dirty="0" err="1"/>
-              <a:t>temperal</a:t>
-            </a:r>
-            <a:r>
-              <a:rPr lang="en-US" altLang="zh-TW" dirty="0"/>
-              <a:t> consistency </a:t>
-            </a:r>
-            <a:r>
-              <a:rPr lang="en-US" altLang="zh-TW" dirty="0" smtClean="0"/>
-              <a:t>bad, </a:t>
-            </a:r>
-            <a:r>
-              <a:rPr lang="en-US" altLang="zh-TW" dirty="0"/>
-              <a:t>but the spatial consistency is </a:t>
-            </a:r>
-            <a:r>
-              <a:rPr lang="en-US" altLang="zh-TW" dirty="0" smtClean="0"/>
-              <a:t>better</a:t>
-            </a:r>
-            <a:endParaRPr lang="en-US" altLang="zh-TW" dirty="0"/>
-          </a:p>
-          <a:p>
-            <a:pPr marL="0" indent="0">
-              <a:buNone/>
-            </a:pPr>
-            <a:r>
-              <a:rPr lang="en-US" altLang="zh-TW" dirty="0"/>
-              <a:t>   - we can see the discontinuity between </a:t>
-            </a:r>
-            <a:r>
-              <a:rPr lang="en-US" altLang="zh-TW" dirty="0" smtClean="0"/>
-              <a:t>start frame and end frame</a:t>
-            </a:r>
-          </a:p>
-          <a:p>
-            <a:pPr marL="0" indent="0">
-              <a:buNone/>
-            </a:pPr>
-            <a:endParaRPr lang="en-US" altLang="zh-TW" dirty="0"/>
-          </a:p>
-          <a:p>
-            <a:r>
-              <a:rPr lang="en-US" altLang="zh-TW" dirty="0" smtClean="0"/>
-              <a:t>Graph </a:t>
-            </a:r>
-            <a:r>
-              <a:rPr lang="en-US" altLang="zh-TW" dirty="0" smtClean="0"/>
-              <a:t>cut approach will produce better results</a:t>
-            </a:r>
             <a:endParaRPr lang="zh-TW" altLang="en-US" dirty="0"/>
           </a:p>
         </p:txBody>
@@ -16608,7 +14715,7 @@
     </p:spTree>
     <p:extLst>
       <p:ext uri="{BB962C8B-B14F-4D97-AF65-F5344CB8AC3E}">
-        <p14:creationId xmlns:p14="http://schemas.microsoft.com/office/powerpoint/2010/main" val="905998067"/>
+        <p14:creationId xmlns:p14="http://schemas.microsoft.com/office/powerpoint/2010/main" val="1852806697"/>
       </p:ext>
     </p:extLst>
   </p:cSld>
@@ -16625,250 +14732,7 @@
 </p:sld>
 </file>
 
-<file path=ppt/slides/slide2.xml><?xml version="1.0" encoding="utf-8"?>
-<p:sld xmlns:a="http://schemas.openxmlformats.org/drawingml/2006/main" xmlns:r="http://schemas.openxmlformats.org/officeDocument/2006/relationships" xmlns:p="http://schemas.openxmlformats.org/presentationml/2006/main">
-  <p:cSld>
-    <p:spTree>
-      <p:nvGrpSpPr>
-        <p:cNvPr id="1" name=""/>
-        <p:cNvGrpSpPr/>
-        <p:nvPr/>
-      </p:nvGrpSpPr>
-      <p:grpSpPr>
-        <a:xfrm>
-          <a:off x="0" y="0"/>
-          <a:ext cx="0" cy="0"/>
-          <a:chOff x="0" y="0"/>
-          <a:chExt cx="0" cy="0"/>
-        </a:xfrm>
-      </p:grpSpPr>
-      <p:sp>
-        <p:nvSpPr>
-          <p:cNvPr id="2" name="標題 1"/>
-          <p:cNvSpPr>
-            <a:spLocks noGrp="1"/>
-          </p:cNvSpPr>
-          <p:nvPr>
-            <p:ph type="ctrTitle"/>
-          </p:nvPr>
-        </p:nvSpPr>
-        <p:spPr>
-          <a:xfrm>
-            <a:off x="685800" y="1083726"/>
-            <a:ext cx="10744200" cy="2387600"/>
-          </a:xfrm>
-        </p:spPr>
-        <p:txBody>
-          <a:bodyPr>
-            <a:normAutofit/>
-          </a:bodyPr>
-          <a:lstStyle/>
-          <a:p>
-            <a:r>
-              <a:rPr lang="en-US" altLang="zh-TW" sz="5400" dirty="0" smtClean="0">
-                <a:latin typeface="+mn-lt"/>
-                <a:cs typeface="Times New Roman" panose="02020603050405020304" pitchFamily="18" charset="0"/>
-              </a:rPr>
-              <a:t>Computation of </a:t>
-            </a:r>
-            <a:br>
-              <a:rPr lang="en-US" altLang="zh-TW" sz="5400" dirty="0" smtClean="0">
-                <a:latin typeface="+mn-lt"/>
-                <a:cs typeface="Times New Roman" panose="02020603050405020304" pitchFamily="18" charset="0"/>
-              </a:rPr>
-            </a:br>
-            <a:r>
-              <a:rPr lang="en-US" altLang="zh-TW" sz="5400" dirty="0" smtClean="0">
-                <a:latin typeface="+mn-lt"/>
-                <a:cs typeface="Times New Roman" panose="02020603050405020304" pitchFamily="18" charset="0"/>
-              </a:rPr>
-              <a:t>Seamless Video Loop</a:t>
-            </a:r>
-            <a:endParaRPr lang="zh-TW" altLang="en-US" sz="5400" dirty="0">
-              <a:latin typeface="+mn-lt"/>
-              <a:cs typeface="Times New Roman" panose="02020603050405020304" pitchFamily="18" charset="0"/>
-            </a:endParaRPr>
-          </a:p>
-        </p:txBody>
-      </p:sp>
-      <p:sp>
-        <p:nvSpPr>
-          <p:cNvPr id="3" name="副標題 2"/>
-          <p:cNvSpPr>
-            <a:spLocks noGrp="1"/>
-          </p:cNvSpPr>
-          <p:nvPr>
-            <p:ph type="subTitle" idx="1"/>
-          </p:nvPr>
-        </p:nvSpPr>
-        <p:spPr>
-          <a:xfrm>
-            <a:off x="5840554" y="3951043"/>
-            <a:ext cx="3417194" cy="919944"/>
-          </a:xfrm>
-        </p:spPr>
-        <p:txBody>
-          <a:bodyPr>
-            <a:normAutofit/>
-          </a:bodyPr>
-          <a:lstStyle/>
-          <a:p>
-            <a:pPr algn="l"/>
-            <a:r>
-              <a:rPr lang="zh-TW" altLang="en-US" dirty="0" smtClean="0">
-                <a:latin typeface="標楷體" panose="03000509000000000000" pitchFamily="65" charset="-120"/>
-                <a:ea typeface="標楷體" panose="03000509000000000000" pitchFamily="65" charset="-120"/>
-              </a:rPr>
-              <a:t>李天智 </a:t>
-            </a:r>
-            <a:r>
-              <a:rPr lang="en-US" altLang="zh-TW" dirty="0">
-                <a:latin typeface="標楷體" panose="03000509000000000000" pitchFamily="65" charset="-120"/>
-                <a:ea typeface="標楷體" panose="03000509000000000000" pitchFamily="65" charset="-120"/>
-              </a:rPr>
-              <a:t>p04922005</a:t>
-            </a:r>
-          </a:p>
-          <a:p>
-            <a:pPr algn="l"/>
-            <a:r>
-              <a:rPr lang="zh-TW" altLang="en-US" dirty="0" smtClean="0">
-                <a:latin typeface="標楷體" panose="03000509000000000000" pitchFamily="65" charset="-120"/>
-                <a:ea typeface="標楷體" panose="03000509000000000000" pitchFamily="65" charset="-120"/>
-              </a:rPr>
-              <a:t>李啟維</a:t>
-            </a:r>
-            <a:r>
-              <a:rPr lang="en-US" altLang="zh-TW" dirty="0">
-                <a:latin typeface="標楷體" panose="03000509000000000000" pitchFamily="65" charset="-120"/>
-                <a:ea typeface="標楷體" panose="03000509000000000000" pitchFamily="65" charset="-120"/>
-              </a:rPr>
-              <a:t> </a:t>
-            </a:r>
-            <a:r>
-              <a:rPr lang="en-US" altLang="zh-TW" dirty="0" smtClean="0">
-                <a:latin typeface="標楷體" panose="03000509000000000000" pitchFamily="65" charset="-120"/>
-                <a:ea typeface="標楷體" panose="03000509000000000000" pitchFamily="65" charset="-120"/>
-              </a:rPr>
-              <a:t>r04922125</a:t>
-            </a:r>
-          </a:p>
-        </p:txBody>
-      </p:sp>
-      <p:cxnSp>
-        <p:nvCxnSpPr>
-          <p:cNvPr id="5" name="直線接點 4"/>
-          <p:cNvCxnSpPr/>
-          <p:nvPr/>
-        </p:nvCxnSpPr>
-        <p:spPr>
-          <a:xfrm>
-            <a:off x="434714" y="3563053"/>
-            <a:ext cx="11272603" cy="0"/>
-          </a:xfrm>
-          <a:prstGeom prst="line">
-            <a:avLst/>
-          </a:prstGeom>
-        </p:spPr>
-        <p:style>
-          <a:lnRef idx="2">
-            <a:schemeClr val="dk1"/>
-          </a:lnRef>
-          <a:fillRef idx="0">
-            <a:schemeClr val="dk1"/>
-          </a:fillRef>
-          <a:effectRef idx="1">
-            <a:schemeClr val="dk1"/>
-          </a:effectRef>
-          <a:fontRef idx="minor">
-            <a:schemeClr val="tx1"/>
-          </a:fontRef>
-        </p:style>
-      </p:cxnSp>
-      <p:sp>
-        <p:nvSpPr>
-          <p:cNvPr id="4" name="文字方塊 3"/>
-          <p:cNvSpPr txBox="1"/>
-          <p:nvPr/>
-        </p:nvSpPr>
-        <p:spPr>
-          <a:xfrm>
-            <a:off x="4046740" y="4149405"/>
-            <a:ext cx="1690784" cy="523220"/>
-          </a:xfrm>
-          <a:prstGeom prst="rect">
-            <a:avLst/>
-          </a:prstGeom>
-          <a:noFill/>
-        </p:spPr>
-        <p:txBody>
-          <a:bodyPr wrap="square" rtlCol="0">
-            <a:spAutoFit/>
-          </a:bodyPr>
-          <a:lstStyle/>
-          <a:p>
-            <a:r>
-              <a:rPr lang="en-US" altLang="zh-TW" sz="2800" dirty="0" smtClean="0"/>
-              <a:t>Group 4</a:t>
-            </a:r>
-            <a:endParaRPr lang="zh-TW" altLang="en-US" sz="2800" dirty="0"/>
-          </a:p>
-        </p:txBody>
-      </p:sp>
-      <p:cxnSp>
-        <p:nvCxnSpPr>
-          <p:cNvPr id="7" name="直線接點 6"/>
-          <p:cNvCxnSpPr/>
-          <p:nvPr/>
-        </p:nvCxnSpPr>
-        <p:spPr>
-          <a:xfrm flipV="1">
-            <a:off x="5737524" y="3889420"/>
-            <a:ext cx="0" cy="1043190"/>
-          </a:xfrm>
-          <a:prstGeom prst="line">
-            <a:avLst/>
-          </a:prstGeom>
-          <a:ln w="28575">
-            <a:prstDash val="lgDashDot"/>
-          </a:ln>
-        </p:spPr>
-        <p:style>
-          <a:lnRef idx="1">
-            <a:schemeClr val="dk1"/>
-          </a:lnRef>
-          <a:fillRef idx="0">
-            <a:schemeClr val="dk1"/>
-          </a:fillRef>
-          <a:effectRef idx="0">
-            <a:schemeClr val="dk1"/>
-          </a:effectRef>
-          <a:fontRef idx="minor">
-            <a:schemeClr val="tx1"/>
-          </a:fontRef>
-        </p:style>
-      </p:cxnSp>
-    </p:spTree>
-    <p:extLst>
-      <p:ext uri="{BB962C8B-B14F-4D97-AF65-F5344CB8AC3E}">
-        <p14:creationId xmlns:p14="http://schemas.microsoft.com/office/powerpoint/2010/main" val="390312961"/>
-      </p:ext>
-    </p:extLst>
-  </p:cSld>
-  <p:clrMapOvr>
-    <a:masterClrMapping/>
-  </p:clrMapOvr>
-  <p:timing>
-    <p:tnLst>
-      <p:par>
-        <p:cTn id="1" dur="indefinite" restart="never" nodeType="tmRoot"/>
-      </p:par>
-    </p:tnLst>
-  </p:timing>
-</p:sld>
-</file>
-
-<file path=ppt/slides/slide20.xml><?xml version="1.0" encoding="utf-8"?>
+<file path=ppt/slides/slide16.xml><?xml version="1.0" encoding="utf-8"?>
 <p:sld xmlns:a="http://schemas.openxmlformats.org/drawingml/2006/main" xmlns:r="http://schemas.openxmlformats.org/officeDocument/2006/relationships" xmlns:p="http://schemas.openxmlformats.org/presentationml/2006/main">
   <p:cSld>
     <p:spTree>
@@ -16902,7 +14766,7 @@
           <a:p>
             <a:r>
               <a:rPr lang="en-US" altLang="zh-TW" dirty="0" smtClean="0"/>
-              <a:t>Reference</a:t>
+              <a:t>Discussion</a:t>
             </a:r>
             <a:endParaRPr lang="zh-TW" altLang="en-US" dirty="0"/>
           </a:p>
@@ -16920,19 +14784,148 @@
         </p:nvSpPr>
         <p:spPr/>
         <p:txBody>
-          <a:bodyPr/>
+          <a:bodyPr>
+            <a:normAutofit fontScale="92500" lnSpcReduction="20000"/>
+          </a:bodyPr>
           <a:lstStyle/>
+          <a:p>
+            <a:r>
+              <a:rPr lang="en-US" altLang="zh-TW" dirty="0"/>
+              <a:t>M</a:t>
+            </a:r>
+            <a:r>
+              <a:rPr lang="en-US" altLang="zh-TW" dirty="0" smtClean="0"/>
+              <a:t>ethod 1</a:t>
+            </a:r>
+          </a:p>
           <a:p>
             <a:pPr marL="0" indent="0">
               <a:buNone/>
             </a:pPr>
             <a:r>
+              <a:rPr lang="en-US" altLang="zh-TW" dirty="0" smtClean="0"/>
+              <a:t>   - assign all </a:t>
+            </a:r>
+            <a:r>
+              <a:rPr lang="en-US" altLang="zh-TW" dirty="0" err="1" smtClean="0"/>
+              <a:t>loopable</a:t>
+            </a:r>
+            <a:r>
+              <a:rPr lang="en-US" altLang="zh-TW" dirty="0" smtClean="0"/>
+              <a:t> pixels with same s and p</a:t>
+            </a:r>
+          </a:p>
+          <a:p>
+            <a:pPr marL="0" indent="0">
+              <a:buNone/>
+            </a:pPr>
+            <a:r>
               <a:rPr lang="en-US" altLang="zh-TW" dirty="0"/>
-              <a:t>•LIAO, Z., JOSHI, N., and HOPPE, H. 2013. Automated video looping with progressive dynamism. ACM Trans. Graph., 32(4</a:t>
+              <a:t> </a:t>
             </a:r>
             <a:r>
               <a:rPr lang="en-US" altLang="zh-TW" dirty="0" smtClean="0"/>
-              <a:t>)</a:t>
+              <a:t>  - the </a:t>
+            </a:r>
+            <a:r>
+              <a:rPr lang="en-US" altLang="zh-TW" dirty="0" err="1" smtClean="0"/>
+              <a:t>temperal</a:t>
+            </a:r>
+            <a:r>
+              <a:rPr lang="en-US" altLang="zh-TW" dirty="0" smtClean="0"/>
+              <a:t> consistency is good, but the spatial consistency is bad</a:t>
+            </a:r>
+          </a:p>
+          <a:p>
+            <a:pPr marL="0" indent="0">
+              <a:buNone/>
+            </a:pPr>
+            <a:r>
+              <a:rPr lang="en-US" altLang="zh-TW" dirty="0"/>
+              <a:t> </a:t>
+            </a:r>
+            <a:r>
+              <a:rPr lang="en-US" altLang="zh-TW" dirty="0" smtClean="0"/>
+              <a:t>  - we can see the discontinuity between each loop period</a:t>
+            </a:r>
+          </a:p>
+          <a:p>
+            <a:r>
+              <a:rPr lang="en-US" altLang="zh-TW" dirty="0"/>
+              <a:t>Method </a:t>
+            </a:r>
+            <a:r>
+              <a:rPr lang="en-US" altLang="zh-TW" dirty="0" smtClean="0"/>
+              <a:t>2</a:t>
+            </a:r>
+            <a:endParaRPr lang="en-US" altLang="zh-TW" dirty="0"/>
+          </a:p>
+          <a:p>
+            <a:pPr marL="0" indent="0">
+              <a:buNone/>
+            </a:pPr>
+            <a:r>
+              <a:rPr lang="en-US" altLang="zh-TW" dirty="0"/>
+              <a:t>   - assign all </a:t>
+            </a:r>
+            <a:r>
+              <a:rPr lang="en-US" altLang="zh-TW" dirty="0" err="1"/>
+              <a:t>loopable</a:t>
+            </a:r>
+            <a:r>
+              <a:rPr lang="en-US" altLang="zh-TW" dirty="0"/>
+              <a:t> pixels with </a:t>
+            </a:r>
+            <a:r>
+              <a:rPr lang="en-US" altLang="zh-TW" dirty="0" smtClean="0"/>
+              <a:t>different </a:t>
+            </a:r>
+            <a:r>
+              <a:rPr lang="en-US" altLang="zh-TW" dirty="0"/>
+              <a:t>s and p</a:t>
+            </a:r>
+          </a:p>
+          <a:p>
+            <a:pPr marL="0" indent="0">
+              <a:buNone/>
+            </a:pPr>
+            <a:r>
+              <a:rPr lang="en-US" altLang="zh-TW" dirty="0"/>
+              <a:t>   - the </a:t>
+            </a:r>
+            <a:r>
+              <a:rPr lang="en-US" altLang="zh-TW" dirty="0" err="1"/>
+              <a:t>temperal</a:t>
+            </a:r>
+            <a:r>
+              <a:rPr lang="en-US" altLang="zh-TW" dirty="0"/>
+              <a:t> consistency </a:t>
+            </a:r>
+            <a:r>
+              <a:rPr lang="en-US" altLang="zh-TW" dirty="0" smtClean="0"/>
+              <a:t>bad, </a:t>
+            </a:r>
+            <a:r>
+              <a:rPr lang="en-US" altLang="zh-TW" dirty="0"/>
+              <a:t>but the spatial consistency is </a:t>
+            </a:r>
+            <a:r>
+              <a:rPr lang="en-US" altLang="zh-TW" dirty="0" smtClean="0"/>
+              <a:t>better</a:t>
+            </a:r>
+            <a:endParaRPr lang="en-US" altLang="zh-TW" dirty="0"/>
+          </a:p>
+          <a:p>
+            <a:pPr marL="0" indent="0">
+              <a:buNone/>
+            </a:pPr>
+            <a:r>
+              <a:rPr lang="en-US" altLang="zh-TW" dirty="0"/>
+              <a:t>   - we can see the discontinuity between </a:t>
+            </a:r>
+            <a:r>
+              <a:rPr lang="en-US" altLang="zh-TW" dirty="0" smtClean="0"/>
+              <a:t>start frame and end frame</a:t>
             </a:r>
           </a:p>
           <a:p>
@@ -16942,25 +14935,10 @@
             <a:endParaRPr lang="en-US" altLang="zh-TW" dirty="0"/>
           </a:p>
           <a:p>
-            <a:pPr marL="0" indent="0">
-              <a:buNone/>
-            </a:pPr>
-            <a:r>
-              <a:rPr lang="en-US" altLang="zh-TW" dirty="0"/>
-              <a:t>•LIAO, J., Finch, M., and HOPPE, H. 2015. Fast computation of seamless video loops. ACM Trans. Graph., 34(6)</a:t>
-            </a:r>
-          </a:p>
-          <a:p>
-            <a:pPr marL="0" indent="0">
-              <a:buNone/>
-            </a:pPr>
-            <a:r>
-              <a:rPr lang="en-US" altLang="zh-TW" dirty="0"/>
-              <a:t/>
-            </a:r>
-            <a:br>
-              <a:rPr lang="en-US" altLang="zh-TW" dirty="0"/>
-            </a:br>
+            <a:r>
+              <a:rPr lang="en-US" altLang="zh-TW" dirty="0" smtClean="0"/>
+              <a:t>Graph cut approach will produce better results</a:t>
+            </a:r>
             <a:endParaRPr lang="zh-TW" altLang="en-US" dirty="0"/>
           </a:p>
         </p:txBody>
@@ -16968,7 +14946,7 @@
     </p:spTree>
     <p:extLst>
       <p:ext uri="{BB962C8B-B14F-4D97-AF65-F5344CB8AC3E}">
-        <p14:creationId xmlns:p14="http://schemas.microsoft.com/office/powerpoint/2010/main" val="283013464"/>
+        <p14:creationId xmlns:p14="http://schemas.microsoft.com/office/powerpoint/2010/main" val="905998067"/>
       </p:ext>
     </p:extLst>
   </p:cSld>
@@ -16985,8 +14963,8 @@
 </p:sld>
 </file>
 
-<file path=ppt/slides/slide3.xml><?xml version="1.0" encoding="utf-8"?>
-<p:sld xmlns:a="http://schemas.openxmlformats.org/drawingml/2006/main" xmlns:r="http://schemas.openxmlformats.org/officeDocument/2006/relationships" xmlns:p="http://schemas.openxmlformats.org/presentationml/2006/main" show="0">
+<file path=ppt/slides/slide17.xml><?xml version="1.0" encoding="utf-8"?>
+<p:sld xmlns:a="http://schemas.openxmlformats.org/drawingml/2006/main" xmlns:r="http://schemas.openxmlformats.org/officeDocument/2006/relationships" xmlns:p="http://schemas.openxmlformats.org/presentationml/2006/main">
   <p:cSld>
     <p:spTree>
       <p:nvGrpSpPr>
@@ -17019,7 +14997,7 @@
           <a:p>
             <a:r>
               <a:rPr lang="en-US" altLang="zh-TW" dirty="0" smtClean="0"/>
-              <a:t>Outline</a:t>
+              <a:t>Reference</a:t>
             </a:r>
             <a:endParaRPr lang="zh-TW" altLang="en-US" dirty="0"/>
           </a:p>
@@ -17037,61 +15015,61 @@
         </p:nvSpPr>
         <p:spPr/>
         <p:txBody>
-          <a:bodyPr>
-            <a:normAutofit/>
-          </a:bodyPr>
+          <a:bodyPr/>
           <a:lstStyle/>
           <a:p>
-            <a:r>
-              <a:rPr lang="en-US" altLang="zh-TW" sz="3600" dirty="0" smtClean="0"/>
-              <a:t>Problem</a:t>
-            </a:r>
-          </a:p>
-          <a:p>
-            <a:r>
-              <a:rPr lang="en-US" altLang="zh-TW" sz="3600" dirty="0" smtClean="0"/>
-              <a:t>Algorithm</a:t>
-            </a:r>
-          </a:p>
-          <a:p>
-            <a:r>
-              <a:rPr lang="en-US" altLang="zh-TW" sz="3600" dirty="0" smtClean="0"/>
-              <a:t>Result </a:t>
-            </a:r>
-          </a:p>
-          <a:p>
-            <a:r>
-              <a:rPr lang="en-US" altLang="zh-TW" sz="3600" dirty="0" smtClean="0"/>
-              <a:t>Demo</a:t>
-            </a:r>
-          </a:p>
-          <a:p>
-            <a:r>
-              <a:rPr lang="en-US" altLang="zh-TW" sz="3600" dirty="0" smtClean="0"/>
-              <a:t>Ref</a:t>
-            </a:r>
-            <a:endParaRPr lang="zh-TW" altLang="en-US" sz="3600" dirty="0"/>
+            <a:pPr marL="0" indent="0">
+              <a:buNone/>
+            </a:pPr>
+            <a:r>
+              <a:rPr lang="en-US" altLang="zh-TW" dirty="0"/>
+              <a:t>•LIAO, Z., JOSHI, N., and HOPPE, H. 2013. Automated video looping with progressive dynamism. ACM Trans. Graph., 32(4</a:t>
+            </a:r>
+            <a:r>
+              <a:rPr lang="en-US" altLang="zh-TW" dirty="0" smtClean="0"/>
+              <a:t>)</a:t>
+            </a:r>
+          </a:p>
+          <a:p>
+            <a:pPr marL="0" indent="0">
+              <a:buNone/>
+            </a:pPr>
+            <a:endParaRPr lang="en-US" altLang="zh-TW" dirty="0"/>
+          </a:p>
+          <a:p>
+            <a:pPr marL="0" indent="0">
+              <a:buNone/>
+            </a:pPr>
+            <a:r>
+              <a:rPr lang="en-US" altLang="zh-TW" dirty="0"/>
+              <a:t>•LIAO, J., Finch, M., and HOPPE, H. 2015. Fast computation of seamless video loops. ACM Trans. Graph., 34(6)</a:t>
+            </a:r>
+          </a:p>
+          <a:p>
+            <a:pPr marL="0" indent="0">
+              <a:buNone/>
+            </a:pPr>
+            <a:r>
+              <a:rPr lang="en-US" altLang="zh-TW" dirty="0"/>
+              <a:t/>
+            </a:r>
+            <a:br>
+              <a:rPr lang="en-US" altLang="zh-TW" dirty="0"/>
+            </a:br>
+            <a:endParaRPr lang="zh-TW" altLang="en-US" dirty="0"/>
           </a:p>
         </p:txBody>
       </p:sp>
     </p:spTree>
     <p:extLst>
       <p:ext uri="{BB962C8B-B14F-4D97-AF65-F5344CB8AC3E}">
-        <p14:creationId xmlns:p14="http://schemas.microsoft.com/office/powerpoint/2010/main" val="2119823144"/>
+        <p14:creationId xmlns:p14="http://schemas.microsoft.com/office/powerpoint/2010/main" val="283013464"/>
       </p:ext>
     </p:extLst>
   </p:cSld>
   <p:clrMapOvr>
     <a:masterClrMapping/>
   </p:clrMapOvr>
-  <mc:AlternateContent xmlns:mc="http://schemas.openxmlformats.org/markup-compatibility/2006" xmlns:p14="http://schemas.microsoft.com/office/powerpoint/2010/main">
-    <mc:Choice Requires="p14">
-      <p:transition spd="slow" p14:dur="2000"/>
-    </mc:Choice>
-    <mc:Fallback xmlns="">
-      <p:transition spd="slow"/>
-    </mc:Fallback>
-  </mc:AlternateContent>
   <p:timing>
     <p:tnLst>
       <p:par>
@@ -17102,257 +15080,7 @@
 </p:sld>
 </file>
 
-<file path=ppt/slides/slide4.xml><?xml version="1.0" encoding="utf-8"?>
-<p:sld xmlns:a="http://schemas.openxmlformats.org/drawingml/2006/main" xmlns:r="http://schemas.openxmlformats.org/officeDocument/2006/relationships" xmlns:p="http://schemas.openxmlformats.org/presentationml/2006/main" show="0">
-  <p:cSld>
-    <p:spTree>
-      <p:nvGrpSpPr>
-        <p:cNvPr id="1" name=""/>
-        <p:cNvGrpSpPr/>
-        <p:nvPr/>
-      </p:nvGrpSpPr>
-      <p:grpSpPr>
-        <a:xfrm>
-          <a:off x="0" y="0"/>
-          <a:ext cx="0" cy="0"/>
-          <a:chOff x="0" y="0"/>
-          <a:chExt cx="0" cy="0"/>
-        </a:xfrm>
-      </p:grpSpPr>
-      <p:sp>
-        <p:nvSpPr>
-          <p:cNvPr id="3" name="內容版面配置區 2"/>
-          <p:cNvSpPr>
-            <a:spLocks noGrp="1"/>
-          </p:cNvSpPr>
-          <p:nvPr>
-            <p:ph idx="1"/>
-          </p:nvPr>
-        </p:nvSpPr>
-        <p:spPr>
-          <a:xfrm>
-            <a:off x="838200" y="266700"/>
-            <a:ext cx="10515600" cy="5910263"/>
-          </a:xfrm>
-        </p:spPr>
-        <p:txBody>
-          <a:bodyPr>
-            <a:normAutofit fontScale="77500" lnSpcReduction="20000"/>
-          </a:bodyPr>
-          <a:lstStyle/>
-          <a:p>
-            <a:r>
-              <a:rPr lang="en-US" altLang="zh-TW" dirty="0" smtClean="0"/>
-              <a:t>Problem definition</a:t>
-            </a:r>
-          </a:p>
-          <a:p>
-            <a:pPr lvl="1"/>
-            <a:r>
-              <a:rPr lang="en-US" altLang="zh-TW" dirty="0" smtClean="0"/>
-              <a:t>Motivate by </a:t>
-            </a:r>
-            <a:r>
-              <a:rPr lang="en-US" altLang="zh-TW" dirty="0" err="1" smtClean="0"/>
-              <a:t>cinemagraphic</a:t>
-            </a:r>
-            <a:endParaRPr lang="en-US" altLang="zh-TW" dirty="0" smtClean="0"/>
-          </a:p>
-          <a:p>
-            <a:pPr lvl="1"/>
-            <a:r>
-              <a:rPr lang="en-US" altLang="zh-TW" dirty="0" smtClean="0"/>
-              <a:t>Target: Seamless loop video </a:t>
-            </a:r>
-          </a:p>
-          <a:p>
-            <a:pPr lvl="1"/>
-            <a:r>
-              <a:rPr lang="en-US" altLang="zh-TW" dirty="0" smtClean="0"/>
-              <a:t>Static, </a:t>
-            </a:r>
-            <a:r>
-              <a:rPr lang="en-US" altLang="zh-TW" dirty="0" err="1" smtClean="0"/>
-              <a:t>loopable</a:t>
-            </a:r>
-            <a:r>
-              <a:rPr lang="en-US" altLang="zh-TW" dirty="0" smtClean="0"/>
-              <a:t>, </a:t>
-            </a:r>
-            <a:r>
-              <a:rPr lang="en-US" altLang="zh-TW" dirty="0" err="1" smtClean="0"/>
-              <a:t>unloopable</a:t>
-            </a:r>
-            <a:r>
-              <a:rPr lang="en-US" altLang="zh-TW" dirty="0" smtClean="0"/>
-              <a:t> </a:t>
-            </a:r>
-          </a:p>
-          <a:p>
-            <a:pPr lvl="1"/>
-            <a:r>
-              <a:rPr lang="en-US" altLang="zh-TW" dirty="0" smtClean="0"/>
-              <a:t>Focus on each pixel</a:t>
-            </a:r>
-          </a:p>
-          <a:p>
-            <a:r>
-              <a:rPr lang="en-US" altLang="zh-TW" dirty="0" smtClean="0"/>
-              <a:t>Algorithm</a:t>
-            </a:r>
-          </a:p>
-          <a:p>
-            <a:pPr lvl="1"/>
-            <a:r>
-              <a:rPr lang="en-US" altLang="zh-TW" dirty="0" smtClean="0"/>
-              <a:t>Decide the category of pixel</a:t>
-            </a:r>
-          </a:p>
-          <a:p>
-            <a:pPr lvl="2"/>
-            <a:r>
-              <a:rPr lang="en-US" altLang="zh-TW" dirty="0" err="1" smtClean="0"/>
-              <a:t>Downsample</a:t>
-            </a:r>
-            <a:r>
-              <a:rPr lang="en-US" altLang="zh-TW" dirty="0" smtClean="0"/>
-              <a:t> reason &amp; parameter</a:t>
-            </a:r>
-          </a:p>
-          <a:p>
-            <a:pPr lvl="2"/>
-            <a:r>
-              <a:rPr lang="en-US" altLang="zh-TW" dirty="0" smtClean="0"/>
-              <a:t>Video frame upper &amp; lower in a range (threshold)</a:t>
-            </a:r>
-          </a:p>
-          <a:p>
-            <a:pPr lvl="2"/>
-            <a:r>
-              <a:rPr lang="en-US" altLang="zh-TW" dirty="0" smtClean="0"/>
-              <a:t>Draw a intersection picture to identify which region is belong to each pixel</a:t>
-            </a:r>
-          </a:p>
-          <a:p>
-            <a:pPr lvl="2"/>
-            <a:r>
-              <a:rPr lang="en-US" altLang="zh-TW" dirty="0" smtClean="0"/>
-              <a:t>Why smoothing is worth able </a:t>
-            </a:r>
-          </a:p>
-          <a:p>
-            <a:pPr lvl="2"/>
-            <a:r>
-              <a:rPr lang="en-US" altLang="zh-TW" dirty="0" smtClean="0"/>
-              <a:t>Illustrate the picture meaning </a:t>
-            </a:r>
-          </a:p>
-          <a:p>
-            <a:pPr lvl="2"/>
-            <a:r>
-              <a:rPr lang="en-US" altLang="zh-TW" dirty="0" smtClean="0"/>
-              <a:t>Get the individual pixel</a:t>
-            </a:r>
-          </a:p>
-          <a:p>
-            <a:pPr lvl="1"/>
-            <a:r>
-              <a:rPr lang="en-US" altLang="zh-TW" dirty="0" smtClean="0"/>
-              <a:t>Decide pixel {s, p}</a:t>
-            </a:r>
-          </a:p>
-          <a:p>
-            <a:pPr lvl="2"/>
-            <a:r>
-              <a:rPr lang="en-US" altLang="zh-TW" dirty="0" smtClean="0"/>
-              <a:t>Focus on </a:t>
-            </a:r>
-            <a:r>
-              <a:rPr lang="en-US" altLang="zh-TW" dirty="0" err="1" smtClean="0"/>
-              <a:t>loopable</a:t>
-            </a:r>
-            <a:r>
-              <a:rPr lang="en-US" altLang="zh-TW" dirty="0" smtClean="0"/>
-              <a:t> pixel, leave all the remaining pixel to stable {p=1}</a:t>
-            </a:r>
-          </a:p>
-          <a:p>
-            <a:pPr lvl="2"/>
-            <a:r>
-              <a:rPr lang="en-US" altLang="zh-TW" dirty="0" smtClean="0"/>
-              <a:t>Use brutal method to calculate error </a:t>
-            </a:r>
-          </a:p>
-          <a:p>
-            <a:pPr lvl="2"/>
-            <a:r>
-              <a:rPr lang="en-US" altLang="zh-TW" dirty="0" smtClean="0"/>
-              <a:t>Choose the min error to be the whole pixel {s, p}</a:t>
-            </a:r>
-          </a:p>
-          <a:p>
-            <a:r>
-              <a:rPr lang="en-US" altLang="zh-TW" dirty="0" smtClean="0"/>
-              <a:t>Experimental results</a:t>
-            </a:r>
-          </a:p>
-          <a:p>
-            <a:pPr lvl="1"/>
-            <a:r>
-              <a:rPr lang="en-US" altLang="zh-TW" dirty="0" smtClean="0"/>
-              <a:t>Using different method to achieve and its result</a:t>
-            </a:r>
-          </a:p>
-          <a:p>
-            <a:pPr lvl="1"/>
-            <a:r>
-              <a:rPr lang="en-US" altLang="zh-TW" dirty="0" smtClean="0"/>
-              <a:t>Demo</a:t>
-            </a:r>
-          </a:p>
-          <a:p>
-            <a:r>
-              <a:rPr lang="en-US" altLang="zh-TW" dirty="0" smtClean="0"/>
-              <a:t>Discussions</a:t>
-            </a:r>
-          </a:p>
-          <a:p>
-            <a:pPr marL="0" indent="0">
-              <a:buNone/>
-            </a:pPr>
-            <a:endParaRPr lang="zh-TW" altLang="en-US" dirty="0"/>
-          </a:p>
-        </p:txBody>
-      </p:sp>
-    </p:spTree>
-    <p:extLst>
-      <p:ext uri="{BB962C8B-B14F-4D97-AF65-F5344CB8AC3E}">
-        <p14:creationId xmlns:p14="http://schemas.microsoft.com/office/powerpoint/2010/main" val="2330616262"/>
-      </p:ext>
-    </p:extLst>
-  </p:cSld>
-  <p:clrMapOvr>
-    <a:masterClrMapping/>
-  </p:clrMapOvr>
-  <mc:AlternateContent xmlns:mc="http://schemas.openxmlformats.org/markup-compatibility/2006" xmlns:p14="http://schemas.microsoft.com/office/powerpoint/2010/main">
-    <mc:Choice Requires="p14">
-      <p:transition spd="slow" p14:dur="2000"/>
-    </mc:Choice>
-    <mc:Fallback xmlns="">
-      <p:transition spd="slow"/>
-    </mc:Fallback>
-  </mc:AlternateContent>
-  <p:timing>
-    <p:tnLst>
-      <p:par>
-        <p:cTn id="1" dur="indefinite" restart="never" nodeType="tmRoot"/>
-      </p:par>
-    </p:tnLst>
-  </p:timing>
-</p:sld>
-</file>
-
-<file path=ppt/slides/slide5.xml><?xml version="1.0" encoding="utf-8"?>
+<file path=ppt/slides/slide2.xml><?xml version="1.0" encoding="utf-8"?>
 <p:sld xmlns:a="http://schemas.openxmlformats.org/drawingml/2006/main" xmlns:r="http://schemas.openxmlformats.org/officeDocument/2006/relationships" xmlns:p="http://schemas.openxmlformats.org/presentationml/2006/main">
   <p:cSld>
     <p:spTree>
@@ -17667,7 +15395,7 @@
 </p:sld>
 </file>
 
-<file path=ppt/slides/slide6.xml><?xml version="1.0" encoding="utf-8"?>
+<file path=ppt/slides/slide3.xml><?xml version="1.0" encoding="utf-8"?>
 <p:sld xmlns:a="http://schemas.openxmlformats.org/drawingml/2006/main" xmlns:r="http://schemas.openxmlformats.org/officeDocument/2006/relationships" xmlns:p="http://schemas.openxmlformats.org/presentationml/2006/main">
   <p:cSld>
     <p:spTree>
@@ -17837,7 +15565,7 @@
 </p:sld>
 </file>
 
-<file path=ppt/slides/slide7.xml><?xml version="1.0" encoding="utf-8"?>
+<file path=ppt/slides/slide4.xml><?xml version="1.0" encoding="utf-8"?>
 <p:sld xmlns:a="http://schemas.openxmlformats.org/drawingml/2006/main" xmlns:r="http://schemas.openxmlformats.org/officeDocument/2006/relationships" xmlns:p="http://schemas.openxmlformats.org/presentationml/2006/main">
   <p:cSld>
     <p:spTree>
@@ -18258,7 +15986,7 @@
 </p:sld>
 </file>
 
-<file path=ppt/slides/slide8.xml><?xml version="1.0" encoding="utf-8"?>
+<file path=ppt/slides/slide5.xml><?xml version="1.0" encoding="utf-8"?>
 <p:sld xmlns:a="http://schemas.openxmlformats.org/drawingml/2006/main" xmlns:r="http://schemas.openxmlformats.org/officeDocument/2006/relationships" xmlns:p="http://schemas.openxmlformats.org/presentationml/2006/main">
   <p:cSld>
     <p:spTree>
@@ -18838,7 +16566,7 @@
 </p:sld>
 </file>
 
-<file path=ppt/slides/slide9.xml><?xml version="1.0" encoding="utf-8"?>
+<file path=ppt/slides/slide6.xml><?xml version="1.0" encoding="utf-8"?>
 <p:sld xmlns:a="http://schemas.openxmlformats.org/drawingml/2006/main" xmlns:r="http://schemas.openxmlformats.org/officeDocument/2006/relationships" xmlns:p="http://schemas.openxmlformats.org/presentationml/2006/main" show="0">
   <p:cSld>
     <p:spTree>
@@ -18917,6 +16645,1400 @@
       <p:transition spd="slow"/>
     </mc:Fallback>
   </mc:AlternateContent>
+  <p:timing>
+    <p:tnLst>
+      <p:par>
+        <p:cTn id="1" dur="indefinite" restart="never" nodeType="tmRoot"/>
+      </p:par>
+    </p:tnLst>
+  </p:timing>
+</p:sld>
+</file>
+
+<file path=ppt/slides/slide7.xml><?xml version="1.0" encoding="utf-8"?>
+<p:sld xmlns:a="http://schemas.openxmlformats.org/drawingml/2006/main" xmlns:r="http://schemas.openxmlformats.org/officeDocument/2006/relationships" xmlns:p="http://schemas.openxmlformats.org/presentationml/2006/main">
+  <p:cSld>
+    <p:spTree>
+      <p:nvGrpSpPr>
+        <p:cNvPr id="1" name=""/>
+        <p:cNvGrpSpPr/>
+        <p:nvPr/>
+      </p:nvGrpSpPr>
+      <p:grpSpPr>
+        <a:xfrm>
+          <a:off x="0" y="0"/>
+          <a:ext cx="0" cy="0"/>
+          <a:chOff x="0" y="0"/>
+          <a:chExt cx="0" cy="0"/>
+        </a:xfrm>
+      </p:grpSpPr>
+      <p:sp>
+        <p:nvSpPr>
+          <p:cNvPr id="2" name="標題 1"/>
+          <p:cNvSpPr>
+            <a:spLocks noGrp="1"/>
+          </p:cNvSpPr>
+          <p:nvPr>
+            <p:ph type="title"/>
+          </p:nvPr>
+        </p:nvSpPr>
+        <p:spPr/>
+        <p:txBody>
+          <a:bodyPr/>
+          <a:lstStyle/>
+          <a:p>
+            <a:r>
+              <a:rPr lang="en-US" altLang="zh-TW" dirty="0"/>
+              <a:t>Classification of </a:t>
+            </a:r>
+            <a:r>
+              <a:rPr lang="en-US" altLang="zh-TW" dirty="0" err="1"/>
+              <a:t>loopable</a:t>
+            </a:r>
+            <a:r>
+              <a:rPr lang="en-US" altLang="zh-TW" dirty="0"/>
+              <a:t> pixels </a:t>
+            </a:r>
+            <a:endParaRPr lang="zh-TW" altLang="en-US" dirty="0"/>
+          </a:p>
+        </p:txBody>
+      </p:sp>
+      <p:sp>
+        <p:nvSpPr>
+          <p:cNvPr id="4" name="矩形 3"/>
+          <p:cNvSpPr/>
+          <p:nvPr/>
+        </p:nvSpPr>
+        <p:spPr>
+          <a:xfrm>
+            <a:off x="6224787" y="2092119"/>
+            <a:ext cx="5332213" cy="3433391"/>
+          </a:xfrm>
+          <a:prstGeom prst="rect">
+            <a:avLst/>
+          </a:prstGeom>
+          <a:solidFill>
+            <a:schemeClr val="accent5">
+              <a:lumMod val="20000"/>
+              <a:lumOff val="80000"/>
+            </a:schemeClr>
+          </a:solidFill>
+          <a:ln w="38100">
+            <a:solidFill>
+              <a:schemeClr val="tx1"/>
+            </a:solidFill>
+          </a:ln>
+        </p:spPr>
+        <p:style>
+          <a:lnRef idx="2">
+            <a:schemeClr val="accent1">
+              <a:shade val="50000"/>
+            </a:schemeClr>
+          </a:lnRef>
+          <a:fillRef idx="1">
+            <a:schemeClr val="accent1"/>
+          </a:fillRef>
+          <a:effectRef idx="0">
+            <a:schemeClr val="accent1"/>
+          </a:effectRef>
+          <a:fontRef idx="minor">
+            <a:schemeClr val="lt1"/>
+          </a:fontRef>
+        </p:style>
+        <p:txBody>
+          <a:bodyPr rtlCol="0" anchor="ctr"/>
+          <a:lstStyle/>
+          <a:p>
+            <a:pPr algn="ctr"/>
+            <a:endParaRPr lang="zh-TW" altLang="en-US"/>
+          </a:p>
+        </p:txBody>
+      </p:sp>
+      <p:sp>
+        <p:nvSpPr>
+          <p:cNvPr id="5" name="手繪多邊形 4"/>
+          <p:cNvSpPr/>
+          <p:nvPr/>
+        </p:nvSpPr>
+        <p:spPr>
+          <a:xfrm>
+            <a:off x="8399435" y="2672979"/>
+            <a:ext cx="982919" cy="2271672"/>
+          </a:xfrm>
+          <a:custGeom>
+            <a:avLst/>
+            <a:gdLst>
+              <a:gd name="connsiteX0" fmla="*/ 626236 w 1252471"/>
+              <a:gd name="connsiteY0" fmla="*/ 0 h 2823354"/>
+              <a:gd name="connsiteX1" fmla="*/ 714968 w 1252471"/>
+              <a:gd name="connsiteY1" fmla="*/ 82599 h 2823354"/>
+              <a:gd name="connsiteX2" fmla="*/ 1252471 w 1252471"/>
+              <a:gd name="connsiteY2" fmla="*/ 1411677 h 2823354"/>
+              <a:gd name="connsiteX3" fmla="*/ 714968 w 1252471"/>
+              <a:gd name="connsiteY3" fmla="*/ 2740755 h 2823354"/>
+              <a:gd name="connsiteX4" fmla="*/ 626236 w 1252471"/>
+              <a:gd name="connsiteY4" fmla="*/ 2823354 h 2823354"/>
+              <a:gd name="connsiteX5" fmla="*/ 537503 w 1252471"/>
+              <a:gd name="connsiteY5" fmla="*/ 2740755 h 2823354"/>
+              <a:gd name="connsiteX6" fmla="*/ 0 w 1252471"/>
+              <a:gd name="connsiteY6" fmla="*/ 1411677 h 2823354"/>
+              <a:gd name="connsiteX7" fmla="*/ 537503 w 1252471"/>
+              <a:gd name="connsiteY7" fmla="*/ 82599 h 2823354"/>
+              <a:gd name="connsiteX8" fmla="*/ 626236 w 1252471"/>
+              <a:gd name="connsiteY8" fmla="*/ 0 h 2823354"/>
+            </a:gdLst>
+            <a:ahLst/>
+            <a:cxnLst>
+              <a:cxn ang="0">
+                <a:pos x="connsiteX0" y="connsiteY0"/>
+              </a:cxn>
+              <a:cxn ang="0">
+                <a:pos x="connsiteX1" y="connsiteY1"/>
+              </a:cxn>
+              <a:cxn ang="0">
+                <a:pos x="connsiteX2" y="connsiteY2"/>
+              </a:cxn>
+              <a:cxn ang="0">
+                <a:pos x="connsiteX3" y="connsiteY3"/>
+              </a:cxn>
+              <a:cxn ang="0">
+                <a:pos x="connsiteX4" y="connsiteY4"/>
+              </a:cxn>
+              <a:cxn ang="0">
+                <a:pos x="connsiteX5" y="connsiteY5"/>
+              </a:cxn>
+              <a:cxn ang="0">
+                <a:pos x="connsiteX6" y="connsiteY6"/>
+              </a:cxn>
+              <a:cxn ang="0">
+                <a:pos x="connsiteX7" y="connsiteY7"/>
+              </a:cxn>
+              <a:cxn ang="0">
+                <a:pos x="connsiteX8" y="connsiteY8"/>
+              </a:cxn>
+            </a:cxnLst>
+            <a:rect l="l" t="t" r="r" b="b"/>
+            <a:pathLst>
+              <a:path w="1252471" h="2823354">
+                <a:moveTo>
+                  <a:pt x="626236" y="0"/>
+                </a:moveTo>
+                <a:lnTo>
+                  <a:pt x="714968" y="82599"/>
+                </a:lnTo>
+                <a:cubicBezTo>
+                  <a:pt x="1047065" y="422740"/>
+                  <a:pt x="1252471" y="892640"/>
+                  <a:pt x="1252471" y="1411677"/>
+                </a:cubicBezTo>
+                <a:cubicBezTo>
+                  <a:pt x="1252471" y="1930714"/>
+                  <a:pt x="1047065" y="2400614"/>
+                  <a:pt x="714968" y="2740755"/>
+                </a:cubicBezTo>
+                <a:lnTo>
+                  <a:pt x="626236" y="2823354"/>
+                </a:lnTo>
+                <a:lnTo>
+                  <a:pt x="537503" y="2740755"/>
+                </a:lnTo>
+                <a:cubicBezTo>
+                  <a:pt x="205406" y="2400614"/>
+                  <a:pt x="0" y="1930714"/>
+                  <a:pt x="0" y="1411677"/>
+                </a:cubicBezTo>
+                <a:cubicBezTo>
+                  <a:pt x="0" y="892640"/>
+                  <a:pt x="205406" y="422740"/>
+                  <a:pt x="537503" y="82599"/>
+                </a:cubicBezTo>
+                <a:lnTo>
+                  <a:pt x="626236" y="0"/>
+                </a:lnTo>
+                <a:close/>
+              </a:path>
+            </a:pathLst>
+          </a:custGeom>
+          <a:solidFill>
+            <a:schemeClr val="accent6">
+              <a:lumMod val="40000"/>
+              <a:lumOff val="60000"/>
+            </a:schemeClr>
+          </a:solidFill>
+          <a:ln w="38100">
+            <a:solidFill>
+              <a:schemeClr val="tx1"/>
+            </a:solidFill>
+          </a:ln>
+        </p:spPr>
+        <p:style>
+          <a:lnRef idx="2">
+            <a:schemeClr val="accent1">
+              <a:shade val="50000"/>
+            </a:schemeClr>
+          </a:lnRef>
+          <a:fillRef idx="1">
+            <a:schemeClr val="accent1"/>
+          </a:fillRef>
+          <a:effectRef idx="0">
+            <a:schemeClr val="accent1"/>
+          </a:effectRef>
+          <a:fontRef idx="minor">
+            <a:schemeClr val="lt1"/>
+          </a:fontRef>
+        </p:style>
+        <p:txBody>
+          <a:bodyPr rtlCol="0" anchor="ctr"/>
+          <a:lstStyle/>
+          <a:p>
+            <a:pPr algn="ctr"/>
+            <a:endParaRPr lang="zh-TW" altLang="en-US"/>
+          </a:p>
+        </p:txBody>
+      </p:sp>
+      <p:sp>
+        <p:nvSpPr>
+          <p:cNvPr id="6" name="手繪多邊形 5"/>
+          <p:cNvSpPr/>
+          <p:nvPr/>
+        </p:nvSpPr>
+        <p:spPr>
+          <a:xfrm>
+            <a:off x="6501962" y="2296488"/>
+            <a:ext cx="2388933" cy="3024653"/>
+          </a:xfrm>
+          <a:custGeom>
+            <a:avLst/>
+            <a:gdLst>
+              <a:gd name="connsiteX0" fmla="*/ 1835150 w 3044065"/>
+              <a:gd name="connsiteY0" fmla="*/ 0 h 3759200"/>
+              <a:gd name="connsiteX1" fmla="*/ 3002476 w 3044065"/>
+              <a:gd name="connsiteY1" fmla="*/ 429209 h 3759200"/>
+              <a:gd name="connsiteX2" fmla="*/ 3044065 w 3044065"/>
+              <a:gd name="connsiteY2" fmla="*/ 467923 h 3759200"/>
+              <a:gd name="connsiteX3" fmla="*/ 2955332 w 3044065"/>
+              <a:gd name="connsiteY3" fmla="*/ 550522 h 3759200"/>
+              <a:gd name="connsiteX4" fmla="*/ 2417829 w 3044065"/>
+              <a:gd name="connsiteY4" fmla="*/ 1879600 h 3759200"/>
+              <a:gd name="connsiteX5" fmla="*/ 2955332 w 3044065"/>
+              <a:gd name="connsiteY5" fmla="*/ 3208678 h 3759200"/>
+              <a:gd name="connsiteX6" fmla="*/ 3044065 w 3044065"/>
+              <a:gd name="connsiteY6" fmla="*/ 3291277 h 3759200"/>
+              <a:gd name="connsiteX7" fmla="*/ 3002476 w 3044065"/>
+              <a:gd name="connsiteY7" fmla="*/ 3329991 h 3759200"/>
+              <a:gd name="connsiteX8" fmla="*/ 1835150 w 3044065"/>
+              <a:gd name="connsiteY8" fmla="*/ 3759200 h 3759200"/>
+              <a:gd name="connsiteX9" fmla="*/ 0 w 3044065"/>
+              <a:gd name="connsiteY9" fmla="*/ 1879600 h 3759200"/>
+              <a:gd name="connsiteX10" fmla="*/ 1835150 w 3044065"/>
+              <a:gd name="connsiteY10" fmla="*/ 0 h 3759200"/>
+            </a:gdLst>
+            <a:ahLst/>
+            <a:cxnLst>
+              <a:cxn ang="0">
+                <a:pos x="connsiteX0" y="connsiteY0"/>
+              </a:cxn>
+              <a:cxn ang="0">
+                <a:pos x="connsiteX1" y="connsiteY1"/>
+              </a:cxn>
+              <a:cxn ang="0">
+                <a:pos x="connsiteX2" y="connsiteY2"/>
+              </a:cxn>
+              <a:cxn ang="0">
+                <a:pos x="connsiteX3" y="connsiteY3"/>
+              </a:cxn>
+              <a:cxn ang="0">
+                <a:pos x="connsiteX4" y="connsiteY4"/>
+              </a:cxn>
+              <a:cxn ang="0">
+                <a:pos x="connsiteX5" y="connsiteY5"/>
+              </a:cxn>
+              <a:cxn ang="0">
+                <a:pos x="connsiteX6" y="connsiteY6"/>
+              </a:cxn>
+              <a:cxn ang="0">
+                <a:pos x="connsiteX7" y="connsiteY7"/>
+              </a:cxn>
+              <a:cxn ang="0">
+                <a:pos x="connsiteX8" y="connsiteY8"/>
+              </a:cxn>
+              <a:cxn ang="0">
+                <a:pos x="connsiteX9" y="connsiteY9"/>
+              </a:cxn>
+              <a:cxn ang="0">
+                <a:pos x="connsiteX10" y="connsiteY10"/>
+              </a:cxn>
+            </a:cxnLst>
+            <a:rect l="l" t="t" r="r" b="b"/>
+            <a:pathLst>
+              <a:path w="3044065" h="3759200">
+                <a:moveTo>
+                  <a:pt x="1835150" y="0"/>
+                </a:moveTo>
+                <a:cubicBezTo>
+                  <a:pt x="2278567" y="0"/>
+                  <a:pt x="2685254" y="161073"/>
+                  <a:pt x="3002476" y="429209"/>
+                </a:cubicBezTo>
+                <a:lnTo>
+                  <a:pt x="3044065" y="467923"/>
+                </a:lnTo>
+                <a:lnTo>
+                  <a:pt x="2955332" y="550522"/>
+                </a:lnTo>
+                <a:cubicBezTo>
+                  <a:pt x="2623235" y="890663"/>
+                  <a:pt x="2417829" y="1360563"/>
+                  <a:pt x="2417829" y="1879600"/>
+                </a:cubicBezTo>
+                <a:cubicBezTo>
+                  <a:pt x="2417829" y="2398637"/>
+                  <a:pt x="2623235" y="2868537"/>
+                  <a:pt x="2955332" y="3208678"/>
+                </a:cubicBezTo>
+                <a:lnTo>
+                  <a:pt x="3044065" y="3291277"/>
+                </a:lnTo>
+                <a:lnTo>
+                  <a:pt x="3002476" y="3329991"/>
+                </a:lnTo>
+                <a:cubicBezTo>
+                  <a:pt x="2685254" y="3598127"/>
+                  <a:pt x="2278567" y="3759200"/>
+                  <a:pt x="1835150" y="3759200"/>
+                </a:cubicBezTo>
+                <a:cubicBezTo>
+                  <a:pt x="821625" y="3759200"/>
+                  <a:pt x="0" y="2917674"/>
+                  <a:pt x="0" y="1879600"/>
+                </a:cubicBezTo>
+                <a:cubicBezTo>
+                  <a:pt x="0" y="841526"/>
+                  <a:pt x="821625" y="0"/>
+                  <a:pt x="1835150" y="0"/>
+                </a:cubicBezTo>
+                <a:close/>
+              </a:path>
+            </a:pathLst>
+          </a:custGeom>
+          <a:solidFill>
+            <a:schemeClr val="accent4">
+              <a:lumMod val="20000"/>
+              <a:lumOff val="80000"/>
+            </a:schemeClr>
+          </a:solidFill>
+          <a:ln w="38100">
+            <a:solidFill>
+              <a:schemeClr val="tx1"/>
+            </a:solidFill>
+          </a:ln>
+        </p:spPr>
+        <p:style>
+          <a:lnRef idx="2">
+            <a:schemeClr val="accent1">
+              <a:shade val="50000"/>
+            </a:schemeClr>
+          </a:lnRef>
+          <a:fillRef idx="1">
+            <a:schemeClr val="accent1"/>
+          </a:fillRef>
+          <a:effectRef idx="0">
+            <a:schemeClr val="accent1"/>
+          </a:effectRef>
+          <a:fontRef idx="minor">
+            <a:schemeClr val="lt1"/>
+          </a:fontRef>
+        </p:style>
+        <p:txBody>
+          <a:bodyPr rtlCol="0" anchor="ctr"/>
+          <a:lstStyle/>
+          <a:p>
+            <a:pPr algn="ctr"/>
+            <a:r>
+              <a:rPr lang="en-US" altLang="zh-TW" sz="2800" dirty="0" smtClean="0">
+                <a:solidFill>
+                  <a:schemeClr val="tx1"/>
+                </a:solidFill>
+              </a:rPr>
+              <a:t>rises</a:t>
+            </a:r>
+            <a:endParaRPr lang="zh-TW" altLang="en-US" sz="2800" dirty="0">
+              <a:solidFill>
+                <a:schemeClr val="tx1"/>
+              </a:solidFill>
+            </a:endParaRPr>
+          </a:p>
+        </p:txBody>
+      </p:sp>
+      <p:sp>
+        <p:nvSpPr>
+          <p:cNvPr id="7" name="手繪多邊形 6"/>
+          <p:cNvSpPr/>
+          <p:nvPr/>
+        </p:nvSpPr>
+        <p:spPr>
+          <a:xfrm>
+            <a:off x="8890894" y="2296488"/>
+            <a:ext cx="2388932" cy="3024653"/>
+          </a:xfrm>
+          <a:custGeom>
+            <a:avLst/>
+            <a:gdLst>
+              <a:gd name="connsiteX0" fmla="*/ 1208914 w 3044064"/>
+              <a:gd name="connsiteY0" fmla="*/ 0 h 3759200"/>
+              <a:gd name="connsiteX1" fmla="*/ 3044064 w 3044064"/>
+              <a:gd name="connsiteY1" fmla="*/ 1879600 h 3759200"/>
+              <a:gd name="connsiteX2" fmla="*/ 1208914 w 3044064"/>
+              <a:gd name="connsiteY2" fmla="*/ 3759200 h 3759200"/>
+              <a:gd name="connsiteX3" fmla="*/ 41588 w 3044064"/>
+              <a:gd name="connsiteY3" fmla="*/ 3329991 h 3759200"/>
+              <a:gd name="connsiteX4" fmla="*/ 0 w 3044064"/>
+              <a:gd name="connsiteY4" fmla="*/ 3291277 h 3759200"/>
+              <a:gd name="connsiteX5" fmla="*/ 88732 w 3044064"/>
+              <a:gd name="connsiteY5" fmla="*/ 3208678 h 3759200"/>
+              <a:gd name="connsiteX6" fmla="*/ 626235 w 3044064"/>
+              <a:gd name="connsiteY6" fmla="*/ 1879600 h 3759200"/>
+              <a:gd name="connsiteX7" fmla="*/ 88732 w 3044064"/>
+              <a:gd name="connsiteY7" fmla="*/ 550522 h 3759200"/>
+              <a:gd name="connsiteX8" fmla="*/ 0 w 3044064"/>
+              <a:gd name="connsiteY8" fmla="*/ 467923 h 3759200"/>
+              <a:gd name="connsiteX9" fmla="*/ 41588 w 3044064"/>
+              <a:gd name="connsiteY9" fmla="*/ 429209 h 3759200"/>
+              <a:gd name="connsiteX10" fmla="*/ 1208914 w 3044064"/>
+              <a:gd name="connsiteY10" fmla="*/ 0 h 3759200"/>
+            </a:gdLst>
+            <a:ahLst/>
+            <a:cxnLst>
+              <a:cxn ang="0">
+                <a:pos x="connsiteX0" y="connsiteY0"/>
+              </a:cxn>
+              <a:cxn ang="0">
+                <a:pos x="connsiteX1" y="connsiteY1"/>
+              </a:cxn>
+              <a:cxn ang="0">
+                <a:pos x="connsiteX2" y="connsiteY2"/>
+              </a:cxn>
+              <a:cxn ang="0">
+                <a:pos x="connsiteX3" y="connsiteY3"/>
+              </a:cxn>
+              <a:cxn ang="0">
+                <a:pos x="connsiteX4" y="connsiteY4"/>
+              </a:cxn>
+              <a:cxn ang="0">
+                <a:pos x="connsiteX5" y="connsiteY5"/>
+              </a:cxn>
+              <a:cxn ang="0">
+                <a:pos x="connsiteX6" y="connsiteY6"/>
+              </a:cxn>
+              <a:cxn ang="0">
+                <a:pos x="connsiteX7" y="connsiteY7"/>
+              </a:cxn>
+              <a:cxn ang="0">
+                <a:pos x="connsiteX8" y="connsiteY8"/>
+              </a:cxn>
+              <a:cxn ang="0">
+                <a:pos x="connsiteX9" y="connsiteY9"/>
+              </a:cxn>
+              <a:cxn ang="0">
+                <a:pos x="connsiteX10" y="connsiteY10"/>
+              </a:cxn>
+            </a:cxnLst>
+            <a:rect l="l" t="t" r="r" b="b"/>
+            <a:pathLst>
+              <a:path w="3044064" h="3759200">
+                <a:moveTo>
+                  <a:pt x="1208914" y="0"/>
+                </a:moveTo>
+                <a:cubicBezTo>
+                  <a:pt x="2222439" y="0"/>
+                  <a:pt x="3044064" y="841526"/>
+                  <a:pt x="3044064" y="1879600"/>
+                </a:cubicBezTo>
+                <a:cubicBezTo>
+                  <a:pt x="3044064" y="2917674"/>
+                  <a:pt x="2222439" y="3759200"/>
+                  <a:pt x="1208914" y="3759200"/>
+                </a:cubicBezTo>
+                <a:cubicBezTo>
+                  <a:pt x="765497" y="3759200"/>
+                  <a:pt x="358811" y="3598127"/>
+                  <a:pt x="41588" y="3329991"/>
+                </a:cubicBezTo>
+                <a:lnTo>
+                  <a:pt x="0" y="3291277"/>
+                </a:lnTo>
+                <a:lnTo>
+                  <a:pt x="88732" y="3208678"/>
+                </a:lnTo>
+                <a:cubicBezTo>
+                  <a:pt x="420829" y="2868537"/>
+                  <a:pt x="626235" y="2398637"/>
+                  <a:pt x="626235" y="1879600"/>
+                </a:cubicBezTo>
+                <a:cubicBezTo>
+                  <a:pt x="626235" y="1360563"/>
+                  <a:pt x="420829" y="890663"/>
+                  <a:pt x="88732" y="550522"/>
+                </a:cubicBezTo>
+                <a:lnTo>
+                  <a:pt x="0" y="467923"/>
+                </a:lnTo>
+                <a:lnTo>
+                  <a:pt x="41588" y="429209"/>
+                </a:lnTo>
+                <a:cubicBezTo>
+                  <a:pt x="358811" y="161073"/>
+                  <a:pt x="765497" y="0"/>
+                  <a:pt x="1208914" y="0"/>
+                </a:cubicBezTo>
+                <a:close/>
+              </a:path>
+            </a:pathLst>
+          </a:custGeom>
+          <a:solidFill>
+            <a:schemeClr val="accent4">
+              <a:lumMod val="20000"/>
+              <a:lumOff val="80000"/>
+            </a:schemeClr>
+          </a:solidFill>
+          <a:ln w="38100">
+            <a:solidFill>
+              <a:schemeClr val="tx1"/>
+            </a:solidFill>
+          </a:ln>
+        </p:spPr>
+        <p:style>
+          <a:lnRef idx="2">
+            <a:schemeClr val="accent1">
+              <a:shade val="50000"/>
+            </a:schemeClr>
+          </a:lnRef>
+          <a:fillRef idx="1">
+            <a:schemeClr val="accent1"/>
+          </a:fillRef>
+          <a:effectRef idx="0">
+            <a:schemeClr val="accent1"/>
+          </a:effectRef>
+          <a:fontRef idx="minor">
+            <a:schemeClr val="lt1"/>
+          </a:fontRef>
+        </p:style>
+        <p:txBody>
+          <a:bodyPr rtlCol="0" anchor="ctr"/>
+          <a:lstStyle/>
+          <a:p>
+            <a:pPr algn="ctr"/>
+            <a:r>
+              <a:rPr lang="en-US" altLang="zh-TW" sz="2400" dirty="0" smtClean="0">
+                <a:solidFill>
+                  <a:schemeClr val="tx1"/>
+                </a:solidFill>
+              </a:rPr>
+              <a:t>falls</a:t>
+            </a:r>
+            <a:endParaRPr lang="zh-TW" altLang="en-US" dirty="0">
+              <a:solidFill>
+                <a:schemeClr val="tx1"/>
+              </a:solidFill>
+            </a:endParaRPr>
+          </a:p>
+        </p:txBody>
+      </p:sp>
+      <p:sp>
+        <p:nvSpPr>
+          <p:cNvPr id="9" name="圓角矩形 8"/>
+          <p:cNvSpPr/>
+          <p:nvPr/>
+        </p:nvSpPr>
+        <p:spPr>
+          <a:xfrm>
+            <a:off x="7965106" y="1240643"/>
+            <a:ext cx="1786496" cy="881966"/>
+          </a:xfrm>
+          <a:prstGeom prst="roundRect">
+            <a:avLst/>
+          </a:prstGeom>
+        </p:spPr>
+        <p:style>
+          <a:lnRef idx="2">
+            <a:schemeClr val="accent2"/>
+          </a:lnRef>
+          <a:fillRef idx="1">
+            <a:schemeClr val="lt1"/>
+          </a:fillRef>
+          <a:effectRef idx="0">
+            <a:schemeClr val="accent2"/>
+          </a:effectRef>
+          <a:fontRef idx="minor">
+            <a:schemeClr val="dk1"/>
+          </a:fontRef>
+        </p:style>
+        <p:txBody>
+          <a:bodyPr rtlCol="0" anchor="ctr"/>
+          <a:lstStyle/>
+          <a:p>
+            <a:pPr algn="ctr"/>
+            <a:r>
+              <a:rPr lang="en-US" altLang="zh-TW" sz="2400" dirty="0" err="1" smtClean="0"/>
+              <a:t>Unloopable</a:t>
+            </a:r>
+            <a:endParaRPr lang="zh-TW" altLang="en-US" sz="2000" dirty="0"/>
+          </a:p>
+        </p:txBody>
+      </p:sp>
+      <p:sp>
+        <p:nvSpPr>
+          <p:cNvPr id="10" name="圓角矩形 9"/>
+          <p:cNvSpPr/>
+          <p:nvPr/>
+        </p:nvSpPr>
+        <p:spPr>
+          <a:xfrm>
+            <a:off x="8258131" y="3563573"/>
+            <a:ext cx="1526010" cy="735727"/>
+          </a:xfrm>
+          <a:prstGeom prst="roundRect">
+            <a:avLst/>
+          </a:prstGeom>
+        </p:spPr>
+        <p:style>
+          <a:lnRef idx="2">
+            <a:schemeClr val="accent1"/>
+          </a:lnRef>
+          <a:fillRef idx="1">
+            <a:schemeClr val="lt1"/>
+          </a:fillRef>
+          <a:effectRef idx="0">
+            <a:schemeClr val="accent1"/>
+          </a:effectRef>
+          <a:fontRef idx="minor">
+            <a:schemeClr val="dk1"/>
+          </a:fontRef>
+        </p:style>
+        <p:txBody>
+          <a:bodyPr rtlCol="0" anchor="ctr"/>
+          <a:lstStyle/>
+          <a:p>
+            <a:pPr algn="ctr"/>
+            <a:r>
+              <a:rPr lang="en-US" altLang="zh-TW" sz="2400" dirty="0" err="1" smtClean="0"/>
+              <a:t>Loopable</a:t>
+            </a:r>
+            <a:endParaRPr lang="zh-TW" altLang="en-US" sz="2000" dirty="0"/>
+          </a:p>
+        </p:txBody>
+      </p:sp>
+      <p:cxnSp>
+        <p:nvCxnSpPr>
+          <p:cNvPr id="12" name="直線單箭頭接點 11"/>
+          <p:cNvCxnSpPr>
+            <a:stCxn id="9" idx="1"/>
+          </p:cNvCxnSpPr>
+          <p:nvPr/>
+        </p:nvCxnSpPr>
+        <p:spPr>
+          <a:xfrm flipH="1">
+            <a:off x="7675251" y="1681626"/>
+            <a:ext cx="289855" cy="1209058"/>
+          </a:xfrm>
+          <a:prstGeom prst="straightConnector1">
+            <a:avLst/>
+          </a:prstGeom>
+          <a:ln w="28575">
+            <a:solidFill>
+              <a:schemeClr val="tx1"/>
+            </a:solidFill>
+            <a:tailEnd type="triangle"/>
+          </a:ln>
+        </p:spPr>
+        <p:style>
+          <a:lnRef idx="1">
+            <a:schemeClr val="accent1"/>
+          </a:lnRef>
+          <a:fillRef idx="0">
+            <a:schemeClr val="accent1"/>
+          </a:fillRef>
+          <a:effectRef idx="0">
+            <a:schemeClr val="accent1"/>
+          </a:effectRef>
+          <a:fontRef idx="minor">
+            <a:schemeClr val="tx1"/>
+          </a:fontRef>
+        </p:style>
+      </p:cxnSp>
+      <p:cxnSp>
+        <p:nvCxnSpPr>
+          <p:cNvPr id="14" name="直線單箭頭接點 13"/>
+          <p:cNvCxnSpPr>
+            <a:stCxn id="9" idx="3"/>
+          </p:cNvCxnSpPr>
+          <p:nvPr/>
+        </p:nvCxnSpPr>
+        <p:spPr>
+          <a:xfrm>
+            <a:off x="9751602" y="1681626"/>
+            <a:ext cx="221138" cy="1312803"/>
+          </a:xfrm>
+          <a:prstGeom prst="straightConnector1">
+            <a:avLst/>
+          </a:prstGeom>
+          <a:ln w="28575">
+            <a:solidFill>
+              <a:schemeClr val="tx1"/>
+            </a:solidFill>
+            <a:tailEnd type="triangle"/>
+          </a:ln>
+        </p:spPr>
+        <p:style>
+          <a:lnRef idx="1">
+            <a:schemeClr val="accent1"/>
+          </a:lnRef>
+          <a:fillRef idx="0">
+            <a:schemeClr val="accent1"/>
+          </a:fillRef>
+          <a:effectRef idx="0">
+            <a:schemeClr val="accent1"/>
+          </a:effectRef>
+          <a:fontRef idx="minor">
+            <a:schemeClr val="tx1"/>
+          </a:fontRef>
+        </p:style>
+      </p:cxnSp>
+      <p:cxnSp>
+        <p:nvCxnSpPr>
+          <p:cNvPr id="22" name="直線單箭頭接點 21"/>
+          <p:cNvCxnSpPr>
+            <a:stCxn id="23" idx="2"/>
+          </p:cNvCxnSpPr>
+          <p:nvPr/>
+        </p:nvCxnSpPr>
+        <p:spPr>
+          <a:xfrm flipH="1">
+            <a:off x="10974237" y="1989935"/>
+            <a:ext cx="4371" cy="511965"/>
+          </a:xfrm>
+          <a:prstGeom prst="straightConnector1">
+            <a:avLst/>
+          </a:prstGeom>
+          <a:ln w="76200">
+            <a:solidFill>
+              <a:schemeClr val="tx1"/>
+            </a:solidFill>
+            <a:tailEnd type="triangle"/>
+          </a:ln>
+        </p:spPr>
+        <p:style>
+          <a:lnRef idx="1">
+            <a:schemeClr val="accent1"/>
+          </a:lnRef>
+          <a:fillRef idx="0">
+            <a:schemeClr val="accent1"/>
+          </a:fillRef>
+          <a:effectRef idx="0">
+            <a:schemeClr val="accent1"/>
+          </a:effectRef>
+          <a:fontRef idx="minor">
+            <a:schemeClr val="tx1"/>
+          </a:fontRef>
+        </p:style>
+      </p:cxnSp>
+      <p:sp>
+        <p:nvSpPr>
+          <p:cNvPr id="23" name="圓角矩形 22"/>
+          <p:cNvSpPr/>
+          <p:nvPr/>
+        </p:nvSpPr>
+        <p:spPr>
+          <a:xfrm>
+            <a:off x="10085360" y="1107969"/>
+            <a:ext cx="1786496" cy="881966"/>
+          </a:xfrm>
+          <a:prstGeom prst="roundRect">
+            <a:avLst/>
+          </a:prstGeom>
+        </p:spPr>
+        <p:style>
+          <a:lnRef idx="2">
+            <a:schemeClr val="accent2"/>
+          </a:lnRef>
+          <a:fillRef idx="1">
+            <a:schemeClr val="lt1"/>
+          </a:fillRef>
+          <a:effectRef idx="0">
+            <a:schemeClr val="accent2"/>
+          </a:effectRef>
+          <a:fontRef idx="minor">
+            <a:schemeClr val="dk1"/>
+          </a:fontRef>
+        </p:style>
+        <p:txBody>
+          <a:bodyPr rtlCol="0" anchor="ctr"/>
+          <a:lstStyle/>
+          <a:p>
+            <a:pPr algn="ctr"/>
+            <a:r>
+              <a:rPr lang="en-US" altLang="zh-TW" sz="2400" dirty="0" smtClean="0"/>
+              <a:t>Unchanging</a:t>
+            </a:r>
+            <a:endParaRPr lang="zh-TW" altLang="en-US" sz="2800" dirty="0"/>
+          </a:p>
+        </p:txBody>
+      </p:sp>
+      <p:pic>
+        <p:nvPicPr>
+          <p:cNvPr id="32" name="內容版面配置區 3"/>
+          <p:cNvPicPr>
+            <a:picLocks noGrp="1" noChangeAspect="1"/>
+          </p:cNvPicPr>
+          <p:nvPr>
+            <p:ph idx="1"/>
+          </p:nvPr>
+        </p:nvPicPr>
+        <p:blipFill rotWithShape="1">
+          <a:blip r:embed="rId2"/>
+          <a:srcRect l="4716" t="26417" r="5272" b="4665"/>
+          <a:stretch/>
+        </p:blipFill>
+        <p:spPr>
+          <a:xfrm>
+            <a:off x="673246" y="4057620"/>
+            <a:ext cx="5765335" cy="1131305"/>
+          </a:xfrm>
+          <a:prstGeom prst="rect">
+            <a:avLst/>
+          </a:prstGeom>
+          <a:ln>
+            <a:solidFill>
+              <a:schemeClr val="tx1"/>
+            </a:solidFill>
+          </a:ln>
+        </p:spPr>
+      </p:pic>
+      <p:sp>
+        <p:nvSpPr>
+          <p:cNvPr id="36" name="文字方塊 35"/>
+          <p:cNvSpPr txBox="1"/>
+          <p:nvPr/>
+        </p:nvSpPr>
+        <p:spPr>
+          <a:xfrm>
+            <a:off x="777725" y="2089324"/>
+            <a:ext cx="5111030" cy="1569660"/>
+          </a:xfrm>
+          <a:prstGeom prst="rect">
+            <a:avLst/>
+          </a:prstGeom>
+          <a:noFill/>
+        </p:spPr>
+        <p:txBody>
+          <a:bodyPr wrap="square" rtlCol="0">
+            <a:spAutoFit/>
+          </a:bodyPr>
+          <a:lstStyle/>
+          <a:p>
+            <a:pPr marL="285750" indent="-285750">
+              <a:buFont typeface="Arial" panose="020B0604020202020204" pitchFamily="34" charset="0"/>
+              <a:buChar char="•"/>
+            </a:pPr>
+            <a:r>
+              <a:rPr lang="en-US" altLang="zh-TW" sz="2400" dirty="0" smtClean="0"/>
+              <a:t>Check RGB channel to get label(x)</a:t>
+            </a:r>
+          </a:p>
+          <a:p>
+            <a:pPr marL="285750" indent="-285750">
+              <a:buFont typeface="Arial" panose="020B0604020202020204" pitchFamily="34" charset="0"/>
+              <a:buChar char="•"/>
+            </a:pPr>
+            <a:r>
+              <a:rPr lang="en-US" altLang="zh-TW" sz="2400" dirty="0" smtClean="0"/>
+              <a:t>Next we will focus on </a:t>
+            </a:r>
+            <a:r>
+              <a:rPr lang="en-US" altLang="zh-TW" sz="2400" dirty="0" err="1" smtClean="0"/>
+              <a:t>Loopable</a:t>
+            </a:r>
+            <a:r>
+              <a:rPr lang="en-US" altLang="zh-TW" sz="2400" dirty="0" smtClean="0"/>
+              <a:t> pixel. </a:t>
+            </a:r>
+          </a:p>
+          <a:p>
+            <a:pPr marL="285750" indent="-285750">
+              <a:buFont typeface="Arial" panose="020B0604020202020204" pitchFamily="34" charset="0"/>
+              <a:buChar char="•"/>
+            </a:pPr>
+            <a:r>
+              <a:rPr lang="en-US" altLang="zh-TW" sz="2400" dirty="0" smtClean="0"/>
+              <a:t>Leave </a:t>
+            </a:r>
+            <a:r>
+              <a:rPr lang="en-US" altLang="zh-TW" sz="2400" dirty="0" err="1" smtClean="0"/>
+              <a:t>unloopable</a:t>
+            </a:r>
+            <a:r>
+              <a:rPr lang="en-US" altLang="zh-TW" sz="2400" dirty="0" smtClean="0"/>
+              <a:t>, unchanging pixel into static.</a:t>
+            </a:r>
+            <a:endParaRPr lang="zh-TW" altLang="en-US" sz="2400" dirty="0"/>
+          </a:p>
+        </p:txBody>
+      </p:sp>
+      <p:sp>
+        <p:nvSpPr>
+          <p:cNvPr id="39" name="向右箭號 38"/>
+          <p:cNvSpPr/>
+          <p:nvPr/>
+        </p:nvSpPr>
+        <p:spPr>
+          <a:xfrm rot="19767334">
+            <a:off x="8258131" y="4457700"/>
+            <a:ext cx="632763" cy="486951"/>
+          </a:xfrm>
+          <a:prstGeom prst="rightArrow">
+            <a:avLst/>
+          </a:prstGeom>
+          <a:solidFill>
+            <a:srgbClr val="FF0000"/>
+          </a:solidFill>
+        </p:spPr>
+        <p:style>
+          <a:lnRef idx="1">
+            <a:schemeClr val="accent2"/>
+          </a:lnRef>
+          <a:fillRef idx="3">
+            <a:schemeClr val="accent2"/>
+          </a:fillRef>
+          <a:effectRef idx="2">
+            <a:schemeClr val="accent2"/>
+          </a:effectRef>
+          <a:fontRef idx="minor">
+            <a:schemeClr val="lt1"/>
+          </a:fontRef>
+        </p:style>
+        <p:txBody>
+          <a:bodyPr rtlCol="0" anchor="ctr"/>
+          <a:lstStyle/>
+          <a:p>
+            <a:pPr algn="ctr"/>
+            <a:endParaRPr lang="zh-TW" altLang="en-US"/>
+          </a:p>
+        </p:txBody>
+      </p:sp>
+    </p:spTree>
+    <p:extLst>
+      <p:ext uri="{BB962C8B-B14F-4D97-AF65-F5344CB8AC3E}">
+        <p14:creationId xmlns:p14="http://schemas.microsoft.com/office/powerpoint/2010/main" val="3051153869"/>
+      </p:ext>
+    </p:extLst>
+  </p:cSld>
+  <p:clrMapOvr>
+    <a:masterClrMapping/>
+  </p:clrMapOvr>
+  <p:timing>
+    <p:tnLst>
+      <p:par>
+        <p:cTn id="1" dur="indefinite" restart="never" nodeType="tmRoot"/>
+      </p:par>
+    </p:tnLst>
+  </p:timing>
+</p:sld>
+</file>
+
+<file path=ppt/slides/slide8.xml><?xml version="1.0" encoding="utf-8"?>
+<p:sld xmlns:a="http://schemas.openxmlformats.org/drawingml/2006/main" xmlns:r="http://schemas.openxmlformats.org/officeDocument/2006/relationships" xmlns:p="http://schemas.openxmlformats.org/presentationml/2006/main">
+  <p:cSld>
+    <p:spTree>
+      <p:nvGrpSpPr>
+        <p:cNvPr id="1" name=""/>
+        <p:cNvGrpSpPr/>
+        <p:nvPr/>
+      </p:nvGrpSpPr>
+      <p:grpSpPr>
+        <a:xfrm>
+          <a:off x="0" y="0"/>
+          <a:ext cx="0" cy="0"/>
+          <a:chOff x="0" y="0"/>
+          <a:chExt cx="0" cy="0"/>
+        </a:xfrm>
+      </p:grpSpPr>
+      <p:sp>
+        <p:nvSpPr>
+          <p:cNvPr id="2" name="標題 1"/>
+          <p:cNvSpPr>
+            <a:spLocks noGrp="1"/>
+          </p:cNvSpPr>
+          <p:nvPr>
+            <p:ph type="title"/>
+          </p:nvPr>
+        </p:nvSpPr>
+        <p:spPr/>
+        <p:txBody>
+          <a:bodyPr/>
+          <a:lstStyle/>
+          <a:p>
+            <a:r>
+              <a:rPr lang="en-US" altLang="zh-TW" dirty="0" smtClean="0"/>
+              <a:t>Classification of </a:t>
+            </a:r>
+            <a:r>
+              <a:rPr lang="en-US" altLang="zh-TW" dirty="0" err="1" smtClean="0"/>
+              <a:t>loopable</a:t>
+            </a:r>
+            <a:r>
+              <a:rPr lang="en-US" altLang="zh-TW" dirty="0" smtClean="0"/>
+              <a:t> pixels: Smooth </a:t>
+            </a:r>
+            <a:endParaRPr lang="zh-TW" altLang="en-US" dirty="0"/>
+          </a:p>
+        </p:txBody>
+      </p:sp>
+      <p:pic>
+        <p:nvPicPr>
+          <p:cNvPr id="5" name="圖片 4"/>
+          <p:cNvPicPr>
+            <a:picLocks noChangeAspect="1"/>
+          </p:cNvPicPr>
+          <p:nvPr/>
+        </p:nvPicPr>
+        <p:blipFill rotWithShape="1">
+          <a:blip r:embed="rId2" cstate="print">
+            <a:extLst>
+              <a:ext uri="{28A0092B-C50C-407E-A947-70E740481C1C}">
+                <a14:useLocalDpi xmlns:a14="http://schemas.microsoft.com/office/drawing/2010/main" val="0"/>
+              </a:ext>
+            </a:extLst>
+          </a:blip>
+          <a:srcRect l="17257" r="15837"/>
+          <a:stretch/>
+        </p:blipFill>
+        <p:spPr>
+          <a:xfrm>
+            <a:off x="6489700" y="2008740"/>
+            <a:ext cx="4711700" cy="3345138"/>
+          </a:xfrm>
+          <a:prstGeom prst="rect">
+            <a:avLst/>
+          </a:prstGeom>
+        </p:spPr>
+      </p:pic>
+      <p:pic>
+        <p:nvPicPr>
+          <p:cNvPr id="4" name="內容版面配置區 3"/>
+          <p:cNvPicPr>
+            <a:picLocks noGrp="1" noChangeAspect="1"/>
+          </p:cNvPicPr>
+          <p:nvPr>
+            <p:ph idx="1"/>
+          </p:nvPr>
+        </p:nvPicPr>
+        <p:blipFill rotWithShape="1">
+          <a:blip r:embed="rId3" cstate="print">
+            <a:extLst>
+              <a:ext uri="{28A0092B-C50C-407E-A947-70E740481C1C}">
+                <a14:useLocalDpi xmlns:a14="http://schemas.microsoft.com/office/drawing/2010/main" val="0"/>
+              </a:ext>
+            </a:extLst>
+          </a:blip>
+          <a:srcRect l="14537" r="16214"/>
+          <a:stretch/>
+        </p:blipFill>
+        <p:spPr>
+          <a:xfrm>
+            <a:off x="533399" y="2008740"/>
+            <a:ext cx="4876801" cy="3345138"/>
+          </a:xfrm>
+        </p:spPr>
+      </p:pic>
+      <p:sp>
+        <p:nvSpPr>
+          <p:cNvPr id="6" name="文字方塊 5"/>
+          <p:cNvSpPr txBox="1"/>
+          <p:nvPr/>
+        </p:nvSpPr>
+        <p:spPr>
+          <a:xfrm>
+            <a:off x="6718852" y="4969566"/>
+            <a:ext cx="4240696" cy="369332"/>
+          </a:xfrm>
+          <a:prstGeom prst="rect">
+            <a:avLst/>
+          </a:prstGeom>
+          <a:noFill/>
+        </p:spPr>
+        <p:txBody>
+          <a:bodyPr wrap="square" rtlCol="0">
+            <a:spAutoFit/>
+          </a:bodyPr>
+          <a:lstStyle/>
+          <a:p>
+            <a:r>
+              <a:rPr lang="en-US" altLang="zh-TW" dirty="0" smtClean="0"/>
+              <a:t>Smoothed by Gaussian filter (</a:t>
+            </a:r>
+            <a:r>
+              <a:rPr lang="el-GR" altLang="zh-TW" dirty="0" smtClean="0"/>
+              <a:t>σ = </a:t>
+            </a:r>
+            <a:r>
+              <a:rPr lang="en-US" altLang="zh-TW" dirty="0" smtClean="0"/>
+              <a:t>2</a:t>
+            </a:r>
+            <a:r>
+              <a:rPr lang="el-GR" altLang="zh-TW" dirty="0" smtClean="0"/>
+              <a:t> </a:t>
+            </a:r>
+            <a:r>
+              <a:rPr lang="en-US" altLang="zh-TW" dirty="0" smtClean="0"/>
+              <a:t>pixels) </a:t>
+            </a:r>
+            <a:endParaRPr lang="zh-TW" altLang="en-US" dirty="0"/>
+          </a:p>
+        </p:txBody>
+      </p:sp>
+      <p:sp>
+        <p:nvSpPr>
+          <p:cNvPr id="7" name="文字方塊 6"/>
+          <p:cNvSpPr txBox="1"/>
+          <p:nvPr/>
+        </p:nvSpPr>
+        <p:spPr>
+          <a:xfrm>
+            <a:off x="1736036" y="4958042"/>
+            <a:ext cx="4240696" cy="369332"/>
+          </a:xfrm>
+          <a:prstGeom prst="rect">
+            <a:avLst/>
+          </a:prstGeom>
+          <a:noFill/>
+        </p:spPr>
+        <p:txBody>
+          <a:bodyPr wrap="square" rtlCol="0">
+            <a:spAutoFit/>
+          </a:bodyPr>
+          <a:lstStyle/>
+          <a:p>
+            <a:r>
+              <a:rPr lang="en-US" altLang="zh-TW" dirty="0" smtClean="0"/>
+              <a:t>Result without smoothing</a:t>
+            </a:r>
+            <a:endParaRPr lang="zh-TW" altLang="en-US" dirty="0"/>
+          </a:p>
+        </p:txBody>
+      </p:sp>
+    </p:spTree>
+    <p:extLst>
+      <p:ext uri="{BB962C8B-B14F-4D97-AF65-F5344CB8AC3E}">
+        <p14:creationId xmlns:p14="http://schemas.microsoft.com/office/powerpoint/2010/main" val="119809995"/>
+      </p:ext>
+    </p:extLst>
+  </p:cSld>
+  <p:clrMapOvr>
+    <a:masterClrMapping/>
+  </p:clrMapOvr>
+  <p:timing>
+    <p:tnLst>
+      <p:par>
+        <p:cTn id="1" dur="indefinite" restart="never" nodeType="tmRoot"/>
+      </p:par>
+    </p:tnLst>
+  </p:timing>
+</p:sld>
+</file>
+
+<file path=ppt/slides/slide9.xml><?xml version="1.0" encoding="utf-8"?>
+<p:sld xmlns:a="http://schemas.openxmlformats.org/drawingml/2006/main" xmlns:r="http://schemas.openxmlformats.org/officeDocument/2006/relationships" xmlns:p="http://schemas.openxmlformats.org/presentationml/2006/main">
+  <p:cSld>
+    <p:spTree>
+      <p:nvGrpSpPr>
+        <p:cNvPr id="1" name=""/>
+        <p:cNvGrpSpPr/>
+        <p:nvPr/>
+      </p:nvGrpSpPr>
+      <p:grpSpPr>
+        <a:xfrm>
+          <a:off x="0" y="0"/>
+          <a:ext cx="0" cy="0"/>
+          <a:chOff x="0" y="0"/>
+          <a:chExt cx="0" cy="0"/>
+        </a:xfrm>
+      </p:grpSpPr>
+      <p:sp>
+        <p:nvSpPr>
+          <p:cNvPr id="2" name="標題 1"/>
+          <p:cNvSpPr>
+            <a:spLocks noGrp="1"/>
+          </p:cNvSpPr>
+          <p:nvPr>
+            <p:ph type="title"/>
+          </p:nvPr>
+        </p:nvSpPr>
+        <p:spPr/>
+        <p:txBody>
+          <a:bodyPr/>
+          <a:lstStyle/>
+          <a:p>
+            <a:r>
+              <a:rPr lang="en-US" altLang="zh-TW" dirty="0" smtClean="0"/>
+              <a:t>Classification of </a:t>
+            </a:r>
+            <a:r>
+              <a:rPr lang="en-US" altLang="zh-TW" dirty="0" err="1" smtClean="0"/>
+              <a:t>loopable</a:t>
+            </a:r>
+            <a:r>
+              <a:rPr lang="en-US" altLang="zh-TW" dirty="0" smtClean="0"/>
+              <a:t> pixels: Smooth </a:t>
+            </a:r>
+            <a:endParaRPr lang="zh-TW" altLang="en-US" dirty="0"/>
+          </a:p>
+        </p:txBody>
+      </p:sp>
+      <p:sp>
+        <p:nvSpPr>
+          <p:cNvPr id="6" name="文字方塊 5"/>
+          <p:cNvSpPr txBox="1"/>
+          <p:nvPr/>
+        </p:nvSpPr>
+        <p:spPr>
+          <a:xfrm>
+            <a:off x="6718852" y="4969566"/>
+            <a:ext cx="4240696" cy="369332"/>
+          </a:xfrm>
+          <a:prstGeom prst="rect">
+            <a:avLst/>
+          </a:prstGeom>
+          <a:noFill/>
+        </p:spPr>
+        <p:txBody>
+          <a:bodyPr wrap="square" rtlCol="0">
+            <a:spAutoFit/>
+          </a:bodyPr>
+          <a:lstStyle/>
+          <a:p>
+            <a:r>
+              <a:rPr lang="en-US" altLang="zh-TW" dirty="0" smtClean="0"/>
+              <a:t>Smoothed by Gaussian filter (</a:t>
+            </a:r>
+            <a:r>
+              <a:rPr lang="el-GR" altLang="zh-TW" dirty="0" smtClean="0"/>
+              <a:t>σ = </a:t>
+            </a:r>
+            <a:r>
+              <a:rPr lang="en-US" altLang="zh-TW" dirty="0" smtClean="0"/>
+              <a:t>2</a:t>
+            </a:r>
+            <a:r>
+              <a:rPr lang="el-GR" altLang="zh-TW" dirty="0" smtClean="0"/>
+              <a:t> </a:t>
+            </a:r>
+            <a:r>
+              <a:rPr lang="en-US" altLang="zh-TW" dirty="0" smtClean="0"/>
+              <a:t>pixels) </a:t>
+            </a:r>
+            <a:endParaRPr lang="zh-TW" altLang="en-US" dirty="0"/>
+          </a:p>
+        </p:txBody>
+      </p:sp>
+      <p:sp>
+        <p:nvSpPr>
+          <p:cNvPr id="7" name="文字方塊 6"/>
+          <p:cNvSpPr txBox="1"/>
+          <p:nvPr/>
+        </p:nvSpPr>
+        <p:spPr>
+          <a:xfrm>
+            <a:off x="1736036" y="4958042"/>
+            <a:ext cx="4240696" cy="369332"/>
+          </a:xfrm>
+          <a:prstGeom prst="rect">
+            <a:avLst/>
+          </a:prstGeom>
+          <a:noFill/>
+        </p:spPr>
+        <p:txBody>
+          <a:bodyPr wrap="square" rtlCol="0">
+            <a:spAutoFit/>
+          </a:bodyPr>
+          <a:lstStyle/>
+          <a:p>
+            <a:r>
+              <a:rPr lang="en-US" altLang="zh-TW" dirty="0" smtClean="0"/>
+              <a:t>Result without smoothing</a:t>
+            </a:r>
+            <a:endParaRPr lang="zh-TW" altLang="en-US" dirty="0"/>
+          </a:p>
+        </p:txBody>
+      </p:sp>
+      <p:pic>
+        <p:nvPicPr>
+          <p:cNvPr id="8" name="內容版面配置區 7"/>
+          <p:cNvPicPr>
+            <a:picLocks noGrp="1" noChangeAspect="1"/>
+          </p:cNvPicPr>
+          <p:nvPr>
+            <p:ph idx="1"/>
+          </p:nvPr>
+        </p:nvPicPr>
+        <p:blipFill>
+          <a:blip r:embed="rId2">
+            <a:extLst>
+              <a:ext uri="{28A0092B-C50C-407E-A947-70E740481C1C}">
+                <a14:useLocalDpi xmlns:a14="http://schemas.microsoft.com/office/drawing/2010/main" val="0"/>
+              </a:ext>
+            </a:extLst>
+          </a:blip>
+          <a:stretch>
+            <a:fillRect/>
+          </a:stretch>
+        </p:blipFill>
+        <p:spPr>
+          <a:xfrm>
+            <a:off x="323563" y="2084832"/>
+            <a:ext cx="5276963" cy="2931646"/>
+          </a:xfrm>
+        </p:spPr>
+      </p:pic>
+      <p:pic>
+        <p:nvPicPr>
+          <p:cNvPr id="9" name="圖片 8"/>
+          <p:cNvPicPr>
+            <a:picLocks noChangeAspect="1"/>
+          </p:cNvPicPr>
+          <p:nvPr/>
+        </p:nvPicPr>
+        <p:blipFill>
+          <a:blip r:embed="rId3">
+            <a:extLst>
+              <a:ext uri="{28A0092B-C50C-407E-A947-70E740481C1C}">
+                <a14:useLocalDpi xmlns:a14="http://schemas.microsoft.com/office/drawing/2010/main" val="0"/>
+              </a:ext>
+            </a:extLst>
+          </a:blip>
+          <a:stretch>
+            <a:fillRect/>
+          </a:stretch>
+        </p:blipFill>
+        <p:spPr>
+          <a:xfrm>
+            <a:off x="6068567" y="2080111"/>
+            <a:ext cx="5318379" cy="2954655"/>
+          </a:xfrm>
+          <a:prstGeom prst="rect">
+            <a:avLst/>
+          </a:prstGeom>
+        </p:spPr>
+      </p:pic>
+    </p:spTree>
+    <p:extLst>
+      <p:ext uri="{BB962C8B-B14F-4D97-AF65-F5344CB8AC3E}">
+        <p14:creationId xmlns:p14="http://schemas.microsoft.com/office/powerpoint/2010/main" val="2089234856"/>
+      </p:ext>
+    </p:extLst>
+  </p:cSld>
+  <p:clrMapOvr>
+    <a:masterClrMapping/>
+  </p:clrMapOvr>
   <p:timing>
     <p:tnLst>
       <p:par>
